--- a/Lecture_13.pptx
+++ b/Lecture_13.pptx
@@ -12,12 +12,13 @@
     <p:sldId id="259" r:id="rId6"/>
     <p:sldId id="260" r:id="rId7"/>
     <p:sldId id="261" r:id="rId8"/>
-    <p:sldId id="263" r:id="rId9"/>
-    <p:sldId id="264" r:id="rId10"/>
-    <p:sldId id="265" r:id="rId11"/>
-    <p:sldId id="266" r:id="rId12"/>
-    <p:sldId id="267" r:id="rId13"/>
-    <p:sldId id="269" r:id="rId14"/>
+    <p:sldId id="264" r:id="rId9"/>
+    <p:sldId id="270" r:id="rId10"/>
+    <p:sldId id="263" r:id="rId11"/>
+    <p:sldId id="265" r:id="rId12"/>
+    <p:sldId id="266" r:id="rId13"/>
+    <p:sldId id="267" r:id="rId14"/>
+    <p:sldId id="269" r:id="rId15"/>
   </p:sldIdLst>
   <p:sldSz cx="12192000" cy="6858000"/>
   <p:notesSz cx="6858000" cy="9144000"/>
@@ -255,7 +256,7 @@
           <a:p>
             <a:fld id="{D18F7021-51EE-4504-9E8B-CA8E0F252E46}" type="datetimeFigureOut">
               <a:rPr lang="en-CA" smtClean="0"/>
-              <a:t>2019-10-01</a:t>
+              <a:t>2019-10-02</a:t>
             </a:fld>
             <a:endParaRPr lang="en-CA"/>
           </a:p>
@@ -425,7 +426,7 @@
           <a:p>
             <a:fld id="{D18F7021-51EE-4504-9E8B-CA8E0F252E46}" type="datetimeFigureOut">
               <a:rPr lang="en-CA" smtClean="0"/>
-              <a:t>2019-10-01</a:t>
+              <a:t>2019-10-02</a:t>
             </a:fld>
             <a:endParaRPr lang="en-CA"/>
           </a:p>
@@ -605,7 +606,7 @@
           <a:p>
             <a:fld id="{D18F7021-51EE-4504-9E8B-CA8E0F252E46}" type="datetimeFigureOut">
               <a:rPr lang="en-CA" smtClean="0"/>
-              <a:t>2019-10-01</a:t>
+              <a:t>2019-10-02</a:t>
             </a:fld>
             <a:endParaRPr lang="en-CA"/>
           </a:p>
@@ -775,7 +776,7 @@
           <a:p>
             <a:fld id="{D18F7021-51EE-4504-9E8B-CA8E0F252E46}" type="datetimeFigureOut">
               <a:rPr lang="en-CA" smtClean="0"/>
-              <a:t>2019-10-01</a:t>
+              <a:t>2019-10-02</a:t>
             </a:fld>
             <a:endParaRPr lang="en-CA"/>
           </a:p>
@@ -1021,7 +1022,7 @@
           <a:p>
             <a:fld id="{D18F7021-51EE-4504-9E8B-CA8E0F252E46}" type="datetimeFigureOut">
               <a:rPr lang="en-CA" smtClean="0"/>
-              <a:t>2019-10-01</a:t>
+              <a:t>2019-10-02</a:t>
             </a:fld>
             <a:endParaRPr lang="en-CA"/>
           </a:p>
@@ -1253,7 +1254,7 @@
           <a:p>
             <a:fld id="{D18F7021-51EE-4504-9E8B-CA8E0F252E46}" type="datetimeFigureOut">
               <a:rPr lang="en-CA" smtClean="0"/>
-              <a:t>2019-10-01</a:t>
+              <a:t>2019-10-02</a:t>
             </a:fld>
             <a:endParaRPr lang="en-CA"/>
           </a:p>
@@ -1620,7 +1621,7 @@
           <a:p>
             <a:fld id="{D18F7021-51EE-4504-9E8B-CA8E0F252E46}" type="datetimeFigureOut">
               <a:rPr lang="en-CA" smtClean="0"/>
-              <a:t>2019-10-01</a:t>
+              <a:t>2019-10-02</a:t>
             </a:fld>
             <a:endParaRPr lang="en-CA"/>
           </a:p>
@@ -1738,7 +1739,7 @@
           <a:p>
             <a:fld id="{D18F7021-51EE-4504-9E8B-CA8E0F252E46}" type="datetimeFigureOut">
               <a:rPr lang="en-CA" smtClean="0"/>
-              <a:t>2019-10-01</a:t>
+              <a:t>2019-10-02</a:t>
             </a:fld>
             <a:endParaRPr lang="en-CA"/>
           </a:p>
@@ -1833,7 +1834,7 @@
           <a:p>
             <a:fld id="{D18F7021-51EE-4504-9E8B-CA8E0F252E46}" type="datetimeFigureOut">
               <a:rPr lang="en-CA" smtClean="0"/>
-              <a:t>2019-10-01</a:t>
+              <a:t>2019-10-02</a:t>
             </a:fld>
             <a:endParaRPr lang="en-CA"/>
           </a:p>
@@ -2110,7 +2111,7 @@
           <a:p>
             <a:fld id="{D18F7021-51EE-4504-9E8B-CA8E0F252E46}" type="datetimeFigureOut">
               <a:rPr lang="en-CA" smtClean="0"/>
-              <a:t>2019-10-01</a:t>
+              <a:t>2019-10-02</a:t>
             </a:fld>
             <a:endParaRPr lang="en-CA"/>
           </a:p>
@@ -2363,7 +2364,7 @@
           <a:p>
             <a:fld id="{D18F7021-51EE-4504-9E8B-CA8E0F252E46}" type="datetimeFigureOut">
               <a:rPr lang="en-CA" smtClean="0"/>
-              <a:t>2019-10-01</a:t>
+              <a:t>2019-10-02</a:t>
             </a:fld>
             <a:endParaRPr lang="en-CA"/>
           </a:p>
@@ -2576,7 +2577,7 @@
           <a:p>
             <a:fld id="{D18F7021-51EE-4504-9E8B-CA8E0F252E46}" type="datetimeFigureOut">
               <a:rPr lang="en-CA" smtClean="0"/>
-              <a:t>2019-10-01</a:t>
+              <a:t>2019-10-02</a:t>
             </a:fld>
             <a:endParaRPr lang="en-CA"/>
           </a:p>
@@ -3055,6 +3056,853 @@
 </file>
 
 <file path=ppt/slides/slide10.xml><?xml version="1.0" encoding="utf-8"?>
+<p:sld xmlns:a="http://schemas.openxmlformats.org/drawingml/2006/main" xmlns:r="http://schemas.openxmlformats.org/officeDocument/2006/relationships" xmlns:p="http://schemas.openxmlformats.org/presentationml/2006/main">
+  <p:cSld>
+    <p:spTree>
+      <p:nvGrpSpPr>
+        <p:cNvPr id="1" name=""/>
+        <p:cNvGrpSpPr/>
+        <p:nvPr/>
+      </p:nvGrpSpPr>
+      <p:grpSpPr>
+        <a:xfrm>
+          <a:off x="0" y="0"/>
+          <a:ext cx="0" cy="0"/>
+          <a:chOff x="0" y="0"/>
+          <a:chExt cx="0" cy="0"/>
+        </a:xfrm>
+      </p:grpSpPr>
+      <p:sp>
+        <p:nvSpPr>
+          <p:cNvPr id="2" name="Title 1"/>
+          <p:cNvSpPr>
+            <a:spLocks noGrp="1"/>
+          </p:cNvSpPr>
+          <p:nvPr>
+            <p:ph type="title"/>
+          </p:nvPr>
+        </p:nvSpPr>
+        <p:spPr>
+          <a:xfrm>
+            <a:off x="0" y="0"/>
+            <a:ext cx="10515600" cy="928255"/>
+          </a:xfrm>
+        </p:spPr>
+        <p:txBody>
+          <a:bodyPr/>
+          <a:lstStyle/>
+          <a:p>
+            <a:r>
+              <a:rPr lang="en-CA" dirty="0" smtClean="0"/>
+              <a:t>Informational loss function and MDL</a:t>
+            </a:r>
+            <a:endParaRPr lang="en-CA" dirty="0"/>
+          </a:p>
+        </p:txBody>
+      </p:sp>
+      <mc:AlternateContent xmlns:mc="http://schemas.openxmlformats.org/markup-compatibility/2006">
+        <mc:Choice xmlns:a14="http://schemas.microsoft.com/office/drawing/2010/main" Requires="a14">
+          <p:sp>
+            <p:nvSpPr>
+              <p:cNvPr id="3" name="Content Placeholder 2"/>
+              <p:cNvSpPr>
+                <a:spLocks noGrp="1"/>
+              </p:cNvSpPr>
+              <p:nvPr>
+                <p:ph idx="1"/>
+              </p:nvPr>
+            </p:nvSpPr>
+            <p:spPr>
+              <a:xfrm>
+                <a:off x="0" y="928254"/>
+                <a:ext cx="12192000" cy="5929745"/>
+              </a:xfrm>
+            </p:spPr>
+            <p:txBody>
+              <a:bodyPr>
+                <a:normAutofit/>
+              </a:bodyPr>
+              <a:lstStyle/>
+              <a:p>
+                <a:r>
+                  <a:rPr lang="en-CA" dirty="0" smtClean="0"/>
+                  <a:t>Reminder: informational loss = </a:t>
+                </a:r>
+                <a14:m>
+                  <m:oMath xmlns:m="http://schemas.openxmlformats.org/officeDocument/2006/math">
+                    <m:r>
+                      <a:rPr lang="en-CA" i="1">
+                        <a:latin typeface="Cambria Math" panose="02040503050406030204" pitchFamily="18" charset="0"/>
+                      </a:rPr>
+                      <m:t>−</m:t>
+                    </m:r>
+                    <m:r>
+                      <a:rPr lang="en-CA" i="1">
+                        <a:latin typeface="Cambria Math" panose="02040503050406030204" pitchFamily="18" charset="0"/>
+                      </a:rPr>
+                      <m:t>𝑙𝑜𝑔</m:t>
+                    </m:r>
+                    <m:r>
+                      <a:rPr lang="en-CA" i="1" baseline="-25000">
+                        <a:latin typeface="Cambria Math" panose="02040503050406030204" pitchFamily="18" charset="0"/>
+                      </a:rPr>
+                      <m:t>2</m:t>
+                    </m:r>
+                    <m:r>
+                      <a:rPr lang="en-CA" i="1">
+                        <a:latin typeface="Cambria Math" panose="02040503050406030204" pitchFamily="18" charset="0"/>
+                      </a:rPr>
+                      <m:t>(</m:t>
+                    </m:r>
+                    <m:sSub>
+                      <m:sSubPr>
+                        <m:ctrlPr>
+                          <a:rPr lang="en-CA" i="1">
+                            <a:latin typeface="Cambria Math" panose="02040503050406030204" pitchFamily="18" charset="0"/>
+                          </a:rPr>
+                        </m:ctrlPr>
+                      </m:sSubPr>
+                      <m:e>
+                        <m:r>
+                          <a:rPr lang="en-CA" i="1">
+                            <a:latin typeface="Cambria Math" panose="02040503050406030204" pitchFamily="18" charset="0"/>
+                          </a:rPr>
+                          <m:t>𝑝</m:t>
+                        </m:r>
+                      </m:e>
+                      <m:sub>
+                        <m:r>
+                          <a:rPr lang="en-CA" i="1">
+                            <a:latin typeface="Cambria Math" panose="02040503050406030204" pitchFamily="18" charset="0"/>
+                          </a:rPr>
+                          <m:t>𝑖</m:t>
+                        </m:r>
+                      </m:sub>
+                    </m:sSub>
+                    <m:r>
+                      <a:rPr lang="en-CA" i="1">
+                        <a:latin typeface="Cambria Math" panose="02040503050406030204" pitchFamily="18" charset="0"/>
+                      </a:rPr>
+                      <m:t>)</m:t>
+                    </m:r>
+                  </m:oMath>
+                </a14:m>
+                <a:r>
+                  <a:rPr lang="en-CA" dirty="0"/>
+                  <a:t> where </a:t>
+                </a:r>
+                <a:r>
+                  <a:rPr lang="en-CA" dirty="0" err="1"/>
+                  <a:t>i</a:t>
+                </a:r>
+                <a:r>
+                  <a:rPr lang="en-CA" baseline="30000" dirty="0" err="1"/>
+                  <a:t>th</a:t>
+                </a:r>
+                <a:r>
+                  <a:rPr lang="en-CA" dirty="0"/>
+                  <a:t> prediction is </a:t>
+                </a:r>
+                <a:r>
+                  <a:rPr lang="en-CA" dirty="0" smtClean="0"/>
+                  <a:t>correct</a:t>
+                </a:r>
+                <a:endParaRPr lang="en-CA" dirty="0"/>
+              </a:p>
+              <a:p>
+                <a:r>
+                  <a:rPr lang="en-CA" dirty="0" smtClean="0"/>
+                  <a:t>Informational loss function r</a:t>
+                </a:r>
+                <a:r>
+                  <a:rPr lang="en-CA" dirty="0" smtClean="0"/>
+                  <a:t>epresents </a:t>
+                </a:r>
+                <a:r>
+                  <a:rPr lang="en-CA" dirty="0"/>
+                  <a:t>information (bits) required to express correct class </a:t>
+                </a:r>
+                <a:r>
+                  <a:rPr lang="en-CA" dirty="0" err="1"/>
+                  <a:t>i</a:t>
+                </a:r>
+                <a:r>
+                  <a:rPr lang="en-CA" dirty="0"/>
+                  <a:t> with respect to the probability distribution </a:t>
+                </a:r>
+                <a14:m>
+                  <m:oMath xmlns:m="http://schemas.openxmlformats.org/officeDocument/2006/math">
+                    <m:sSub>
+                      <m:sSubPr>
+                        <m:ctrlPr>
+                          <a:rPr lang="en-CA" i="1">
+                            <a:latin typeface="Cambria Math" panose="02040503050406030204" pitchFamily="18" charset="0"/>
+                          </a:rPr>
+                        </m:ctrlPr>
+                      </m:sSubPr>
+                      <m:e>
+                        <m:r>
+                          <a:rPr lang="en-CA" i="1">
+                            <a:latin typeface="Cambria Math" panose="02040503050406030204" pitchFamily="18" charset="0"/>
+                          </a:rPr>
+                          <m:t>𝑝</m:t>
+                        </m:r>
+                      </m:e>
+                      <m:sub>
+                        <m:r>
+                          <a:rPr lang="en-CA" i="1">
+                            <a:latin typeface="Cambria Math" panose="02040503050406030204" pitchFamily="18" charset="0"/>
+                          </a:rPr>
+                          <m:t>1</m:t>
+                        </m:r>
+                      </m:sub>
+                    </m:sSub>
+                    <m:r>
+                      <a:rPr lang="en-CA" i="1">
+                        <a:latin typeface="Cambria Math" panose="02040503050406030204" pitchFamily="18" charset="0"/>
+                      </a:rPr>
+                      <m:t>,</m:t>
+                    </m:r>
+                    <m:sSub>
+                      <m:sSubPr>
+                        <m:ctrlPr>
+                          <a:rPr lang="en-CA" i="1">
+                            <a:latin typeface="Cambria Math" panose="02040503050406030204" pitchFamily="18" charset="0"/>
+                          </a:rPr>
+                        </m:ctrlPr>
+                      </m:sSubPr>
+                      <m:e>
+                        <m:r>
+                          <a:rPr lang="en-CA" i="1">
+                            <a:latin typeface="Cambria Math" panose="02040503050406030204" pitchFamily="18" charset="0"/>
+                          </a:rPr>
+                          <m:t>𝑝</m:t>
+                        </m:r>
+                      </m:e>
+                      <m:sub>
+                        <m:r>
+                          <a:rPr lang="en-CA" i="1">
+                            <a:latin typeface="Cambria Math" panose="02040503050406030204" pitchFamily="18" charset="0"/>
+                          </a:rPr>
+                          <m:t>2</m:t>
+                        </m:r>
+                      </m:sub>
+                    </m:sSub>
+                    <m:r>
+                      <a:rPr lang="en-CA" i="1">
+                        <a:latin typeface="Cambria Math" panose="02040503050406030204" pitchFamily="18" charset="0"/>
+                      </a:rPr>
+                      <m:t>…</m:t>
+                    </m:r>
+                    <m:sSub>
+                      <m:sSubPr>
+                        <m:ctrlPr>
+                          <a:rPr lang="en-CA" i="1">
+                            <a:latin typeface="Cambria Math" panose="02040503050406030204" pitchFamily="18" charset="0"/>
+                          </a:rPr>
+                        </m:ctrlPr>
+                      </m:sSubPr>
+                      <m:e>
+                        <m:r>
+                          <a:rPr lang="en-CA" i="1">
+                            <a:latin typeface="Cambria Math" panose="02040503050406030204" pitchFamily="18" charset="0"/>
+                          </a:rPr>
+                          <m:t>𝑝</m:t>
+                        </m:r>
+                      </m:e>
+                      <m:sub>
+                        <m:r>
+                          <a:rPr lang="en-CA" i="1">
+                            <a:latin typeface="Cambria Math" panose="02040503050406030204" pitchFamily="18" charset="0"/>
+                          </a:rPr>
+                          <m:t>𝑘</m:t>
+                        </m:r>
+                      </m:sub>
+                    </m:sSub>
+                  </m:oMath>
+                </a14:m>
+                <a:endParaRPr lang="en-CA" dirty="0" smtClean="0"/>
+              </a:p>
+              <a:p>
+                <a:r>
+                  <a:rPr lang="en-CA" dirty="0" smtClean="0"/>
+                  <a:t>According to MDL, we add the size of the theory (in bits) to number of bits required to transmit the instance’s class labels given probabilistic predictions made by the theory, to obtain overall figure for complexity. </a:t>
+                </a:r>
+              </a:p>
+              <a:p>
+                <a:r>
+                  <a:rPr lang="en-CA" smtClean="0"/>
+                  <a:t>MDL </a:t>
+                </a:r>
+                <a:r>
+                  <a:rPr lang="en-CA" dirty="0" smtClean="0"/>
+                  <a:t>principle refers to information required to transmit theory + training set</a:t>
+                </a:r>
+              </a:p>
+              <a:p>
+                <a:r>
+                  <a:rPr lang="en-CA" dirty="0" smtClean="0"/>
+                  <a:t>Overfitting is penalized (complex theory requires more information to transmit)</a:t>
+                </a:r>
+              </a:p>
+              <a:p>
+                <a:r>
+                  <a:rPr lang="en-CA" dirty="0" smtClean="0"/>
+                  <a:t>Null theory (no prediction) is penalized (will have to transmit entire training set)</a:t>
+                </a:r>
+              </a:p>
+              <a:p>
+                <a:r>
+                  <a:rPr lang="en-CA" dirty="0" smtClean="0"/>
+                  <a:t>MDL allows us to select the optimal theory </a:t>
+                </a:r>
+              </a:p>
+              <a:p>
+                <a:pPr lvl="1"/>
+                <a:r>
+                  <a:rPr lang="en-CA" dirty="0" smtClean="0"/>
+                  <a:t>Small and elegant (takes little information to transmit weights/tree/rules etc.)</a:t>
+                </a:r>
+              </a:p>
+              <a:p>
+                <a:pPr lvl="1"/>
+                <a:r>
+                  <a:rPr lang="en-CA" dirty="0" smtClean="0"/>
+                  <a:t>Gives good predictions (don’t need to transmit too many training exceptions)</a:t>
+                </a:r>
+              </a:p>
+              <a:p>
+                <a:pPr lvl="1"/>
+                <a:r>
+                  <a:rPr lang="en-CA" dirty="0" smtClean="0"/>
+                  <a:t>The holy grail? (works on training set alone)</a:t>
+                </a:r>
+                <a:endParaRPr lang="en-CA" dirty="0"/>
+              </a:p>
+            </p:txBody>
+          </p:sp>
+        </mc:Choice>
+        <mc:Fallback>
+          <p:sp>
+            <p:nvSpPr>
+              <p:cNvPr id="3" name="Content Placeholder 2"/>
+              <p:cNvSpPr>
+                <a:spLocks noGrp="1" noRot="1" noChangeAspect="1" noMove="1" noResize="1" noEditPoints="1" noAdjustHandles="1" noChangeArrowheads="1" noChangeShapeType="1" noTextEdit="1"/>
+              </p:cNvSpPr>
+              <p:nvPr>
+                <p:ph idx="1"/>
+              </p:nvPr>
+            </p:nvSpPr>
+            <p:spPr>
+              <a:xfrm>
+                <a:off x="0" y="928254"/>
+                <a:ext cx="12192000" cy="5929745"/>
+              </a:xfrm>
+              <a:blipFill>
+                <a:blip r:embed="rId2"/>
+                <a:stretch>
+                  <a:fillRect l="-900" t="-1644" b="-1336"/>
+                </a:stretch>
+              </a:blipFill>
+            </p:spPr>
+            <p:txBody>
+              <a:bodyPr/>
+              <a:lstStyle/>
+              <a:p>
+                <a:r>
+                  <a:rPr lang="en-CA">
+                    <a:noFill/>
+                  </a:rPr>
+                  <a:t> </a:t>
+                </a:r>
+              </a:p>
+            </p:txBody>
+          </p:sp>
+        </mc:Fallback>
+      </mc:AlternateContent>
+    </p:spTree>
+    <p:extLst>
+      <p:ext uri="{BB962C8B-B14F-4D97-AF65-F5344CB8AC3E}">
+        <p14:creationId xmlns:p14="http://schemas.microsoft.com/office/powerpoint/2010/main" val="3019219124"/>
+      </p:ext>
+    </p:extLst>
+  </p:cSld>
+  <p:clrMapOvr>
+    <a:masterClrMapping/>
+  </p:clrMapOvr>
+  <p:timing>
+    <p:tnLst>
+      <p:par>
+        <p:cTn id="1" dur="indefinite" restart="never" nodeType="tmRoot">
+          <p:childTnLst>
+            <p:seq concurrent="1" nextAc="seek">
+              <p:cTn id="2" dur="indefinite" nodeType="mainSeq">
+                <p:childTnLst>
+                  <p:par>
+                    <p:cTn id="3" fill="hold">
+                      <p:stCondLst>
+                        <p:cond delay="indefinite"/>
+                      </p:stCondLst>
+                      <p:childTnLst>
+                        <p:par>
+                          <p:cTn id="4" fill="hold">
+                            <p:stCondLst>
+                              <p:cond delay="0"/>
+                            </p:stCondLst>
+                            <p:childTnLst>
+                              <p:par>
+                                <p:cTn id="5" presetID="1" presetClass="entr" presetSubtype="0" fill="hold" grpId="0" nodeType="clickEffect">
+                                  <p:stCondLst>
+                                    <p:cond delay="0"/>
+                                  </p:stCondLst>
+                                  <p:childTnLst>
+                                    <p:set>
+                                      <p:cBhvr>
+                                        <p:cTn id="6" dur="1" fill="hold">
+                                          <p:stCondLst>
+                                            <p:cond delay="0"/>
+                                          </p:stCondLst>
+                                        </p:cTn>
+                                        <p:tgtEl>
+                                          <p:spTgt spid="3">
+                                            <p:txEl>
+                                              <p:pRg st="0" end="0"/>
+                                            </p:txEl>
+                                          </p:spTgt>
+                                        </p:tgtEl>
+                                        <p:attrNameLst>
+                                          <p:attrName>style.visibility</p:attrName>
+                                        </p:attrNameLst>
+                                      </p:cBhvr>
+                                      <p:to>
+                                        <p:strVal val="visible"/>
+                                      </p:to>
+                                    </p:set>
+                                  </p:childTnLst>
+                                </p:cTn>
+                              </p:par>
+                            </p:childTnLst>
+                          </p:cTn>
+                        </p:par>
+                      </p:childTnLst>
+                    </p:cTn>
+                  </p:par>
+                  <p:par>
+                    <p:cTn id="7" fill="hold">
+                      <p:stCondLst>
+                        <p:cond delay="indefinite"/>
+                      </p:stCondLst>
+                      <p:childTnLst>
+                        <p:par>
+                          <p:cTn id="8" fill="hold">
+                            <p:stCondLst>
+                              <p:cond delay="0"/>
+                            </p:stCondLst>
+                            <p:childTnLst>
+                              <p:par>
+                                <p:cTn id="9" presetID="1" presetClass="entr" presetSubtype="0" fill="hold" grpId="0" nodeType="clickEffect">
+                                  <p:stCondLst>
+                                    <p:cond delay="0"/>
+                                  </p:stCondLst>
+                                  <p:childTnLst>
+                                    <p:set>
+                                      <p:cBhvr>
+                                        <p:cTn id="10" dur="1" fill="hold">
+                                          <p:stCondLst>
+                                            <p:cond delay="0"/>
+                                          </p:stCondLst>
+                                        </p:cTn>
+                                        <p:tgtEl>
+                                          <p:spTgt spid="3">
+                                            <p:txEl>
+                                              <p:pRg st="1" end="1"/>
+                                            </p:txEl>
+                                          </p:spTgt>
+                                        </p:tgtEl>
+                                        <p:attrNameLst>
+                                          <p:attrName>style.visibility</p:attrName>
+                                        </p:attrNameLst>
+                                      </p:cBhvr>
+                                      <p:to>
+                                        <p:strVal val="visible"/>
+                                      </p:to>
+                                    </p:set>
+                                  </p:childTnLst>
+                                </p:cTn>
+                              </p:par>
+                            </p:childTnLst>
+                          </p:cTn>
+                        </p:par>
+                      </p:childTnLst>
+                    </p:cTn>
+                  </p:par>
+                  <p:par>
+                    <p:cTn id="11" fill="hold">
+                      <p:stCondLst>
+                        <p:cond delay="indefinite"/>
+                      </p:stCondLst>
+                      <p:childTnLst>
+                        <p:par>
+                          <p:cTn id="12" fill="hold">
+                            <p:stCondLst>
+                              <p:cond delay="0"/>
+                            </p:stCondLst>
+                            <p:childTnLst>
+                              <p:par>
+                                <p:cTn id="13" presetID="1" presetClass="entr" presetSubtype="0" fill="hold" grpId="0" nodeType="clickEffect">
+                                  <p:stCondLst>
+                                    <p:cond delay="0"/>
+                                  </p:stCondLst>
+                                  <p:childTnLst>
+                                    <p:set>
+                                      <p:cBhvr>
+                                        <p:cTn id="14" dur="1" fill="hold">
+                                          <p:stCondLst>
+                                            <p:cond delay="0"/>
+                                          </p:stCondLst>
+                                        </p:cTn>
+                                        <p:tgtEl>
+                                          <p:spTgt spid="3">
+                                            <p:txEl>
+                                              <p:pRg st="2" end="2"/>
+                                            </p:txEl>
+                                          </p:spTgt>
+                                        </p:tgtEl>
+                                        <p:attrNameLst>
+                                          <p:attrName>style.visibility</p:attrName>
+                                        </p:attrNameLst>
+                                      </p:cBhvr>
+                                      <p:to>
+                                        <p:strVal val="visible"/>
+                                      </p:to>
+                                    </p:set>
+                                  </p:childTnLst>
+                                </p:cTn>
+                              </p:par>
+                            </p:childTnLst>
+                          </p:cTn>
+                        </p:par>
+                      </p:childTnLst>
+                    </p:cTn>
+                  </p:par>
+                  <p:par>
+                    <p:cTn id="15" fill="hold">
+                      <p:stCondLst>
+                        <p:cond delay="indefinite"/>
+                      </p:stCondLst>
+                      <p:childTnLst>
+                        <p:par>
+                          <p:cTn id="16" fill="hold">
+                            <p:stCondLst>
+                              <p:cond delay="0"/>
+                            </p:stCondLst>
+                            <p:childTnLst>
+                              <p:par>
+                                <p:cTn id="17" presetID="1" presetClass="entr" presetSubtype="0" fill="hold" grpId="0" nodeType="clickEffect">
+                                  <p:stCondLst>
+                                    <p:cond delay="0"/>
+                                  </p:stCondLst>
+                                  <p:childTnLst>
+                                    <p:set>
+                                      <p:cBhvr>
+                                        <p:cTn id="18" dur="1" fill="hold">
+                                          <p:stCondLst>
+                                            <p:cond delay="0"/>
+                                          </p:stCondLst>
+                                        </p:cTn>
+                                        <p:tgtEl>
+                                          <p:spTgt spid="3">
+                                            <p:txEl>
+                                              <p:pRg st="3" end="3"/>
+                                            </p:txEl>
+                                          </p:spTgt>
+                                        </p:tgtEl>
+                                        <p:attrNameLst>
+                                          <p:attrName>style.visibility</p:attrName>
+                                        </p:attrNameLst>
+                                      </p:cBhvr>
+                                      <p:to>
+                                        <p:strVal val="visible"/>
+                                      </p:to>
+                                    </p:set>
+                                  </p:childTnLst>
+                                </p:cTn>
+                              </p:par>
+                            </p:childTnLst>
+                          </p:cTn>
+                        </p:par>
+                      </p:childTnLst>
+                    </p:cTn>
+                  </p:par>
+                  <p:par>
+                    <p:cTn id="19" fill="hold">
+                      <p:stCondLst>
+                        <p:cond delay="indefinite"/>
+                      </p:stCondLst>
+                      <p:childTnLst>
+                        <p:par>
+                          <p:cTn id="20" fill="hold">
+                            <p:stCondLst>
+                              <p:cond delay="0"/>
+                            </p:stCondLst>
+                            <p:childTnLst>
+                              <p:par>
+                                <p:cTn id="21" presetID="1" presetClass="entr" presetSubtype="0" fill="hold" grpId="0" nodeType="clickEffect">
+                                  <p:stCondLst>
+                                    <p:cond delay="0"/>
+                                  </p:stCondLst>
+                                  <p:childTnLst>
+                                    <p:set>
+                                      <p:cBhvr>
+                                        <p:cTn id="22" dur="1" fill="hold">
+                                          <p:stCondLst>
+                                            <p:cond delay="0"/>
+                                          </p:stCondLst>
+                                        </p:cTn>
+                                        <p:tgtEl>
+                                          <p:spTgt spid="3">
+                                            <p:txEl>
+                                              <p:pRg st="4" end="4"/>
+                                            </p:txEl>
+                                          </p:spTgt>
+                                        </p:tgtEl>
+                                        <p:attrNameLst>
+                                          <p:attrName>style.visibility</p:attrName>
+                                        </p:attrNameLst>
+                                      </p:cBhvr>
+                                      <p:to>
+                                        <p:strVal val="visible"/>
+                                      </p:to>
+                                    </p:set>
+                                  </p:childTnLst>
+                                </p:cTn>
+                              </p:par>
+                            </p:childTnLst>
+                          </p:cTn>
+                        </p:par>
+                      </p:childTnLst>
+                    </p:cTn>
+                  </p:par>
+                  <p:par>
+                    <p:cTn id="23" fill="hold">
+                      <p:stCondLst>
+                        <p:cond delay="indefinite"/>
+                      </p:stCondLst>
+                      <p:childTnLst>
+                        <p:par>
+                          <p:cTn id="24" fill="hold">
+                            <p:stCondLst>
+                              <p:cond delay="0"/>
+                            </p:stCondLst>
+                            <p:childTnLst>
+                              <p:par>
+                                <p:cTn id="25" presetID="1" presetClass="entr" presetSubtype="0" fill="hold" grpId="0" nodeType="clickEffect">
+                                  <p:stCondLst>
+                                    <p:cond delay="0"/>
+                                  </p:stCondLst>
+                                  <p:childTnLst>
+                                    <p:set>
+                                      <p:cBhvr>
+                                        <p:cTn id="26" dur="1" fill="hold">
+                                          <p:stCondLst>
+                                            <p:cond delay="0"/>
+                                          </p:stCondLst>
+                                        </p:cTn>
+                                        <p:tgtEl>
+                                          <p:spTgt spid="3">
+                                            <p:txEl>
+                                              <p:pRg st="5" end="5"/>
+                                            </p:txEl>
+                                          </p:spTgt>
+                                        </p:tgtEl>
+                                        <p:attrNameLst>
+                                          <p:attrName>style.visibility</p:attrName>
+                                        </p:attrNameLst>
+                                      </p:cBhvr>
+                                      <p:to>
+                                        <p:strVal val="visible"/>
+                                      </p:to>
+                                    </p:set>
+                                  </p:childTnLst>
+                                </p:cTn>
+                              </p:par>
+                            </p:childTnLst>
+                          </p:cTn>
+                        </p:par>
+                      </p:childTnLst>
+                    </p:cTn>
+                  </p:par>
+                  <p:par>
+                    <p:cTn id="27" fill="hold">
+                      <p:stCondLst>
+                        <p:cond delay="indefinite"/>
+                      </p:stCondLst>
+                      <p:childTnLst>
+                        <p:par>
+                          <p:cTn id="28" fill="hold">
+                            <p:stCondLst>
+                              <p:cond delay="0"/>
+                            </p:stCondLst>
+                            <p:childTnLst>
+                              <p:par>
+                                <p:cTn id="29" presetID="1" presetClass="entr" presetSubtype="0" fill="hold" grpId="0" nodeType="clickEffect">
+                                  <p:stCondLst>
+                                    <p:cond delay="0"/>
+                                  </p:stCondLst>
+                                  <p:childTnLst>
+                                    <p:set>
+                                      <p:cBhvr>
+                                        <p:cTn id="30" dur="1" fill="hold">
+                                          <p:stCondLst>
+                                            <p:cond delay="0"/>
+                                          </p:stCondLst>
+                                        </p:cTn>
+                                        <p:tgtEl>
+                                          <p:spTgt spid="3">
+                                            <p:txEl>
+                                              <p:pRg st="6" end="6"/>
+                                            </p:txEl>
+                                          </p:spTgt>
+                                        </p:tgtEl>
+                                        <p:attrNameLst>
+                                          <p:attrName>style.visibility</p:attrName>
+                                        </p:attrNameLst>
+                                      </p:cBhvr>
+                                      <p:to>
+                                        <p:strVal val="visible"/>
+                                      </p:to>
+                                    </p:set>
+                                  </p:childTnLst>
+                                </p:cTn>
+                              </p:par>
+                              <p:par>
+                                <p:cTn id="31" presetID="1" presetClass="entr" presetSubtype="0" fill="hold" grpId="0" nodeType="withEffect">
+                                  <p:stCondLst>
+                                    <p:cond delay="0"/>
+                                  </p:stCondLst>
+                                  <p:childTnLst>
+                                    <p:set>
+                                      <p:cBhvr>
+                                        <p:cTn id="32" dur="1" fill="hold">
+                                          <p:stCondLst>
+                                            <p:cond delay="0"/>
+                                          </p:stCondLst>
+                                        </p:cTn>
+                                        <p:tgtEl>
+                                          <p:spTgt spid="3">
+                                            <p:txEl>
+                                              <p:pRg st="7" end="7"/>
+                                            </p:txEl>
+                                          </p:spTgt>
+                                        </p:tgtEl>
+                                        <p:attrNameLst>
+                                          <p:attrName>style.visibility</p:attrName>
+                                        </p:attrNameLst>
+                                      </p:cBhvr>
+                                      <p:to>
+                                        <p:strVal val="visible"/>
+                                      </p:to>
+                                    </p:set>
+                                  </p:childTnLst>
+                                </p:cTn>
+                              </p:par>
+                              <p:par>
+                                <p:cTn id="33" presetID="1" presetClass="entr" presetSubtype="0" fill="hold" grpId="0" nodeType="withEffect">
+                                  <p:stCondLst>
+                                    <p:cond delay="0"/>
+                                  </p:stCondLst>
+                                  <p:childTnLst>
+                                    <p:set>
+                                      <p:cBhvr>
+                                        <p:cTn id="34" dur="1" fill="hold">
+                                          <p:stCondLst>
+                                            <p:cond delay="0"/>
+                                          </p:stCondLst>
+                                        </p:cTn>
+                                        <p:tgtEl>
+                                          <p:spTgt spid="3">
+                                            <p:txEl>
+                                              <p:pRg st="8" end="8"/>
+                                            </p:txEl>
+                                          </p:spTgt>
+                                        </p:tgtEl>
+                                        <p:attrNameLst>
+                                          <p:attrName>style.visibility</p:attrName>
+                                        </p:attrNameLst>
+                                      </p:cBhvr>
+                                      <p:to>
+                                        <p:strVal val="visible"/>
+                                      </p:to>
+                                    </p:set>
+                                  </p:childTnLst>
+                                </p:cTn>
+                              </p:par>
+                              <p:par>
+                                <p:cTn id="35" presetID="1" presetClass="entr" presetSubtype="0" fill="hold" grpId="0" nodeType="withEffect">
+                                  <p:stCondLst>
+                                    <p:cond delay="0"/>
+                                  </p:stCondLst>
+                                  <p:childTnLst>
+                                    <p:set>
+                                      <p:cBhvr>
+                                        <p:cTn id="36" dur="1" fill="hold">
+                                          <p:stCondLst>
+                                            <p:cond delay="0"/>
+                                          </p:stCondLst>
+                                        </p:cTn>
+                                        <p:tgtEl>
+                                          <p:spTgt spid="3">
+                                            <p:txEl>
+                                              <p:pRg st="9" end="9"/>
+                                            </p:txEl>
+                                          </p:spTgt>
+                                        </p:tgtEl>
+                                        <p:attrNameLst>
+                                          <p:attrName>style.visibility</p:attrName>
+                                        </p:attrNameLst>
+                                      </p:cBhvr>
+                                      <p:to>
+                                        <p:strVal val="visible"/>
+                                      </p:to>
+                                    </p:set>
+                                  </p:childTnLst>
+                                </p:cTn>
+                              </p:par>
+                            </p:childTnLst>
+                          </p:cTn>
+                        </p:par>
+                      </p:childTnLst>
+                    </p:cTn>
+                  </p:par>
+                </p:childTnLst>
+              </p:cTn>
+              <p:prevCondLst>
+                <p:cond evt="onPrev" delay="0">
+                  <p:tgtEl>
+                    <p:sldTgt/>
+                  </p:tgtEl>
+                </p:cond>
+              </p:prevCondLst>
+              <p:nextCondLst>
+                <p:cond evt="onNext" delay="0">
+                  <p:tgtEl>
+                    <p:sldTgt/>
+                  </p:tgtEl>
+                </p:cond>
+              </p:nextCondLst>
+            </p:seq>
+          </p:childTnLst>
+        </p:cTn>
+      </p:par>
+    </p:tnLst>
+    <p:bldLst>
+      <p:bldP spid="3" grpId="0" build="p"/>
+    </p:bldLst>
+  </p:timing>
+</p:sld>
+</file>
+
+<file path=ppt/slides/slide11.xml><?xml version="1.0" encoding="utf-8"?>
 <p:sld xmlns:a="http://schemas.openxmlformats.org/drawingml/2006/main" xmlns:r="http://schemas.openxmlformats.org/officeDocument/2006/relationships" xmlns:p="http://schemas.openxmlformats.org/presentationml/2006/main">
   <p:cSld>
     <p:spTree>
@@ -3572,11 +4420,7 @@
                 </a14:m>
                 <a:r>
                   <a:rPr lang="en-CA" dirty="0" smtClean="0"/>
-                  <a:t> is the same as choosin</a:t>
-                </a:r>
-                <a:r>
-                  <a:rPr lang="en-CA" dirty="0" smtClean="0"/>
-                  <a:t>g the theory that minimizes </a:t>
+                  <a:t> is the same as choosing the theory that minimizes </a:t>
                 </a:r>
                 <a14:m>
                   <m:oMath xmlns:m="http://schemas.openxmlformats.org/officeDocument/2006/math">
@@ -3650,8 +4494,16 @@
               </a:p>
               <a:p>
                 <a:r>
+                  <a:rPr lang="en-CA" dirty="0"/>
+                  <a:t>M</a:t>
+                </a:r>
+                <a:r>
                   <a:rPr lang="en-CA" dirty="0" smtClean="0"/>
-                  <a:t>Thus, maximizing the posterior probability of a theory after training set has been taken into account is equivalent to minimizing information required to transmit theory + labels</a:t>
+                  <a:t>aximizing </a:t>
+                </a:r>
+                <a:r>
+                  <a:rPr lang="en-CA" dirty="0" smtClean="0"/>
+                  <a:t>the posterior probability of a theory after training set has been taken into account is equivalent to minimizing information required to transmit theory + labels</a:t>
                 </a:r>
                 <a:endParaRPr lang="en-CA" dirty="0"/>
               </a:p>
@@ -3677,7 +4529,7 @@
               <a:blipFill>
                 <a:blip r:embed="rId2"/>
                 <a:stretch>
-                  <a:fillRect l="-900" t="-2261" r="-300"/>
+                  <a:fillRect l="-900" t="-2261" r="-650"/>
                 </a:stretch>
               </a:blipFill>
             </p:spPr>
@@ -3709,14 +4561,432 @@
   <p:timing>
     <p:tnLst>
       <p:par>
-        <p:cTn id="1" dur="indefinite" restart="never" nodeType="tmRoot"/>
+        <p:cTn id="1" dur="indefinite" restart="never" nodeType="tmRoot">
+          <p:childTnLst>
+            <p:seq concurrent="1" nextAc="seek">
+              <p:cTn id="2" dur="indefinite" nodeType="mainSeq">
+                <p:childTnLst>
+                  <p:par>
+                    <p:cTn id="3" fill="hold">
+                      <p:stCondLst>
+                        <p:cond delay="indefinite"/>
+                      </p:stCondLst>
+                      <p:childTnLst>
+                        <p:par>
+                          <p:cTn id="4" fill="hold">
+                            <p:stCondLst>
+                              <p:cond delay="0"/>
+                            </p:stCondLst>
+                            <p:childTnLst>
+                              <p:par>
+                                <p:cTn id="5" presetID="1" presetClass="entr" presetSubtype="0" fill="hold" grpId="0" nodeType="clickEffect">
+                                  <p:stCondLst>
+                                    <p:cond delay="0"/>
+                                  </p:stCondLst>
+                                  <p:childTnLst>
+                                    <p:set>
+                                      <p:cBhvr>
+                                        <p:cTn id="6" dur="1" fill="hold">
+                                          <p:stCondLst>
+                                            <p:cond delay="0"/>
+                                          </p:stCondLst>
+                                        </p:cTn>
+                                        <p:tgtEl>
+                                          <p:spTgt spid="3">
+                                            <p:txEl>
+                                              <p:pRg st="0" end="0"/>
+                                            </p:txEl>
+                                          </p:spTgt>
+                                        </p:tgtEl>
+                                        <p:attrNameLst>
+                                          <p:attrName>style.visibility</p:attrName>
+                                        </p:attrNameLst>
+                                      </p:cBhvr>
+                                      <p:to>
+                                        <p:strVal val="visible"/>
+                                      </p:to>
+                                    </p:set>
+                                  </p:childTnLst>
+                                </p:cTn>
+                              </p:par>
+                            </p:childTnLst>
+                          </p:cTn>
+                        </p:par>
+                      </p:childTnLst>
+                    </p:cTn>
+                  </p:par>
+                  <p:par>
+                    <p:cTn id="7" fill="hold">
+                      <p:stCondLst>
+                        <p:cond delay="indefinite"/>
+                      </p:stCondLst>
+                      <p:childTnLst>
+                        <p:par>
+                          <p:cTn id="8" fill="hold">
+                            <p:stCondLst>
+                              <p:cond delay="0"/>
+                            </p:stCondLst>
+                            <p:childTnLst>
+                              <p:par>
+                                <p:cTn id="9" presetID="1" presetClass="entr" presetSubtype="0" fill="hold" grpId="0" nodeType="clickEffect">
+                                  <p:stCondLst>
+                                    <p:cond delay="0"/>
+                                  </p:stCondLst>
+                                  <p:childTnLst>
+                                    <p:set>
+                                      <p:cBhvr>
+                                        <p:cTn id="10" dur="1" fill="hold">
+                                          <p:stCondLst>
+                                            <p:cond delay="0"/>
+                                          </p:stCondLst>
+                                        </p:cTn>
+                                        <p:tgtEl>
+                                          <p:spTgt spid="3">
+                                            <p:txEl>
+                                              <p:pRg st="1" end="1"/>
+                                            </p:txEl>
+                                          </p:spTgt>
+                                        </p:tgtEl>
+                                        <p:attrNameLst>
+                                          <p:attrName>style.visibility</p:attrName>
+                                        </p:attrNameLst>
+                                      </p:cBhvr>
+                                      <p:to>
+                                        <p:strVal val="visible"/>
+                                      </p:to>
+                                    </p:set>
+                                  </p:childTnLst>
+                                </p:cTn>
+                              </p:par>
+                            </p:childTnLst>
+                          </p:cTn>
+                        </p:par>
+                      </p:childTnLst>
+                    </p:cTn>
+                  </p:par>
+                  <p:par>
+                    <p:cTn id="11" fill="hold">
+                      <p:stCondLst>
+                        <p:cond delay="indefinite"/>
+                      </p:stCondLst>
+                      <p:childTnLst>
+                        <p:par>
+                          <p:cTn id="12" fill="hold">
+                            <p:stCondLst>
+                              <p:cond delay="0"/>
+                            </p:stCondLst>
+                            <p:childTnLst>
+                              <p:par>
+                                <p:cTn id="13" presetID="1" presetClass="entr" presetSubtype="0" fill="hold" grpId="0" nodeType="clickEffect">
+                                  <p:stCondLst>
+                                    <p:cond delay="0"/>
+                                  </p:stCondLst>
+                                  <p:childTnLst>
+                                    <p:set>
+                                      <p:cBhvr>
+                                        <p:cTn id="14" dur="1" fill="hold">
+                                          <p:stCondLst>
+                                            <p:cond delay="0"/>
+                                          </p:stCondLst>
+                                        </p:cTn>
+                                        <p:tgtEl>
+                                          <p:spTgt spid="3">
+                                            <p:txEl>
+                                              <p:pRg st="2" end="2"/>
+                                            </p:txEl>
+                                          </p:spTgt>
+                                        </p:tgtEl>
+                                        <p:attrNameLst>
+                                          <p:attrName>style.visibility</p:attrName>
+                                        </p:attrNameLst>
+                                      </p:cBhvr>
+                                      <p:to>
+                                        <p:strVal val="visible"/>
+                                      </p:to>
+                                    </p:set>
+                                  </p:childTnLst>
+                                </p:cTn>
+                              </p:par>
+                            </p:childTnLst>
+                          </p:cTn>
+                        </p:par>
+                      </p:childTnLst>
+                    </p:cTn>
+                  </p:par>
+                  <p:par>
+                    <p:cTn id="15" fill="hold">
+                      <p:stCondLst>
+                        <p:cond delay="indefinite"/>
+                      </p:stCondLst>
+                      <p:childTnLst>
+                        <p:par>
+                          <p:cTn id="16" fill="hold">
+                            <p:stCondLst>
+                              <p:cond delay="0"/>
+                            </p:stCondLst>
+                            <p:childTnLst>
+                              <p:par>
+                                <p:cTn id="17" presetID="1" presetClass="entr" presetSubtype="0" fill="hold" grpId="0" nodeType="clickEffect">
+                                  <p:stCondLst>
+                                    <p:cond delay="0"/>
+                                  </p:stCondLst>
+                                  <p:childTnLst>
+                                    <p:set>
+                                      <p:cBhvr>
+                                        <p:cTn id="18" dur="1" fill="hold">
+                                          <p:stCondLst>
+                                            <p:cond delay="0"/>
+                                          </p:stCondLst>
+                                        </p:cTn>
+                                        <p:tgtEl>
+                                          <p:spTgt spid="3">
+                                            <p:txEl>
+                                              <p:pRg st="3" end="3"/>
+                                            </p:txEl>
+                                          </p:spTgt>
+                                        </p:tgtEl>
+                                        <p:attrNameLst>
+                                          <p:attrName>style.visibility</p:attrName>
+                                        </p:attrNameLst>
+                                      </p:cBhvr>
+                                      <p:to>
+                                        <p:strVal val="visible"/>
+                                      </p:to>
+                                    </p:set>
+                                  </p:childTnLst>
+                                </p:cTn>
+                              </p:par>
+                            </p:childTnLst>
+                          </p:cTn>
+                        </p:par>
+                      </p:childTnLst>
+                    </p:cTn>
+                  </p:par>
+                  <p:par>
+                    <p:cTn id="19" fill="hold">
+                      <p:stCondLst>
+                        <p:cond delay="indefinite"/>
+                      </p:stCondLst>
+                      <p:childTnLst>
+                        <p:par>
+                          <p:cTn id="20" fill="hold">
+                            <p:stCondLst>
+                              <p:cond delay="0"/>
+                            </p:stCondLst>
+                            <p:childTnLst>
+                              <p:par>
+                                <p:cTn id="21" presetID="1" presetClass="entr" presetSubtype="0" fill="hold" grpId="0" nodeType="clickEffect">
+                                  <p:stCondLst>
+                                    <p:cond delay="0"/>
+                                  </p:stCondLst>
+                                  <p:childTnLst>
+                                    <p:set>
+                                      <p:cBhvr>
+                                        <p:cTn id="22" dur="1" fill="hold">
+                                          <p:stCondLst>
+                                            <p:cond delay="0"/>
+                                          </p:stCondLst>
+                                        </p:cTn>
+                                        <p:tgtEl>
+                                          <p:spTgt spid="3">
+                                            <p:txEl>
+                                              <p:pRg st="4" end="4"/>
+                                            </p:txEl>
+                                          </p:spTgt>
+                                        </p:tgtEl>
+                                        <p:attrNameLst>
+                                          <p:attrName>style.visibility</p:attrName>
+                                        </p:attrNameLst>
+                                      </p:cBhvr>
+                                      <p:to>
+                                        <p:strVal val="visible"/>
+                                      </p:to>
+                                    </p:set>
+                                  </p:childTnLst>
+                                </p:cTn>
+                              </p:par>
+                            </p:childTnLst>
+                          </p:cTn>
+                        </p:par>
+                      </p:childTnLst>
+                    </p:cTn>
+                  </p:par>
+                  <p:par>
+                    <p:cTn id="23" fill="hold">
+                      <p:stCondLst>
+                        <p:cond delay="indefinite"/>
+                      </p:stCondLst>
+                      <p:childTnLst>
+                        <p:par>
+                          <p:cTn id="24" fill="hold">
+                            <p:stCondLst>
+                              <p:cond delay="0"/>
+                            </p:stCondLst>
+                            <p:childTnLst>
+                              <p:par>
+                                <p:cTn id="25" presetID="1" presetClass="entr" presetSubtype="0" fill="hold" grpId="0" nodeType="clickEffect">
+                                  <p:stCondLst>
+                                    <p:cond delay="0"/>
+                                  </p:stCondLst>
+                                  <p:childTnLst>
+                                    <p:set>
+                                      <p:cBhvr>
+                                        <p:cTn id="26" dur="1" fill="hold">
+                                          <p:stCondLst>
+                                            <p:cond delay="0"/>
+                                          </p:stCondLst>
+                                        </p:cTn>
+                                        <p:tgtEl>
+                                          <p:spTgt spid="3">
+                                            <p:txEl>
+                                              <p:pRg st="5" end="5"/>
+                                            </p:txEl>
+                                          </p:spTgt>
+                                        </p:tgtEl>
+                                        <p:attrNameLst>
+                                          <p:attrName>style.visibility</p:attrName>
+                                        </p:attrNameLst>
+                                      </p:cBhvr>
+                                      <p:to>
+                                        <p:strVal val="visible"/>
+                                      </p:to>
+                                    </p:set>
+                                  </p:childTnLst>
+                                </p:cTn>
+                              </p:par>
+                            </p:childTnLst>
+                          </p:cTn>
+                        </p:par>
+                      </p:childTnLst>
+                    </p:cTn>
+                  </p:par>
+                  <p:par>
+                    <p:cTn id="27" fill="hold">
+                      <p:stCondLst>
+                        <p:cond delay="indefinite"/>
+                      </p:stCondLst>
+                      <p:childTnLst>
+                        <p:par>
+                          <p:cTn id="28" fill="hold">
+                            <p:stCondLst>
+                              <p:cond delay="0"/>
+                            </p:stCondLst>
+                            <p:childTnLst>
+                              <p:par>
+                                <p:cTn id="29" presetID="1" presetClass="entr" presetSubtype="0" fill="hold" grpId="0" nodeType="clickEffect">
+                                  <p:stCondLst>
+                                    <p:cond delay="0"/>
+                                  </p:stCondLst>
+                                  <p:childTnLst>
+                                    <p:set>
+                                      <p:cBhvr>
+                                        <p:cTn id="30" dur="1" fill="hold">
+                                          <p:stCondLst>
+                                            <p:cond delay="0"/>
+                                          </p:stCondLst>
+                                        </p:cTn>
+                                        <p:tgtEl>
+                                          <p:spTgt spid="3">
+                                            <p:txEl>
+                                              <p:pRg st="6" end="6"/>
+                                            </p:txEl>
+                                          </p:spTgt>
+                                        </p:tgtEl>
+                                        <p:attrNameLst>
+                                          <p:attrName>style.visibility</p:attrName>
+                                        </p:attrNameLst>
+                                      </p:cBhvr>
+                                      <p:to>
+                                        <p:strVal val="visible"/>
+                                      </p:to>
+                                    </p:set>
+                                  </p:childTnLst>
+                                </p:cTn>
+                              </p:par>
+                            </p:childTnLst>
+                          </p:cTn>
+                        </p:par>
+                      </p:childTnLst>
+                    </p:cTn>
+                  </p:par>
+                  <p:par>
+                    <p:cTn id="31" fill="hold">
+                      <p:stCondLst>
+                        <p:cond delay="indefinite"/>
+                      </p:stCondLst>
+                      <p:childTnLst>
+                        <p:par>
+                          <p:cTn id="32" fill="hold">
+                            <p:stCondLst>
+                              <p:cond delay="0"/>
+                            </p:stCondLst>
+                            <p:childTnLst>
+                              <p:par>
+                                <p:cTn id="33" presetID="1" presetClass="entr" presetSubtype="0" fill="hold" grpId="0" nodeType="clickEffect">
+                                  <p:stCondLst>
+                                    <p:cond delay="0"/>
+                                  </p:stCondLst>
+                                  <p:childTnLst>
+                                    <p:set>
+                                      <p:cBhvr>
+                                        <p:cTn id="34" dur="1" fill="hold">
+                                          <p:stCondLst>
+                                            <p:cond delay="0"/>
+                                          </p:stCondLst>
+                                        </p:cTn>
+                                        <p:tgtEl>
+                                          <p:spTgt spid="3">
+                                            <p:txEl>
+                                              <p:pRg st="7" end="7"/>
+                                            </p:txEl>
+                                          </p:spTgt>
+                                        </p:tgtEl>
+                                        <p:attrNameLst>
+                                          <p:attrName>style.visibility</p:attrName>
+                                        </p:attrNameLst>
+                                      </p:cBhvr>
+                                      <p:to>
+                                        <p:strVal val="visible"/>
+                                      </p:to>
+                                    </p:set>
+                                  </p:childTnLst>
+                                </p:cTn>
+                              </p:par>
+                            </p:childTnLst>
+                          </p:cTn>
+                        </p:par>
+                      </p:childTnLst>
+                    </p:cTn>
+                  </p:par>
+                </p:childTnLst>
+              </p:cTn>
+              <p:prevCondLst>
+                <p:cond evt="onPrev" delay="0">
+                  <p:tgtEl>
+                    <p:sldTgt/>
+                  </p:tgtEl>
+                </p:cond>
+              </p:prevCondLst>
+              <p:nextCondLst>
+                <p:cond evt="onNext" delay="0">
+                  <p:tgtEl>
+                    <p:sldTgt/>
+                  </p:tgtEl>
+                </p:cond>
+              </p:nextCondLst>
+            </p:seq>
+          </p:childTnLst>
+        </p:cTn>
       </p:par>
     </p:tnLst>
+    <p:bldLst>
+      <p:bldP spid="3" grpId="0" build="p"/>
+    </p:bldLst>
   </p:timing>
 </p:sld>
 </file>
 
-<file path=ppt/slides/slide11.xml><?xml version="1.0" encoding="utf-8"?>
+<file path=ppt/slides/slide12.xml><?xml version="1.0" encoding="utf-8"?>
 <p:sld xmlns:a="http://schemas.openxmlformats.org/drawingml/2006/main" xmlns:r="http://schemas.openxmlformats.org/officeDocument/2006/relationships" xmlns:p="http://schemas.openxmlformats.org/presentationml/2006/main">
   <p:cSld>
     <p:spTree>
@@ -3787,11 +5057,7 @@
               <a:p>
                 <a:r>
                   <a:rPr lang="en-CA" dirty="0" smtClean="0"/>
-                  <a:t>MDL can be applied in many differen</a:t>
-                </a:r>
-                <a:r>
-                  <a:rPr lang="en-CA" dirty="0" smtClean="0"/>
-                  <a:t>t circumstances </a:t>
+                  <a:t>MDL can be applied in many different circumstances </a:t>
                 </a:r>
               </a:p>
               <a:p>
@@ -3806,7 +5072,6 @@
                   <a:rPr lang="en-CA" dirty="0" smtClean="0"/>
                   <a:t>More difficult to evaluate than classification (no labels, we don’t know right from wrong)</a:t>
                 </a:r>
-                <a:endParaRPr lang="en-CA" dirty="0" smtClean="0"/>
               </a:p>
               <a:p>
                 <a:r>
@@ -3960,8 +5225,13 @@
                 </a14:m>
                 <a:r>
                   <a:rPr lang="en-CA" dirty="0" smtClean="0"/>
-                  <a:t> (lower sum=better)</a:t>
+                  <a:t> (lower </a:t>
                 </a:r>
+                <a:r>
+                  <a:rPr lang="en-CA" dirty="0" smtClean="0"/>
+                  <a:t>sum = better clusters)</a:t>
+                </a:r>
+                <a:endParaRPr lang="en-CA" dirty="0" smtClean="0"/>
               </a:p>
               <a:p>
                 <a:r>
@@ -4077,14 +5347,463 @@
   <p:timing>
     <p:tnLst>
       <p:par>
-        <p:cTn id="1" dur="indefinite" restart="never" nodeType="tmRoot"/>
+        <p:cTn id="1" dur="indefinite" restart="never" nodeType="tmRoot">
+          <p:childTnLst>
+            <p:seq concurrent="1" nextAc="seek">
+              <p:cTn id="2" dur="indefinite" nodeType="mainSeq">
+                <p:childTnLst>
+                  <p:par>
+                    <p:cTn id="3" fill="hold">
+                      <p:stCondLst>
+                        <p:cond delay="indefinite"/>
+                      </p:stCondLst>
+                      <p:childTnLst>
+                        <p:par>
+                          <p:cTn id="4" fill="hold">
+                            <p:stCondLst>
+                              <p:cond delay="0"/>
+                            </p:stCondLst>
+                            <p:childTnLst>
+                              <p:par>
+                                <p:cTn id="5" presetID="1" presetClass="entr" presetSubtype="0" fill="hold" grpId="0" nodeType="clickEffect">
+                                  <p:stCondLst>
+                                    <p:cond delay="0"/>
+                                  </p:stCondLst>
+                                  <p:childTnLst>
+                                    <p:set>
+                                      <p:cBhvr>
+                                        <p:cTn id="6" dur="1" fill="hold">
+                                          <p:stCondLst>
+                                            <p:cond delay="0"/>
+                                          </p:stCondLst>
+                                        </p:cTn>
+                                        <p:tgtEl>
+                                          <p:spTgt spid="3">
+                                            <p:txEl>
+                                              <p:pRg st="0" end="0"/>
+                                            </p:txEl>
+                                          </p:spTgt>
+                                        </p:tgtEl>
+                                        <p:attrNameLst>
+                                          <p:attrName>style.visibility</p:attrName>
+                                        </p:attrNameLst>
+                                      </p:cBhvr>
+                                      <p:to>
+                                        <p:strVal val="visible"/>
+                                      </p:to>
+                                    </p:set>
+                                  </p:childTnLst>
+                                </p:cTn>
+                              </p:par>
+                            </p:childTnLst>
+                          </p:cTn>
+                        </p:par>
+                      </p:childTnLst>
+                    </p:cTn>
+                  </p:par>
+                  <p:par>
+                    <p:cTn id="7" fill="hold">
+                      <p:stCondLst>
+                        <p:cond delay="indefinite"/>
+                      </p:stCondLst>
+                      <p:childTnLst>
+                        <p:par>
+                          <p:cTn id="8" fill="hold">
+                            <p:stCondLst>
+                              <p:cond delay="0"/>
+                            </p:stCondLst>
+                            <p:childTnLst>
+                              <p:par>
+                                <p:cTn id="9" presetID="1" presetClass="entr" presetSubtype="0" fill="hold" grpId="0" nodeType="clickEffect">
+                                  <p:stCondLst>
+                                    <p:cond delay="0"/>
+                                  </p:stCondLst>
+                                  <p:childTnLst>
+                                    <p:set>
+                                      <p:cBhvr>
+                                        <p:cTn id="10" dur="1" fill="hold">
+                                          <p:stCondLst>
+                                            <p:cond delay="0"/>
+                                          </p:stCondLst>
+                                        </p:cTn>
+                                        <p:tgtEl>
+                                          <p:spTgt spid="3">
+                                            <p:txEl>
+                                              <p:pRg st="1" end="1"/>
+                                            </p:txEl>
+                                          </p:spTgt>
+                                        </p:tgtEl>
+                                        <p:attrNameLst>
+                                          <p:attrName>style.visibility</p:attrName>
+                                        </p:attrNameLst>
+                                      </p:cBhvr>
+                                      <p:to>
+                                        <p:strVal val="visible"/>
+                                      </p:to>
+                                    </p:set>
+                                  </p:childTnLst>
+                                </p:cTn>
+                              </p:par>
+                              <p:par>
+                                <p:cTn id="11" presetID="1" presetClass="entr" presetSubtype="0" fill="hold" grpId="0" nodeType="withEffect">
+                                  <p:stCondLst>
+                                    <p:cond delay="0"/>
+                                  </p:stCondLst>
+                                  <p:childTnLst>
+                                    <p:set>
+                                      <p:cBhvr>
+                                        <p:cTn id="12" dur="1" fill="hold">
+                                          <p:stCondLst>
+                                            <p:cond delay="0"/>
+                                          </p:stCondLst>
+                                        </p:cTn>
+                                        <p:tgtEl>
+                                          <p:spTgt spid="3">
+                                            <p:txEl>
+                                              <p:pRg st="2" end="2"/>
+                                            </p:txEl>
+                                          </p:spTgt>
+                                        </p:tgtEl>
+                                        <p:attrNameLst>
+                                          <p:attrName>style.visibility</p:attrName>
+                                        </p:attrNameLst>
+                                      </p:cBhvr>
+                                      <p:to>
+                                        <p:strVal val="visible"/>
+                                      </p:to>
+                                    </p:set>
+                                  </p:childTnLst>
+                                </p:cTn>
+                              </p:par>
+                            </p:childTnLst>
+                          </p:cTn>
+                        </p:par>
+                      </p:childTnLst>
+                    </p:cTn>
+                  </p:par>
+                  <p:par>
+                    <p:cTn id="13" fill="hold">
+                      <p:stCondLst>
+                        <p:cond delay="indefinite"/>
+                      </p:stCondLst>
+                      <p:childTnLst>
+                        <p:par>
+                          <p:cTn id="14" fill="hold">
+                            <p:stCondLst>
+                              <p:cond delay="0"/>
+                            </p:stCondLst>
+                            <p:childTnLst>
+                              <p:par>
+                                <p:cTn id="15" presetID="1" presetClass="entr" presetSubtype="0" fill="hold" grpId="0" nodeType="clickEffect">
+                                  <p:stCondLst>
+                                    <p:cond delay="0"/>
+                                  </p:stCondLst>
+                                  <p:childTnLst>
+                                    <p:set>
+                                      <p:cBhvr>
+                                        <p:cTn id="16" dur="1" fill="hold">
+                                          <p:stCondLst>
+                                            <p:cond delay="0"/>
+                                          </p:stCondLst>
+                                        </p:cTn>
+                                        <p:tgtEl>
+                                          <p:spTgt spid="3">
+                                            <p:txEl>
+                                              <p:pRg st="3" end="3"/>
+                                            </p:txEl>
+                                          </p:spTgt>
+                                        </p:tgtEl>
+                                        <p:attrNameLst>
+                                          <p:attrName>style.visibility</p:attrName>
+                                        </p:attrNameLst>
+                                      </p:cBhvr>
+                                      <p:to>
+                                        <p:strVal val="visible"/>
+                                      </p:to>
+                                    </p:set>
+                                  </p:childTnLst>
+                                </p:cTn>
+                              </p:par>
+                            </p:childTnLst>
+                          </p:cTn>
+                        </p:par>
+                      </p:childTnLst>
+                    </p:cTn>
+                  </p:par>
+                  <p:par>
+                    <p:cTn id="17" fill="hold">
+                      <p:stCondLst>
+                        <p:cond delay="indefinite"/>
+                      </p:stCondLst>
+                      <p:childTnLst>
+                        <p:par>
+                          <p:cTn id="18" fill="hold">
+                            <p:stCondLst>
+                              <p:cond delay="0"/>
+                            </p:stCondLst>
+                            <p:childTnLst>
+                              <p:par>
+                                <p:cTn id="19" presetID="1" presetClass="entr" presetSubtype="0" fill="hold" grpId="0" nodeType="clickEffect">
+                                  <p:stCondLst>
+                                    <p:cond delay="0"/>
+                                  </p:stCondLst>
+                                  <p:childTnLst>
+                                    <p:set>
+                                      <p:cBhvr>
+                                        <p:cTn id="20" dur="1" fill="hold">
+                                          <p:stCondLst>
+                                            <p:cond delay="0"/>
+                                          </p:stCondLst>
+                                        </p:cTn>
+                                        <p:tgtEl>
+                                          <p:spTgt spid="3">
+                                            <p:txEl>
+                                              <p:pRg st="4" end="4"/>
+                                            </p:txEl>
+                                          </p:spTgt>
+                                        </p:tgtEl>
+                                        <p:attrNameLst>
+                                          <p:attrName>style.visibility</p:attrName>
+                                        </p:attrNameLst>
+                                      </p:cBhvr>
+                                      <p:to>
+                                        <p:strVal val="visible"/>
+                                      </p:to>
+                                    </p:set>
+                                  </p:childTnLst>
+                                </p:cTn>
+                              </p:par>
+                            </p:childTnLst>
+                          </p:cTn>
+                        </p:par>
+                      </p:childTnLst>
+                    </p:cTn>
+                  </p:par>
+                  <p:par>
+                    <p:cTn id="21" fill="hold">
+                      <p:stCondLst>
+                        <p:cond delay="indefinite"/>
+                      </p:stCondLst>
+                      <p:childTnLst>
+                        <p:par>
+                          <p:cTn id="22" fill="hold">
+                            <p:stCondLst>
+                              <p:cond delay="0"/>
+                            </p:stCondLst>
+                            <p:childTnLst>
+                              <p:par>
+                                <p:cTn id="23" presetID="1" presetClass="entr" presetSubtype="0" fill="hold" grpId="0" nodeType="clickEffect">
+                                  <p:stCondLst>
+                                    <p:cond delay="0"/>
+                                  </p:stCondLst>
+                                  <p:childTnLst>
+                                    <p:set>
+                                      <p:cBhvr>
+                                        <p:cTn id="24" dur="1" fill="hold">
+                                          <p:stCondLst>
+                                            <p:cond delay="0"/>
+                                          </p:stCondLst>
+                                        </p:cTn>
+                                        <p:tgtEl>
+                                          <p:spTgt spid="3">
+                                            <p:txEl>
+                                              <p:pRg st="5" end="5"/>
+                                            </p:txEl>
+                                          </p:spTgt>
+                                        </p:tgtEl>
+                                        <p:attrNameLst>
+                                          <p:attrName>style.visibility</p:attrName>
+                                        </p:attrNameLst>
+                                      </p:cBhvr>
+                                      <p:to>
+                                        <p:strVal val="visible"/>
+                                      </p:to>
+                                    </p:set>
+                                  </p:childTnLst>
+                                </p:cTn>
+                              </p:par>
+                            </p:childTnLst>
+                          </p:cTn>
+                        </p:par>
+                      </p:childTnLst>
+                    </p:cTn>
+                  </p:par>
+                  <p:par>
+                    <p:cTn id="25" fill="hold">
+                      <p:stCondLst>
+                        <p:cond delay="indefinite"/>
+                      </p:stCondLst>
+                      <p:childTnLst>
+                        <p:par>
+                          <p:cTn id="26" fill="hold">
+                            <p:stCondLst>
+                              <p:cond delay="0"/>
+                            </p:stCondLst>
+                            <p:childTnLst>
+                              <p:par>
+                                <p:cTn id="27" presetID="1" presetClass="entr" presetSubtype="0" fill="hold" grpId="0" nodeType="clickEffect">
+                                  <p:stCondLst>
+                                    <p:cond delay="0"/>
+                                  </p:stCondLst>
+                                  <p:childTnLst>
+                                    <p:set>
+                                      <p:cBhvr>
+                                        <p:cTn id="28" dur="1" fill="hold">
+                                          <p:stCondLst>
+                                            <p:cond delay="0"/>
+                                          </p:stCondLst>
+                                        </p:cTn>
+                                        <p:tgtEl>
+                                          <p:spTgt spid="3">
+                                            <p:txEl>
+                                              <p:pRg st="6" end="6"/>
+                                            </p:txEl>
+                                          </p:spTgt>
+                                        </p:tgtEl>
+                                        <p:attrNameLst>
+                                          <p:attrName>style.visibility</p:attrName>
+                                        </p:attrNameLst>
+                                      </p:cBhvr>
+                                      <p:to>
+                                        <p:strVal val="visible"/>
+                                      </p:to>
+                                    </p:set>
+                                  </p:childTnLst>
+                                </p:cTn>
+                              </p:par>
+                            </p:childTnLst>
+                          </p:cTn>
+                        </p:par>
+                      </p:childTnLst>
+                    </p:cTn>
+                  </p:par>
+                  <p:par>
+                    <p:cTn id="29" fill="hold">
+                      <p:stCondLst>
+                        <p:cond delay="indefinite"/>
+                      </p:stCondLst>
+                      <p:childTnLst>
+                        <p:par>
+                          <p:cTn id="30" fill="hold">
+                            <p:stCondLst>
+                              <p:cond delay="0"/>
+                            </p:stCondLst>
+                            <p:childTnLst>
+                              <p:par>
+                                <p:cTn id="31" presetID="1" presetClass="entr" presetSubtype="0" fill="hold" grpId="0" nodeType="clickEffect">
+                                  <p:stCondLst>
+                                    <p:cond delay="0"/>
+                                  </p:stCondLst>
+                                  <p:childTnLst>
+                                    <p:set>
+                                      <p:cBhvr>
+                                        <p:cTn id="32" dur="1" fill="hold">
+                                          <p:stCondLst>
+                                            <p:cond delay="0"/>
+                                          </p:stCondLst>
+                                        </p:cTn>
+                                        <p:tgtEl>
+                                          <p:spTgt spid="3">
+                                            <p:txEl>
+                                              <p:pRg st="7" end="7"/>
+                                            </p:txEl>
+                                          </p:spTgt>
+                                        </p:tgtEl>
+                                        <p:attrNameLst>
+                                          <p:attrName>style.visibility</p:attrName>
+                                        </p:attrNameLst>
+                                      </p:cBhvr>
+                                      <p:to>
+                                        <p:strVal val="visible"/>
+                                      </p:to>
+                                    </p:set>
+                                  </p:childTnLst>
+                                </p:cTn>
+                              </p:par>
+                            </p:childTnLst>
+                          </p:cTn>
+                        </p:par>
+                      </p:childTnLst>
+                    </p:cTn>
+                  </p:par>
+                  <p:par>
+                    <p:cTn id="33" fill="hold">
+                      <p:stCondLst>
+                        <p:cond delay="indefinite"/>
+                      </p:stCondLst>
+                      <p:childTnLst>
+                        <p:par>
+                          <p:cTn id="34" fill="hold">
+                            <p:stCondLst>
+                              <p:cond delay="0"/>
+                            </p:stCondLst>
+                            <p:childTnLst>
+                              <p:par>
+                                <p:cTn id="35" presetID="1" presetClass="entr" presetSubtype="0" fill="hold" grpId="0" nodeType="clickEffect">
+                                  <p:stCondLst>
+                                    <p:cond delay="0"/>
+                                  </p:stCondLst>
+                                  <p:childTnLst>
+                                    <p:set>
+                                      <p:cBhvr>
+                                        <p:cTn id="36" dur="1" fill="hold">
+                                          <p:stCondLst>
+                                            <p:cond delay="0"/>
+                                          </p:stCondLst>
+                                        </p:cTn>
+                                        <p:tgtEl>
+                                          <p:spTgt spid="3">
+                                            <p:txEl>
+                                              <p:pRg st="8" end="8"/>
+                                            </p:txEl>
+                                          </p:spTgt>
+                                        </p:tgtEl>
+                                        <p:attrNameLst>
+                                          <p:attrName>style.visibility</p:attrName>
+                                        </p:attrNameLst>
+                                      </p:cBhvr>
+                                      <p:to>
+                                        <p:strVal val="visible"/>
+                                      </p:to>
+                                    </p:set>
+                                  </p:childTnLst>
+                                </p:cTn>
+                              </p:par>
+                            </p:childTnLst>
+                          </p:cTn>
+                        </p:par>
+                      </p:childTnLst>
+                    </p:cTn>
+                  </p:par>
+                </p:childTnLst>
+              </p:cTn>
+              <p:prevCondLst>
+                <p:cond evt="onPrev" delay="0">
+                  <p:tgtEl>
+                    <p:sldTgt/>
+                  </p:tgtEl>
+                </p:cond>
+              </p:prevCondLst>
+              <p:nextCondLst>
+                <p:cond evt="onNext" delay="0">
+                  <p:tgtEl>
+                    <p:sldTgt/>
+                  </p:tgtEl>
+                </p:cond>
+              </p:nextCondLst>
+            </p:seq>
+          </p:childTnLst>
+        </p:cTn>
       </p:par>
     </p:tnLst>
+    <p:bldLst>
+      <p:bldP spid="3" grpId="0" build="p"/>
+    </p:bldLst>
   </p:timing>
 </p:sld>
 </file>
 
-<file path=ppt/slides/slide12.xml><?xml version="1.0" encoding="utf-8"?>
+<file path=ppt/slides/slide13.xml><?xml version="1.0" encoding="utf-8"?>
 <p:sld xmlns:a="http://schemas.openxmlformats.org/drawingml/2006/main" xmlns:r="http://schemas.openxmlformats.org/officeDocument/2006/relationships" xmlns:p="http://schemas.openxmlformats.org/presentationml/2006/main">
   <p:cSld>
     <p:spTree>
@@ -4163,17 +5882,11 @@
           <a:p>
             <a:r>
               <a:rPr lang="en-CA" dirty="0" smtClean="0"/>
-              <a:t>Classic model selection problem in statistics: determine, for a given dataset, what subset of attributes to use in a linear regression model for th</a:t>
+              <a:t>Many </a:t>
             </a:r>
             <a:r>
               <a:rPr lang="en-CA" dirty="0" smtClean="0"/>
-              <a:t>e data</a:t>
-            </a:r>
-          </a:p>
-          <a:p>
-            <a:r>
-              <a:rPr lang="en-CA" dirty="0" smtClean="0"/>
-              <a:t>Many strategies exist (other than MDL), they all seek to balance the predictive performance of the training data with the model’s complexity</a:t>
+              <a:t>strategies exist (other than MDL), they all seek to balance the predictive performance of the training data with the model’s complexity</a:t>
             </a:r>
           </a:p>
           <a:p>
@@ -4185,7 +5898,6 @@
               <a:rPr lang="en-CA" dirty="0"/>
               <a:t> </a:t>
             </a:r>
-            <a:endParaRPr lang="en-CA" dirty="0"/>
           </a:p>
           <a:p>
             <a:pPr lvl="1"/>
@@ -4213,14 +5925,267 @@
   <p:timing>
     <p:tnLst>
       <p:par>
-        <p:cTn id="1" dur="indefinite" restart="never" nodeType="tmRoot"/>
+        <p:cTn id="1" dur="indefinite" restart="never" nodeType="tmRoot">
+          <p:childTnLst>
+            <p:seq concurrent="1" nextAc="seek">
+              <p:cTn id="2" dur="indefinite" nodeType="mainSeq">
+                <p:childTnLst>
+                  <p:par>
+                    <p:cTn id="3" fill="hold">
+                      <p:stCondLst>
+                        <p:cond delay="indefinite"/>
+                      </p:stCondLst>
+                      <p:childTnLst>
+                        <p:par>
+                          <p:cTn id="4" fill="hold">
+                            <p:stCondLst>
+                              <p:cond delay="0"/>
+                            </p:stCondLst>
+                            <p:childTnLst>
+                              <p:par>
+                                <p:cTn id="5" presetID="1" presetClass="entr" presetSubtype="0" fill="hold" grpId="0" nodeType="clickEffect">
+                                  <p:stCondLst>
+                                    <p:cond delay="0"/>
+                                  </p:stCondLst>
+                                  <p:childTnLst>
+                                    <p:set>
+                                      <p:cBhvr>
+                                        <p:cTn id="6" dur="1" fill="hold">
+                                          <p:stCondLst>
+                                            <p:cond delay="0"/>
+                                          </p:stCondLst>
+                                        </p:cTn>
+                                        <p:tgtEl>
+                                          <p:spTgt spid="3">
+                                            <p:txEl>
+                                              <p:pRg st="0" end="0"/>
+                                            </p:txEl>
+                                          </p:spTgt>
+                                        </p:tgtEl>
+                                        <p:attrNameLst>
+                                          <p:attrName>style.visibility</p:attrName>
+                                        </p:attrNameLst>
+                                      </p:cBhvr>
+                                      <p:to>
+                                        <p:strVal val="visible"/>
+                                      </p:to>
+                                    </p:set>
+                                  </p:childTnLst>
+                                </p:cTn>
+                              </p:par>
+                            </p:childTnLst>
+                          </p:cTn>
+                        </p:par>
+                      </p:childTnLst>
+                    </p:cTn>
+                  </p:par>
+                  <p:par>
+                    <p:cTn id="7" fill="hold">
+                      <p:stCondLst>
+                        <p:cond delay="indefinite"/>
+                      </p:stCondLst>
+                      <p:childTnLst>
+                        <p:par>
+                          <p:cTn id="8" fill="hold">
+                            <p:stCondLst>
+                              <p:cond delay="0"/>
+                            </p:stCondLst>
+                            <p:childTnLst>
+                              <p:par>
+                                <p:cTn id="9" presetID="1" presetClass="entr" presetSubtype="0" fill="hold" grpId="0" nodeType="clickEffect">
+                                  <p:stCondLst>
+                                    <p:cond delay="0"/>
+                                  </p:stCondLst>
+                                  <p:childTnLst>
+                                    <p:set>
+                                      <p:cBhvr>
+                                        <p:cTn id="10" dur="1" fill="hold">
+                                          <p:stCondLst>
+                                            <p:cond delay="0"/>
+                                          </p:stCondLst>
+                                        </p:cTn>
+                                        <p:tgtEl>
+                                          <p:spTgt spid="3">
+                                            <p:txEl>
+                                              <p:pRg st="1" end="1"/>
+                                            </p:txEl>
+                                          </p:spTgt>
+                                        </p:tgtEl>
+                                        <p:attrNameLst>
+                                          <p:attrName>style.visibility</p:attrName>
+                                        </p:attrNameLst>
+                                      </p:cBhvr>
+                                      <p:to>
+                                        <p:strVal val="visible"/>
+                                      </p:to>
+                                    </p:set>
+                                  </p:childTnLst>
+                                </p:cTn>
+                              </p:par>
+                            </p:childTnLst>
+                          </p:cTn>
+                        </p:par>
+                      </p:childTnLst>
+                    </p:cTn>
+                  </p:par>
+                  <p:par>
+                    <p:cTn id="11" fill="hold">
+                      <p:stCondLst>
+                        <p:cond delay="indefinite"/>
+                      </p:stCondLst>
+                      <p:childTnLst>
+                        <p:par>
+                          <p:cTn id="12" fill="hold">
+                            <p:stCondLst>
+                              <p:cond delay="0"/>
+                            </p:stCondLst>
+                            <p:childTnLst>
+                              <p:par>
+                                <p:cTn id="13" presetID="1" presetClass="entr" presetSubtype="0" fill="hold" grpId="0" nodeType="clickEffect">
+                                  <p:stCondLst>
+                                    <p:cond delay="0"/>
+                                  </p:stCondLst>
+                                  <p:childTnLst>
+                                    <p:set>
+                                      <p:cBhvr>
+                                        <p:cTn id="14" dur="1" fill="hold">
+                                          <p:stCondLst>
+                                            <p:cond delay="0"/>
+                                          </p:stCondLst>
+                                        </p:cTn>
+                                        <p:tgtEl>
+                                          <p:spTgt spid="3">
+                                            <p:txEl>
+                                              <p:pRg st="2" end="2"/>
+                                            </p:txEl>
+                                          </p:spTgt>
+                                        </p:tgtEl>
+                                        <p:attrNameLst>
+                                          <p:attrName>style.visibility</p:attrName>
+                                        </p:attrNameLst>
+                                      </p:cBhvr>
+                                      <p:to>
+                                        <p:strVal val="visible"/>
+                                      </p:to>
+                                    </p:set>
+                                  </p:childTnLst>
+                                </p:cTn>
+                              </p:par>
+                            </p:childTnLst>
+                          </p:cTn>
+                        </p:par>
+                      </p:childTnLst>
+                    </p:cTn>
+                  </p:par>
+                  <p:par>
+                    <p:cTn id="15" fill="hold">
+                      <p:stCondLst>
+                        <p:cond delay="indefinite"/>
+                      </p:stCondLst>
+                      <p:childTnLst>
+                        <p:par>
+                          <p:cTn id="16" fill="hold">
+                            <p:stCondLst>
+                              <p:cond delay="0"/>
+                            </p:stCondLst>
+                            <p:childTnLst>
+                              <p:par>
+                                <p:cTn id="17" presetID="1" presetClass="entr" presetSubtype="0" fill="hold" grpId="0" nodeType="clickEffect">
+                                  <p:stCondLst>
+                                    <p:cond delay="0"/>
+                                  </p:stCondLst>
+                                  <p:childTnLst>
+                                    <p:set>
+                                      <p:cBhvr>
+                                        <p:cTn id="18" dur="1" fill="hold">
+                                          <p:stCondLst>
+                                            <p:cond delay="0"/>
+                                          </p:stCondLst>
+                                        </p:cTn>
+                                        <p:tgtEl>
+                                          <p:spTgt spid="3">
+                                            <p:txEl>
+                                              <p:pRg st="3" end="3"/>
+                                            </p:txEl>
+                                          </p:spTgt>
+                                        </p:tgtEl>
+                                        <p:attrNameLst>
+                                          <p:attrName>style.visibility</p:attrName>
+                                        </p:attrNameLst>
+                                      </p:cBhvr>
+                                      <p:to>
+                                        <p:strVal val="visible"/>
+                                      </p:to>
+                                    </p:set>
+                                  </p:childTnLst>
+                                </p:cTn>
+                              </p:par>
+                              <p:par>
+                                <p:cTn id="19" presetID="1" presetClass="entr" presetSubtype="0" fill="hold" grpId="0" nodeType="withEffect">
+                                  <p:stCondLst>
+                                    <p:cond delay="0"/>
+                                  </p:stCondLst>
+                                  <p:childTnLst>
+                                    <p:set>
+                                      <p:cBhvr>
+                                        <p:cTn id="20" dur="1" fill="hold">
+                                          <p:stCondLst>
+                                            <p:cond delay="0"/>
+                                          </p:stCondLst>
+                                        </p:cTn>
+                                        <p:tgtEl>
+                                          <p:spTgt spid="3">
+                                            <p:txEl>
+                                              <p:pRg st="4" end="4"/>
+                                            </p:txEl>
+                                          </p:spTgt>
+                                        </p:tgtEl>
+                                        <p:attrNameLst>
+                                          <p:attrName>style.visibility</p:attrName>
+                                        </p:attrNameLst>
+                                      </p:cBhvr>
+                                      <p:to>
+                                        <p:strVal val="visible"/>
+                                      </p:to>
+                                    </p:set>
+                                  </p:childTnLst>
+                                </p:cTn>
+                              </p:par>
+                            </p:childTnLst>
+                          </p:cTn>
+                        </p:par>
+                      </p:childTnLst>
+                    </p:cTn>
+                  </p:par>
+                </p:childTnLst>
+              </p:cTn>
+              <p:prevCondLst>
+                <p:cond evt="onPrev" delay="0">
+                  <p:tgtEl>
+                    <p:sldTgt/>
+                  </p:tgtEl>
+                </p:cond>
+              </p:prevCondLst>
+              <p:nextCondLst>
+                <p:cond evt="onNext" delay="0">
+                  <p:tgtEl>
+                    <p:sldTgt/>
+                  </p:tgtEl>
+                </p:cond>
+              </p:nextCondLst>
+            </p:seq>
+          </p:childTnLst>
+        </p:cTn>
       </p:par>
     </p:tnLst>
+    <p:bldLst>
+      <p:bldP spid="3" grpId="0" build="p"/>
+    </p:bldLst>
   </p:timing>
 </p:sld>
 </file>
 
-<file path=ppt/slides/slide13.xml><?xml version="1.0" encoding="utf-8"?>
+<file path=ppt/slides/slide14.xml><?xml version="1.0" encoding="utf-8"?>
 <p:sld xmlns:a="http://schemas.openxmlformats.org/drawingml/2006/main" xmlns:r="http://schemas.openxmlformats.org/officeDocument/2006/relationships" xmlns:p="http://schemas.openxmlformats.org/presentationml/2006/main">
   <p:cSld>
     <p:spTree>
@@ -4365,13 +6330,13 @@
         </p:nvSpPr>
         <p:spPr>
           <a:xfrm>
-            <a:off x="0" y="1690688"/>
-            <a:ext cx="5224066" cy="5167312"/>
+            <a:off x="-1" y="1690688"/>
+            <a:ext cx="5224067" cy="5167312"/>
           </a:xfrm>
         </p:spPr>
         <p:txBody>
           <a:bodyPr>
-            <a:normAutofit lnSpcReduction="10000"/>
+            <a:normAutofit fontScale="85000" lnSpcReduction="10000"/>
           </a:bodyPr>
           <a:lstStyle/>
           <a:p>
@@ -4391,13 +6356,40 @@
           <a:p>
             <a:r>
               <a:rPr lang="en-CA" dirty="0" smtClean="0"/>
-              <a:t>However, they are not ideal for evaluating machine learning models in situations with known error costs</a:t>
-            </a:r>
-          </a:p>
-          <a:p>
+              <a:t>However, they are not ideal for evaluating machine learning models in situations with known error </a:t>
+            </a:r>
             <a:r>
               <a:rPr lang="en-CA" dirty="0" smtClean="0"/>
-              <a:t>Example: hard to tell for what cost and class distributions A outperforms B at the crossover point </a:t>
+              <a:t>costs</a:t>
+            </a:r>
+          </a:p>
+          <a:p>
+            <a:r>
+              <a:rPr lang="en-CA" dirty="0"/>
+              <a:t>N</a:t>
+            </a:r>
+            <a:r>
+              <a:rPr lang="en-CA" dirty="0" smtClean="0"/>
+              <a:t>ot easy to use ROC chart to read off the expected cost of a classifier for a fixed </a:t>
+            </a:r>
+            <a:r>
+              <a:rPr lang="en-CA" b="1" dirty="0" smtClean="0"/>
+              <a:t>cost matrix and class distribution</a:t>
+            </a:r>
+            <a:endParaRPr lang="en-CA" b="1" dirty="0" smtClean="0"/>
+          </a:p>
+          <a:p>
+            <a:r>
+              <a:rPr lang="en-CA" dirty="0" smtClean="0"/>
+              <a:t>Example: hard to tell for what </a:t>
+            </a:r>
+            <a:r>
+              <a:rPr lang="en-CA" b="1" dirty="0" smtClean="0"/>
+              <a:t>cost and class distributions </a:t>
+            </a:r>
+            <a:r>
+              <a:rPr lang="en-CA" dirty="0" smtClean="0"/>
+              <a:t>A outperforms B at the crossover point </a:t>
             </a:r>
           </a:p>
           <a:p>
@@ -4445,9 +6437,231 @@
   <p:timing>
     <p:tnLst>
       <p:par>
-        <p:cTn id="1" dur="indefinite" restart="never" nodeType="tmRoot"/>
+        <p:cTn id="1" dur="indefinite" restart="never" nodeType="tmRoot">
+          <p:childTnLst>
+            <p:seq concurrent="1" nextAc="seek">
+              <p:cTn id="2" dur="indefinite" nodeType="mainSeq">
+                <p:childTnLst>
+                  <p:par>
+                    <p:cTn id="3" fill="hold">
+                      <p:stCondLst>
+                        <p:cond delay="indefinite"/>
+                      </p:stCondLst>
+                      <p:childTnLst>
+                        <p:par>
+                          <p:cTn id="4" fill="hold">
+                            <p:stCondLst>
+                              <p:cond delay="0"/>
+                            </p:stCondLst>
+                            <p:childTnLst>
+                              <p:par>
+                                <p:cTn id="5" presetID="1" presetClass="entr" presetSubtype="0" fill="hold" grpId="0" nodeType="clickEffect">
+                                  <p:stCondLst>
+                                    <p:cond delay="0"/>
+                                  </p:stCondLst>
+                                  <p:childTnLst>
+                                    <p:set>
+                                      <p:cBhvr>
+                                        <p:cTn id="6" dur="1" fill="hold">
+                                          <p:stCondLst>
+                                            <p:cond delay="0"/>
+                                          </p:stCondLst>
+                                        </p:cTn>
+                                        <p:tgtEl>
+                                          <p:spTgt spid="3">
+                                            <p:txEl>
+                                              <p:pRg st="0" end="0"/>
+                                            </p:txEl>
+                                          </p:spTgt>
+                                        </p:tgtEl>
+                                        <p:attrNameLst>
+                                          <p:attrName>style.visibility</p:attrName>
+                                        </p:attrNameLst>
+                                      </p:cBhvr>
+                                      <p:to>
+                                        <p:strVal val="visible"/>
+                                      </p:to>
+                                    </p:set>
+                                  </p:childTnLst>
+                                </p:cTn>
+                              </p:par>
+                            </p:childTnLst>
+                          </p:cTn>
+                        </p:par>
+                      </p:childTnLst>
+                    </p:cTn>
+                  </p:par>
+                  <p:par>
+                    <p:cTn id="7" fill="hold">
+                      <p:stCondLst>
+                        <p:cond delay="indefinite"/>
+                      </p:stCondLst>
+                      <p:childTnLst>
+                        <p:par>
+                          <p:cTn id="8" fill="hold">
+                            <p:stCondLst>
+                              <p:cond delay="0"/>
+                            </p:stCondLst>
+                            <p:childTnLst>
+                              <p:par>
+                                <p:cTn id="9" presetID="1" presetClass="entr" presetSubtype="0" fill="hold" grpId="0" nodeType="clickEffect">
+                                  <p:stCondLst>
+                                    <p:cond delay="0"/>
+                                  </p:stCondLst>
+                                  <p:childTnLst>
+                                    <p:set>
+                                      <p:cBhvr>
+                                        <p:cTn id="10" dur="1" fill="hold">
+                                          <p:stCondLst>
+                                            <p:cond delay="0"/>
+                                          </p:stCondLst>
+                                        </p:cTn>
+                                        <p:tgtEl>
+                                          <p:spTgt spid="3">
+                                            <p:txEl>
+                                              <p:pRg st="1" end="1"/>
+                                            </p:txEl>
+                                          </p:spTgt>
+                                        </p:tgtEl>
+                                        <p:attrNameLst>
+                                          <p:attrName>style.visibility</p:attrName>
+                                        </p:attrNameLst>
+                                      </p:cBhvr>
+                                      <p:to>
+                                        <p:strVal val="visible"/>
+                                      </p:to>
+                                    </p:set>
+                                  </p:childTnLst>
+                                </p:cTn>
+                              </p:par>
+                            </p:childTnLst>
+                          </p:cTn>
+                        </p:par>
+                      </p:childTnLst>
+                    </p:cTn>
+                  </p:par>
+                  <p:par>
+                    <p:cTn id="11" fill="hold">
+                      <p:stCondLst>
+                        <p:cond delay="indefinite"/>
+                      </p:stCondLst>
+                      <p:childTnLst>
+                        <p:par>
+                          <p:cTn id="12" fill="hold">
+                            <p:stCondLst>
+                              <p:cond delay="0"/>
+                            </p:stCondLst>
+                            <p:childTnLst>
+                              <p:par>
+                                <p:cTn id="13" presetID="1" presetClass="entr" presetSubtype="0" fill="hold" grpId="0" nodeType="clickEffect">
+                                  <p:stCondLst>
+                                    <p:cond delay="0"/>
+                                  </p:stCondLst>
+                                  <p:childTnLst>
+                                    <p:set>
+                                      <p:cBhvr>
+                                        <p:cTn id="14" dur="1" fill="hold">
+                                          <p:stCondLst>
+                                            <p:cond delay="0"/>
+                                          </p:stCondLst>
+                                        </p:cTn>
+                                        <p:tgtEl>
+                                          <p:spTgt spid="3">
+                                            <p:txEl>
+                                              <p:pRg st="2" end="2"/>
+                                            </p:txEl>
+                                          </p:spTgt>
+                                        </p:tgtEl>
+                                        <p:attrNameLst>
+                                          <p:attrName>style.visibility</p:attrName>
+                                        </p:attrNameLst>
+                                      </p:cBhvr>
+                                      <p:to>
+                                        <p:strVal val="visible"/>
+                                      </p:to>
+                                    </p:set>
+                                  </p:childTnLst>
+                                </p:cTn>
+                              </p:par>
+                            </p:childTnLst>
+                          </p:cTn>
+                        </p:par>
+                      </p:childTnLst>
+                    </p:cTn>
+                  </p:par>
+                  <p:par>
+                    <p:cTn id="15" fill="hold">
+                      <p:stCondLst>
+                        <p:cond delay="indefinite"/>
+                      </p:stCondLst>
+                      <p:childTnLst>
+                        <p:par>
+                          <p:cTn id="16" fill="hold">
+                            <p:stCondLst>
+                              <p:cond delay="0"/>
+                            </p:stCondLst>
+                            <p:childTnLst>
+                              <p:par>
+                                <p:cTn id="17" presetID="1" presetClass="entr" presetSubtype="0" fill="hold" grpId="0" nodeType="clickEffect">
+                                  <p:stCondLst>
+                                    <p:cond delay="0"/>
+                                  </p:stCondLst>
+                                  <p:childTnLst>
+                                    <p:set>
+                                      <p:cBhvr>
+                                        <p:cTn id="18" dur="1" fill="hold">
+                                          <p:stCondLst>
+                                            <p:cond delay="0"/>
+                                          </p:stCondLst>
+                                        </p:cTn>
+                                        <p:tgtEl>
+                                          <p:spTgt spid="3">
+                                            <p:txEl>
+                                              <p:pRg st="3" end="3"/>
+                                            </p:txEl>
+                                          </p:spTgt>
+                                        </p:tgtEl>
+                                        <p:attrNameLst>
+                                          <p:attrName>style.visibility</p:attrName>
+                                        </p:attrNameLst>
+                                      </p:cBhvr>
+                                      <p:to>
+                                        <p:strVal val="visible"/>
+                                      </p:to>
+                                    </p:set>
+                                  </p:childTnLst>
+                                </p:cTn>
+                              </p:par>
+                            </p:childTnLst>
+                          </p:cTn>
+                        </p:par>
+                      </p:childTnLst>
+                    </p:cTn>
+                  </p:par>
+                </p:childTnLst>
+              </p:cTn>
+              <p:prevCondLst>
+                <p:cond evt="onPrev" delay="0">
+                  <p:tgtEl>
+                    <p:sldTgt/>
+                  </p:tgtEl>
+                </p:cond>
+              </p:prevCondLst>
+              <p:nextCondLst>
+                <p:cond evt="onNext" delay="0">
+                  <p:tgtEl>
+                    <p:sldTgt/>
+                  </p:tgtEl>
+                </p:cond>
+              </p:nextCondLst>
+            </p:seq>
+          </p:childTnLst>
+        </p:cTn>
       </p:par>
     </p:tnLst>
+    <p:bldLst>
+      <p:bldP spid="3" grpId="0" build="p"/>
+    </p:bldLst>
   </p:timing>
 </p:sld>
 </file>
@@ -4521,17 +6735,25 @@
           <a:p>
             <a:r>
               <a:rPr lang="en-CA" dirty="0" smtClean="0"/>
-              <a:t>In cost curves, a single classifie</a:t>
-            </a:r>
+              <a:t>In cost curves, a single classifier corresponds to a straight line showing how performance varies as class distribution changes</a:t>
+            </a:r>
+          </a:p>
+          <a:p>
             <a:r>
               <a:rPr lang="en-CA" dirty="0" smtClean="0"/>
-              <a:t>r corresponds to a straight line showing how performance varies as class distribution changes</a:t>
-            </a:r>
-          </a:p>
-          <a:p>
+              <a:t>A) plots expected error vs probability of one of the classes, denoted by </a:t>
+            </a:r>
+            <a:r>
+              <a:rPr lang="en-CA" b="1" dirty="0" smtClean="0"/>
+              <a:t>+</a:t>
+            </a:r>
             <a:r>
               <a:rPr lang="en-CA" dirty="0" smtClean="0"/>
-              <a:t>A) plots expected error vs probability of one of the classes, denoted by + and –</a:t>
+              <a:t> and </a:t>
+            </a:r>
+            <a:r>
+              <a:rPr lang="en-CA" b="1" dirty="0" smtClean="0"/>
+              <a:t>–</a:t>
             </a:r>
           </a:p>
           <a:p>
@@ -4549,17 +6771,21 @@
           <a:p>
             <a:r>
               <a:rPr lang="en-CA" dirty="0" smtClean="0"/>
-              <a:t>Line marked A represents error rate of a particular classifier</a:t>
-            </a:r>
-          </a:p>
-          <a:p>
+              <a:t>Line marked </a:t>
+            </a:r>
+            <a:r>
+              <a:rPr lang="en-CA" b="1" dirty="0" smtClean="0"/>
+              <a:t>A</a:t>
+            </a:r>
             <a:r>
               <a:rPr lang="en-CA" dirty="0" smtClean="0"/>
-              <a:t>Fals</a:t>
-            </a:r>
+              <a:t> represents error rate of a particular classifier</a:t>
+            </a:r>
+          </a:p>
+          <a:p>
             <a:r>
               <a:rPr lang="en-CA" dirty="0" smtClean="0"/>
-              <a:t>e positive rate (</a:t>
+              <a:t>False positive rate (</a:t>
             </a:r>
             <a:r>
               <a:rPr lang="en-CA" dirty="0" err="1" smtClean="0"/>
@@ -4567,17 +6793,29 @@
             </a:r>
             <a:r>
               <a:rPr lang="en-CA" dirty="0" smtClean="0"/>
-              <a:t>) is expected error on subsample of instances containing only -’s (p(+)=0)</a:t>
-            </a:r>
-          </a:p>
-          <a:p>
+              <a:t>) is expected error on subsample of instances containing only </a:t>
+            </a:r>
+            <a:r>
+              <a:rPr lang="en-CA" b="1" dirty="0" smtClean="0"/>
+              <a:t>-</a:t>
+            </a:r>
             <a:r>
               <a:rPr lang="en-CA" dirty="0" smtClean="0"/>
-              <a:t>Fals</a:t>
+              <a:t>’s (p(</a:t>
+            </a:r>
+            <a:r>
+              <a:rPr lang="en-CA" b="1" dirty="0" smtClean="0"/>
+              <a:t>+</a:t>
             </a:r>
             <a:r>
               <a:rPr lang="en-CA" dirty="0" smtClean="0"/>
-              <a:t>e negative rate (</a:t>
+              <a:t>)=0)</a:t>
+            </a:r>
+          </a:p>
+          <a:p>
+            <a:r>
+              <a:rPr lang="en-CA" dirty="0" smtClean="0"/>
+              <a:t>False negative rate (</a:t>
             </a:r>
             <a:r>
               <a:rPr lang="en-CA" dirty="0" err="1" smtClean="0"/>
@@ -4585,7 +6823,23 @@
             </a:r>
             <a:r>
               <a:rPr lang="en-CA" dirty="0" smtClean="0"/>
-              <a:t>) is expected error on a subset containing only +’s (p(-)=0)</a:t>
+              <a:t>) is expected error on a subset containing only </a:t>
+            </a:r>
+            <a:r>
+              <a:rPr lang="en-CA" b="1" dirty="0" smtClean="0"/>
+              <a:t>+</a:t>
+            </a:r>
+            <a:r>
+              <a:rPr lang="en-CA" dirty="0" smtClean="0"/>
+              <a:t>’s (p(</a:t>
+            </a:r>
+            <a:r>
+              <a:rPr lang="en-CA" b="1" dirty="0" smtClean="0"/>
+              <a:t>-</a:t>
+            </a:r>
+            <a:r>
+              <a:rPr lang="en-CA" dirty="0" smtClean="0"/>
+              <a:t>)=0)</a:t>
             </a:r>
             <a:endParaRPr lang="en-CA" dirty="0"/>
           </a:p>
@@ -4615,6 +6869,36 @@
           </a:prstGeom>
         </p:spPr>
       </p:pic>
+      <p:sp>
+        <p:nvSpPr>
+          <p:cNvPr id="4" name="TextBox 3"/>
+          <p:cNvSpPr txBox="1"/>
+          <p:nvPr/>
+        </p:nvSpPr>
+        <p:spPr>
+          <a:xfrm>
+            <a:off x="5579918" y="6211668"/>
+            <a:ext cx="6276109" cy="646331"/>
+          </a:xfrm>
+          <a:prstGeom prst="rect">
+            <a:avLst/>
+          </a:prstGeom>
+          <a:noFill/>
+        </p:spPr>
+        <p:txBody>
+          <a:bodyPr wrap="square" rtlCol="0">
+            <a:spAutoFit/>
+          </a:bodyPr>
+          <a:lstStyle/>
+          <a:p>
+            <a:r>
+              <a:rPr lang="en-CA" dirty="0" smtClean="0"/>
+              <a:t>Can use these curves to investigate behavior of algorithm under different class distributions</a:t>
+            </a:r>
+            <a:endParaRPr lang="en-CA" dirty="0"/>
+          </a:p>
+        </p:txBody>
+      </p:sp>
     </p:spTree>
     <p:extLst>
       <p:ext uri="{BB962C8B-B14F-4D97-AF65-F5344CB8AC3E}">
@@ -4628,9 +6912,469 @@
   <p:timing>
     <p:tnLst>
       <p:par>
-        <p:cTn id="1" dur="indefinite" restart="never" nodeType="tmRoot"/>
+        <p:cTn id="1" dur="indefinite" restart="never" nodeType="tmRoot">
+          <p:childTnLst>
+            <p:seq concurrent="1" nextAc="seek">
+              <p:cTn id="2" dur="indefinite" nodeType="mainSeq">
+                <p:childTnLst>
+                  <p:par>
+                    <p:cTn id="3" fill="hold">
+                      <p:stCondLst>
+                        <p:cond delay="indefinite"/>
+                      </p:stCondLst>
+                      <p:childTnLst>
+                        <p:par>
+                          <p:cTn id="4" fill="hold">
+                            <p:stCondLst>
+                              <p:cond delay="0"/>
+                            </p:stCondLst>
+                            <p:childTnLst>
+                              <p:par>
+                                <p:cTn id="5" presetID="1" presetClass="entr" presetSubtype="0" fill="hold" grpId="0" nodeType="clickEffect">
+                                  <p:stCondLst>
+                                    <p:cond delay="0"/>
+                                  </p:stCondLst>
+                                  <p:childTnLst>
+                                    <p:set>
+                                      <p:cBhvr>
+                                        <p:cTn id="6" dur="1" fill="hold">
+                                          <p:stCondLst>
+                                            <p:cond delay="0"/>
+                                          </p:stCondLst>
+                                        </p:cTn>
+                                        <p:tgtEl>
+                                          <p:spTgt spid="3">
+                                            <p:txEl>
+                                              <p:pRg st="0" end="0"/>
+                                            </p:txEl>
+                                          </p:spTgt>
+                                        </p:tgtEl>
+                                        <p:attrNameLst>
+                                          <p:attrName>style.visibility</p:attrName>
+                                        </p:attrNameLst>
+                                      </p:cBhvr>
+                                      <p:to>
+                                        <p:strVal val="visible"/>
+                                      </p:to>
+                                    </p:set>
+                                  </p:childTnLst>
+                                </p:cTn>
+                              </p:par>
+                            </p:childTnLst>
+                          </p:cTn>
+                        </p:par>
+                      </p:childTnLst>
+                    </p:cTn>
+                  </p:par>
+                  <p:par>
+                    <p:cTn id="7" fill="hold">
+                      <p:stCondLst>
+                        <p:cond delay="indefinite"/>
+                      </p:stCondLst>
+                      <p:childTnLst>
+                        <p:par>
+                          <p:cTn id="8" fill="hold">
+                            <p:stCondLst>
+                              <p:cond delay="0"/>
+                            </p:stCondLst>
+                            <p:childTnLst>
+                              <p:par>
+                                <p:cTn id="9" presetID="1" presetClass="entr" presetSubtype="0" fill="hold" nodeType="clickEffect">
+                                  <p:stCondLst>
+                                    <p:cond delay="0"/>
+                                  </p:stCondLst>
+                                  <p:childTnLst>
+                                    <p:set>
+                                      <p:cBhvr>
+                                        <p:cTn id="10" dur="1" fill="hold">
+                                          <p:stCondLst>
+                                            <p:cond delay="0"/>
+                                          </p:stCondLst>
+                                        </p:cTn>
+                                        <p:tgtEl>
+                                          <p:spTgt spid="5"/>
+                                        </p:tgtEl>
+                                        <p:attrNameLst>
+                                          <p:attrName>style.visibility</p:attrName>
+                                        </p:attrNameLst>
+                                      </p:cBhvr>
+                                      <p:to>
+                                        <p:strVal val="visible"/>
+                                      </p:to>
+                                    </p:set>
+                                  </p:childTnLst>
+                                </p:cTn>
+                              </p:par>
+                            </p:childTnLst>
+                          </p:cTn>
+                        </p:par>
+                      </p:childTnLst>
+                    </p:cTn>
+                  </p:par>
+                  <p:par>
+                    <p:cTn id="11" fill="hold">
+                      <p:stCondLst>
+                        <p:cond delay="indefinite"/>
+                      </p:stCondLst>
+                      <p:childTnLst>
+                        <p:par>
+                          <p:cTn id="12" fill="hold">
+                            <p:stCondLst>
+                              <p:cond delay="0"/>
+                            </p:stCondLst>
+                            <p:childTnLst>
+                              <p:par>
+                                <p:cTn id="13" presetID="1" presetClass="entr" presetSubtype="0" fill="hold" grpId="0" nodeType="clickEffect">
+                                  <p:stCondLst>
+                                    <p:cond delay="0"/>
+                                  </p:stCondLst>
+                                  <p:childTnLst>
+                                    <p:set>
+                                      <p:cBhvr>
+                                        <p:cTn id="14" dur="1" fill="hold">
+                                          <p:stCondLst>
+                                            <p:cond delay="0"/>
+                                          </p:stCondLst>
+                                        </p:cTn>
+                                        <p:tgtEl>
+                                          <p:spTgt spid="3">
+                                            <p:txEl>
+                                              <p:pRg st="1" end="1"/>
+                                            </p:txEl>
+                                          </p:spTgt>
+                                        </p:tgtEl>
+                                        <p:attrNameLst>
+                                          <p:attrName>style.visibility</p:attrName>
+                                        </p:attrNameLst>
+                                      </p:cBhvr>
+                                      <p:to>
+                                        <p:strVal val="visible"/>
+                                      </p:to>
+                                    </p:set>
+                                  </p:childTnLst>
+                                </p:cTn>
+                              </p:par>
+                            </p:childTnLst>
+                          </p:cTn>
+                        </p:par>
+                      </p:childTnLst>
+                    </p:cTn>
+                  </p:par>
+                  <p:par>
+                    <p:cTn id="15" fill="hold">
+                      <p:stCondLst>
+                        <p:cond delay="indefinite"/>
+                      </p:stCondLst>
+                      <p:childTnLst>
+                        <p:par>
+                          <p:cTn id="16" fill="hold">
+                            <p:stCondLst>
+                              <p:cond delay="0"/>
+                            </p:stCondLst>
+                            <p:childTnLst>
+                              <p:par>
+                                <p:cTn id="17" presetID="1" presetClass="entr" presetSubtype="0" fill="hold" grpId="0" nodeType="clickEffect">
+                                  <p:stCondLst>
+                                    <p:cond delay="0"/>
+                                  </p:stCondLst>
+                                  <p:childTnLst>
+                                    <p:set>
+                                      <p:cBhvr>
+                                        <p:cTn id="18" dur="1" fill="hold">
+                                          <p:stCondLst>
+                                            <p:cond delay="0"/>
+                                          </p:stCondLst>
+                                        </p:cTn>
+                                        <p:tgtEl>
+                                          <p:spTgt spid="3">
+                                            <p:txEl>
+                                              <p:pRg st="2" end="2"/>
+                                            </p:txEl>
+                                          </p:spTgt>
+                                        </p:tgtEl>
+                                        <p:attrNameLst>
+                                          <p:attrName>style.visibility</p:attrName>
+                                        </p:attrNameLst>
+                                      </p:cBhvr>
+                                      <p:to>
+                                        <p:strVal val="visible"/>
+                                      </p:to>
+                                    </p:set>
+                                  </p:childTnLst>
+                                </p:cTn>
+                              </p:par>
+                            </p:childTnLst>
+                          </p:cTn>
+                        </p:par>
+                      </p:childTnLst>
+                    </p:cTn>
+                  </p:par>
+                  <p:par>
+                    <p:cTn id="19" fill="hold">
+                      <p:stCondLst>
+                        <p:cond delay="indefinite"/>
+                      </p:stCondLst>
+                      <p:childTnLst>
+                        <p:par>
+                          <p:cTn id="20" fill="hold">
+                            <p:stCondLst>
+                              <p:cond delay="0"/>
+                            </p:stCondLst>
+                            <p:childTnLst>
+                              <p:par>
+                                <p:cTn id="21" presetID="1" presetClass="entr" presetSubtype="0" fill="hold" grpId="0" nodeType="clickEffect">
+                                  <p:stCondLst>
+                                    <p:cond delay="0"/>
+                                  </p:stCondLst>
+                                  <p:childTnLst>
+                                    <p:set>
+                                      <p:cBhvr>
+                                        <p:cTn id="22" dur="1" fill="hold">
+                                          <p:stCondLst>
+                                            <p:cond delay="0"/>
+                                          </p:stCondLst>
+                                        </p:cTn>
+                                        <p:tgtEl>
+                                          <p:spTgt spid="3">
+                                            <p:txEl>
+                                              <p:pRg st="3" end="3"/>
+                                            </p:txEl>
+                                          </p:spTgt>
+                                        </p:tgtEl>
+                                        <p:attrNameLst>
+                                          <p:attrName>style.visibility</p:attrName>
+                                        </p:attrNameLst>
+                                      </p:cBhvr>
+                                      <p:to>
+                                        <p:strVal val="visible"/>
+                                      </p:to>
+                                    </p:set>
+                                  </p:childTnLst>
+                                </p:cTn>
+                              </p:par>
+                            </p:childTnLst>
+                          </p:cTn>
+                        </p:par>
+                      </p:childTnLst>
+                    </p:cTn>
+                  </p:par>
+                  <p:par>
+                    <p:cTn id="23" fill="hold">
+                      <p:stCondLst>
+                        <p:cond delay="indefinite"/>
+                      </p:stCondLst>
+                      <p:childTnLst>
+                        <p:par>
+                          <p:cTn id="24" fill="hold">
+                            <p:stCondLst>
+                              <p:cond delay="0"/>
+                            </p:stCondLst>
+                            <p:childTnLst>
+                              <p:par>
+                                <p:cTn id="25" presetID="1" presetClass="entr" presetSubtype="0" fill="hold" grpId="0" nodeType="clickEffect">
+                                  <p:stCondLst>
+                                    <p:cond delay="0"/>
+                                  </p:stCondLst>
+                                  <p:childTnLst>
+                                    <p:set>
+                                      <p:cBhvr>
+                                        <p:cTn id="26" dur="1" fill="hold">
+                                          <p:stCondLst>
+                                            <p:cond delay="0"/>
+                                          </p:stCondLst>
+                                        </p:cTn>
+                                        <p:tgtEl>
+                                          <p:spTgt spid="3">
+                                            <p:txEl>
+                                              <p:pRg st="4" end="4"/>
+                                            </p:txEl>
+                                          </p:spTgt>
+                                        </p:tgtEl>
+                                        <p:attrNameLst>
+                                          <p:attrName>style.visibility</p:attrName>
+                                        </p:attrNameLst>
+                                      </p:cBhvr>
+                                      <p:to>
+                                        <p:strVal val="visible"/>
+                                      </p:to>
+                                    </p:set>
+                                  </p:childTnLst>
+                                </p:cTn>
+                              </p:par>
+                            </p:childTnLst>
+                          </p:cTn>
+                        </p:par>
+                      </p:childTnLst>
+                    </p:cTn>
+                  </p:par>
+                  <p:par>
+                    <p:cTn id="27" fill="hold">
+                      <p:stCondLst>
+                        <p:cond delay="indefinite"/>
+                      </p:stCondLst>
+                      <p:childTnLst>
+                        <p:par>
+                          <p:cTn id="28" fill="hold">
+                            <p:stCondLst>
+                              <p:cond delay="0"/>
+                            </p:stCondLst>
+                            <p:childTnLst>
+                              <p:par>
+                                <p:cTn id="29" presetID="1" presetClass="entr" presetSubtype="0" fill="hold" grpId="0" nodeType="clickEffect">
+                                  <p:stCondLst>
+                                    <p:cond delay="0"/>
+                                  </p:stCondLst>
+                                  <p:childTnLst>
+                                    <p:set>
+                                      <p:cBhvr>
+                                        <p:cTn id="30" dur="1" fill="hold">
+                                          <p:stCondLst>
+                                            <p:cond delay="0"/>
+                                          </p:stCondLst>
+                                        </p:cTn>
+                                        <p:tgtEl>
+                                          <p:spTgt spid="3">
+                                            <p:txEl>
+                                              <p:pRg st="5" end="5"/>
+                                            </p:txEl>
+                                          </p:spTgt>
+                                        </p:tgtEl>
+                                        <p:attrNameLst>
+                                          <p:attrName>style.visibility</p:attrName>
+                                        </p:attrNameLst>
+                                      </p:cBhvr>
+                                      <p:to>
+                                        <p:strVal val="visible"/>
+                                      </p:to>
+                                    </p:set>
+                                  </p:childTnLst>
+                                </p:cTn>
+                              </p:par>
+                            </p:childTnLst>
+                          </p:cTn>
+                        </p:par>
+                      </p:childTnLst>
+                    </p:cTn>
+                  </p:par>
+                  <p:par>
+                    <p:cTn id="31" fill="hold">
+                      <p:stCondLst>
+                        <p:cond delay="indefinite"/>
+                      </p:stCondLst>
+                      <p:childTnLst>
+                        <p:par>
+                          <p:cTn id="32" fill="hold">
+                            <p:stCondLst>
+                              <p:cond delay="0"/>
+                            </p:stCondLst>
+                            <p:childTnLst>
+                              <p:par>
+                                <p:cTn id="33" presetID="1" presetClass="entr" presetSubtype="0" fill="hold" grpId="0" nodeType="clickEffect">
+                                  <p:stCondLst>
+                                    <p:cond delay="0"/>
+                                  </p:stCondLst>
+                                  <p:childTnLst>
+                                    <p:set>
+                                      <p:cBhvr>
+                                        <p:cTn id="34" dur="1" fill="hold">
+                                          <p:stCondLst>
+                                            <p:cond delay="0"/>
+                                          </p:stCondLst>
+                                        </p:cTn>
+                                        <p:tgtEl>
+                                          <p:spTgt spid="3">
+                                            <p:txEl>
+                                              <p:pRg st="6" end="6"/>
+                                            </p:txEl>
+                                          </p:spTgt>
+                                        </p:tgtEl>
+                                        <p:attrNameLst>
+                                          <p:attrName>style.visibility</p:attrName>
+                                        </p:attrNameLst>
+                                      </p:cBhvr>
+                                      <p:to>
+                                        <p:strVal val="visible"/>
+                                      </p:to>
+                                    </p:set>
+                                  </p:childTnLst>
+                                </p:cTn>
+                              </p:par>
+                            </p:childTnLst>
+                          </p:cTn>
+                        </p:par>
+                      </p:childTnLst>
+                    </p:cTn>
+                  </p:par>
+                  <p:par>
+                    <p:cTn id="35" fill="hold">
+                      <p:stCondLst>
+                        <p:cond delay="indefinite"/>
+                      </p:stCondLst>
+                      <p:childTnLst>
+                        <p:par>
+                          <p:cTn id="36" fill="hold">
+                            <p:stCondLst>
+                              <p:cond delay="0"/>
+                            </p:stCondLst>
+                            <p:childTnLst>
+                              <p:par>
+                                <p:cTn id="37" presetID="1" presetClass="entr" presetSubtype="0" fill="hold" grpId="0" nodeType="clickEffect">
+                                  <p:stCondLst>
+                                    <p:cond delay="0"/>
+                                  </p:stCondLst>
+                                  <p:childTnLst>
+                                    <p:set>
+                                      <p:cBhvr>
+                                        <p:cTn id="38" dur="1" fill="hold">
+                                          <p:stCondLst>
+                                            <p:cond delay="0"/>
+                                          </p:stCondLst>
+                                        </p:cTn>
+                                        <p:tgtEl>
+                                          <p:spTgt spid="4"/>
+                                        </p:tgtEl>
+                                        <p:attrNameLst>
+                                          <p:attrName>style.visibility</p:attrName>
+                                        </p:attrNameLst>
+                                      </p:cBhvr>
+                                      <p:to>
+                                        <p:strVal val="visible"/>
+                                      </p:to>
+                                    </p:set>
+                                  </p:childTnLst>
+                                </p:cTn>
+                              </p:par>
+                            </p:childTnLst>
+                          </p:cTn>
+                        </p:par>
+                      </p:childTnLst>
+                    </p:cTn>
+                  </p:par>
+                </p:childTnLst>
+              </p:cTn>
+              <p:prevCondLst>
+                <p:cond evt="onPrev" delay="0">
+                  <p:tgtEl>
+                    <p:sldTgt/>
+                  </p:tgtEl>
+                </p:cond>
+              </p:prevCondLst>
+              <p:nextCondLst>
+                <p:cond evt="onNext" delay="0">
+                  <p:tgtEl>
+                    <p:sldTgt/>
+                  </p:tgtEl>
+                </p:cond>
+              </p:nextCondLst>
+            </p:seq>
+          </p:childTnLst>
+        </p:cTn>
       </p:par>
     </p:tnLst>
+    <p:bldLst>
+      <p:bldP spid="3" grpId="0" uiExpand="1" build="p"/>
+      <p:bldP spid="4" grpId="0"/>
+    </p:bldLst>
   </p:timing>
 </p:sld>
 </file>
@@ -4674,94 +7418,224 @@
           <a:p>
             <a:r>
               <a:rPr lang="en-CA" dirty="0" smtClean="0"/>
-              <a:t>Cost </a:t>
-            </a:r>
-            <a:r>
-              <a:rPr lang="en-CA" dirty="0" smtClean="0"/>
-              <a:t>curves (B)</a:t>
+              <a:t>Cost curves </a:t>
             </a:r>
             <a:endParaRPr lang="en-CA" dirty="0"/>
           </a:p>
         </p:txBody>
       </p:sp>
-      <p:sp>
-        <p:nvSpPr>
-          <p:cNvPr id="3" name="Content Placeholder 2"/>
-          <p:cNvSpPr>
-            <a:spLocks noGrp="1"/>
-          </p:cNvSpPr>
-          <p:nvPr>
-            <p:ph idx="1"/>
-          </p:nvPr>
-        </p:nvSpPr>
-        <p:spPr>
-          <a:xfrm>
-            <a:off x="0" y="775855"/>
-            <a:ext cx="5594740" cy="4437556"/>
-          </a:xfrm>
-        </p:spPr>
-        <p:txBody>
-          <a:bodyPr>
-            <a:normAutofit fontScale="85000" lnSpcReduction="20000"/>
-          </a:bodyPr>
-          <a:lstStyle/>
-          <a:p>
-            <a:r>
-              <a:rPr lang="en-CA" dirty="0" smtClean="0"/>
-              <a:t>Cost curve for same classifier as in A), vertical scale zoomed in</a:t>
-            </a:r>
-          </a:p>
-          <a:p>
-            <a:r>
-              <a:rPr lang="en-CA" dirty="0" smtClean="0"/>
-              <a:t>Plots expected cost of using A against the probability cost function </a:t>
-            </a:r>
-            <a:r>
-              <a:rPr lang="en-CA" i="1" dirty="0" smtClean="0"/>
-              <a:t>p</a:t>
-            </a:r>
-            <a:r>
-              <a:rPr lang="en-CA" baseline="-25000" dirty="0" smtClean="0"/>
-              <a:t>c</a:t>
-            </a:r>
-            <a:r>
-              <a:rPr lang="en-CA" dirty="0" smtClean="0"/>
-              <a:t>[+]</a:t>
-            </a:r>
-          </a:p>
-          <a:p>
-            <a:r>
-              <a:rPr lang="en-CA" dirty="0" smtClean="0"/>
-              <a:t>C[+|-] = cost of predicting + when instances is actually –</a:t>
-            </a:r>
-          </a:p>
-          <a:p>
-            <a:r>
-              <a:rPr lang="en-CA" dirty="0" smtClean="0"/>
-              <a:t>C[-|+] = cost of predicting – when instance is actually +</a:t>
-            </a:r>
-          </a:p>
-          <a:p>
-            <a:r>
-              <a:rPr lang="en-CA" dirty="0" smtClean="0"/>
-              <a:t>Classifier B’s cost remains the same across the range (FP, FN rates equal)</a:t>
-            </a:r>
-          </a:p>
-          <a:p>
-            <a:r>
-              <a:rPr lang="en-CA" dirty="0" smtClean="0"/>
-              <a:t>In situations involving different class distributions, cost curves make it easy to tell when one classifier will outperform the other</a:t>
-            </a:r>
-          </a:p>
-          <a:p>
-            <a:pPr lvl="1"/>
-            <a:endParaRPr lang="en-CA" dirty="0" smtClean="0"/>
-          </a:p>
-          <a:p>
-            <a:endParaRPr lang="en-CA" dirty="0"/>
-          </a:p>
-        </p:txBody>
-      </p:sp>
+      <mc:AlternateContent xmlns:mc="http://schemas.openxmlformats.org/markup-compatibility/2006">
+        <mc:Choice xmlns:a14="http://schemas.microsoft.com/office/drawing/2010/main" Requires="a14">
+          <p:sp>
+            <p:nvSpPr>
+              <p:cNvPr id="3" name="Content Placeholder 2"/>
+              <p:cNvSpPr>
+                <a:spLocks noGrp="1"/>
+              </p:cNvSpPr>
+              <p:nvPr>
+                <p:ph idx="1"/>
+              </p:nvPr>
+            </p:nvSpPr>
+            <p:spPr>
+              <a:xfrm>
+                <a:off x="0" y="775854"/>
+                <a:ext cx="5594740" cy="4627947"/>
+              </a:xfrm>
+            </p:spPr>
+            <p:txBody>
+              <a:bodyPr>
+                <a:normAutofit fontScale="85000" lnSpcReduction="20000"/>
+              </a:bodyPr>
+              <a:lstStyle/>
+              <a:p>
+                <a:r>
+                  <a:rPr lang="en-CA" dirty="0" smtClean="0"/>
+                  <a:t>Cost curve for same classifier as in A), vertical scale zoomed in</a:t>
+                </a:r>
+              </a:p>
+              <a:p>
+                <a:r>
+                  <a:rPr lang="en-CA" dirty="0" smtClean="0"/>
+                  <a:t>Plots expected cost of using A against the probability cost function </a:t>
+                </a:r>
+                <a14:m>
+                  <m:oMath xmlns:m="http://schemas.openxmlformats.org/officeDocument/2006/math">
+                    <m:sSub>
+                      <m:sSubPr>
+                        <m:ctrlPr>
+                          <a:rPr lang="en-CA" i="1">
+                            <a:latin typeface="Cambria Math" panose="02040503050406030204" pitchFamily="18" charset="0"/>
+                            <a:ea typeface="Cambria Math" panose="02040503050406030204" pitchFamily="18" charset="0"/>
+                          </a:rPr>
+                        </m:ctrlPr>
+                      </m:sSubPr>
+                      <m:e>
+                        <m:r>
+                          <a:rPr lang="en-CA" b="0" i="1" smtClean="0">
+                            <a:latin typeface="Cambria Math" panose="02040503050406030204" pitchFamily="18" charset="0"/>
+                            <a:ea typeface="Cambria Math" panose="02040503050406030204" pitchFamily="18" charset="0"/>
+                          </a:rPr>
+                          <m:t>𝑝</m:t>
+                        </m:r>
+                      </m:e>
+                      <m:sub>
+                        <m:r>
+                          <a:rPr lang="en-CA" i="1">
+                            <a:latin typeface="Cambria Math" panose="02040503050406030204" pitchFamily="18" charset="0"/>
+                            <a:ea typeface="Cambria Math" panose="02040503050406030204" pitchFamily="18" charset="0"/>
+                          </a:rPr>
+                          <m:t>𝑐</m:t>
+                        </m:r>
+                      </m:sub>
+                    </m:sSub>
+                  </m:oMath>
+                </a14:m>
+                <a:r>
+                  <a:rPr lang="en-CA" dirty="0" smtClean="0"/>
+                  <a:t>[</a:t>
+                </a:r>
+                <a:r>
+                  <a:rPr lang="en-CA" b="1" dirty="0" smtClean="0"/>
+                  <a:t>+</a:t>
+                </a:r>
+                <a:r>
+                  <a:rPr lang="en-CA" dirty="0" smtClean="0"/>
+                  <a:t>]</a:t>
+                </a:r>
+                <a:endParaRPr lang="en-CA" dirty="0" smtClean="0"/>
+              </a:p>
+              <a:p>
+                <a:r>
+                  <a:rPr lang="en-CA" dirty="0" smtClean="0"/>
+                  <a:t>C[</a:t>
+                </a:r>
+                <a:r>
+                  <a:rPr lang="en-CA" b="1" dirty="0" smtClean="0"/>
+                  <a:t>+</a:t>
+                </a:r>
+                <a:r>
+                  <a:rPr lang="en-CA" dirty="0" smtClean="0"/>
+                  <a:t>|</a:t>
+                </a:r>
+                <a:r>
+                  <a:rPr lang="en-CA" b="1" dirty="0" smtClean="0"/>
+                  <a:t>-</a:t>
+                </a:r>
+                <a:r>
+                  <a:rPr lang="en-CA" dirty="0" smtClean="0"/>
+                  <a:t>] = cost of predicting + when </a:t>
+                </a:r>
+                <a:r>
+                  <a:rPr lang="en-CA" dirty="0" smtClean="0"/>
+                  <a:t>instance </a:t>
+                </a:r>
+                <a:r>
+                  <a:rPr lang="en-CA" dirty="0" smtClean="0"/>
+                  <a:t>is actually</a:t>
+                </a:r>
+                <a:r>
+                  <a:rPr lang="en-CA" b="1" dirty="0" smtClean="0"/>
+                  <a:t> –</a:t>
+                </a:r>
+              </a:p>
+              <a:p>
+                <a:r>
+                  <a:rPr lang="en-CA" dirty="0" smtClean="0"/>
+                  <a:t>C[</a:t>
+                </a:r>
+                <a:r>
+                  <a:rPr lang="en-CA" b="1" dirty="0" smtClean="0"/>
+                  <a:t>-</a:t>
+                </a:r>
+                <a:r>
+                  <a:rPr lang="en-CA" dirty="0" smtClean="0"/>
+                  <a:t>|</a:t>
+                </a:r>
+                <a:r>
+                  <a:rPr lang="en-CA" b="1" dirty="0" smtClean="0"/>
+                  <a:t>+</a:t>
+                </a:r>
+                <a:r>
+                  <a:rPr lang="en-CA" dirty="0" smtClean="0"/>
+                  <a:t>] = cost of predicting – when instance is actually </a:t>
+                </a:r>
+                <a:r>
+                  <a:rPr lang="en-CA" b="1" dirty="0" smtClean="0"/>
+                  <a:t>+</a:t>
+                </a:r>
+              </a:p>
+              <a:p>
+                <a:r>
+                  <a:rPr lang="en-CA" dirty="0" smtClean="0"/>
+                  <a:t>Classifier B’s cost remains the same across the range (FP, FN rates equal</a:t>
+                </a:r>
+                <a:r>
+                  <a:rPr lang="en-CA" dirty="0" smtClean="0"/>
+                  <a:t>)</a:t>
+                </a:r>
+              </a:p>
+              <a:p>
+                <a:pPr lvl="1"/>
+                <a:r>
+                  <a:rPr lang="en-CA" dirty="0" smtClean="0"/>
+                  <a:t>Where does B outperform A?</a:t>
+                </a:r>
+                <a:endParaRPr lang="en-CA" dirty="0" smtClean="0"/>
+              </a:p>
+              <a:p>
+                <a:r>
+                  <a:rPr lang="en-CA" dirty="0" smtClean="0"/>
+                  <a:t>In situations involving different class distributions, cost curves make it easy to tell when one classifier will outperform the other</a:t>
+                </a:r>
+              </a:p>
+              <a:p>
+                <a:pPr lvl="1"/>
+                <a:endParaRPr lang="en-CA" dirty="0" smtClean="0"/>
+              </a:p>
+              <a:p>
+                <a:endParaRPr lang="en-CA" dirty="0"/>
+              </a:p>
+            </p:txBody>
+          </p:sp>
+        </mc:Choice>
+        <mc:Fallback>
+          <p:sp>
+            <p:nvSpPr>
+              <p:cNvPr id="3" name="Content Placeholder 2"/>
+              <p:cNvSpPr>
+                <a:spLocks noGrp="1" noRot="1" noChangeAspect="1" noMove="1" noResize="1" noEditPoints="1" noAdjustHandles="1" noChangeArrowheads="1" noChangeShapeType="1" noTextEdit="1"/>
+              </p:cNvSpPr>
+              <p:nvPr>
+                <p:ph idx="1"/>
+              </p:nvPr>
+            </p:nvSpPr>
+            <p:spPr>
+              <a:xfrm>
+                <a:off x="0" y="775854"/>
+                <a:ext cx="5594740" cy="4627947"/>
+              </a:xfrm>
+              <a:blipFill>
+                <a:blip r:embed="rId2"/>
+                <a:stretch>
+                  <a:fillRect l="-1416" t="-3030" r="-1307" b="-2503"/>
+                </a:stretch>
+              </a:blipFill>
+            </p:spPr>
+            <p:txBody>
+              <a:bodyPr/>
+              <a:lstStyle/>
+              <a:p>
+                <a:r>
+                  <a:rPr lang="en-CA">
+                    <a:noFill/>
+                  </a:rPr>
+                  <a:t> </a:t>
+                </a:r>
+              </a:p>
+            </p:txBody>
+          </p:sp>
+        </mc:Fallback>
+      </mc:AlternateContent>
       <p:pic>
         <p:nvPicPr>
           <p:cNvPr id="4" name="Picture 3"/>
@@ -4771,7 +7645,7 @@
           <p:nvPr/>
         </p:nvPicPr>
         <p:blipFill>
-          <a:blip r:embed="rId2"/>
+          <a:blip r:embed="rId3"/>
           <a:stretch>
             <a:fillRect/>
           </a:stretch>
@@ -4796,8 +7670,8 @@
             </p:nvSpPr>
             <p:spPr>
               <a:xfrm>
-                <a:off x="96982" y="5306110"/>
-                <a:ext cx="8853054" cy="461665"/>
+                <a:off x="193964" y="6090940"/>
+                <a:ext cx="9213273" cy="461665"/>
               </a:xfrm>
               <a:prstGeom prst="rect">
                 <a:avLst/>
@@ -4869,32 +7743,41 @@
                       </a:rPr>
                       <m:t>∙</m:t>
                     </m:r>
-                    <m:r>
-                      <a:rPr lang="en-CA" sz="2400" b="0" i="1" smtClean="0">
-                        <a:latin typeface="Cambria Math" panose="02040503050406030204" pitchFamily="18" charset="0"/>
-                        <a:ea typeface="Cambria Math" panose="02040503050406030204" pitchFamily="18" charset="0"/>
-                      </a:rPr>
-                      <m:t>𝑃𝑐</m:t>
-                    </m:r>
-                    <m:d>
-                      <m:dPr>
+                    <m:sSub>
+                      <m:sSubPr>
                         <m:ctrlPr>
                           <a:rPr lang="en-CA" sz="2400" b="0" i="1" smtClean="0">
                             <a:latin typeface="Cambria Math" panose="02040503050406030204" pitchFamily="18" charset="0"/>
                             <a:ea typeface="Cambria Math" panose="02040503050406030204" pitchFamily="18" charset="0"/>
                           </a:rPr>
                         </m:ctrlPr>
-                      </m:dPr>
+                      </m:sSubPr>
                       <m:e>
                         <m:r>
                           <a:rPr lang="en-CA" sz="2400" b="0" i="1" smtClean="0">
                             <a:latin typeface="Cambria Math" panose="02040503050406030204" pitchFamily="18" charset="0"/>
                             <a:ea typeface="Cambria Math" panose="02040503050406030204" pitchFamily="18" charset="0"/>
                           </a:rPr>
-                          <m:t>+</m:t>
+                          <m:t>𝑝</m:t>
                         </m:r>
                       </m:e>
-                    </m:d>
+                      <m:sub>
+                        <m:r>
+                          <a:rPr lang="en-CA" sz="2400" b="0" i="1" smtClean="0">
+                            <a:latin typeface="Cambria Math" panose="02040503050406030204" pitchFamily="18" charset="0"/>
+                            <a:ea typeface="Cambria Math" panose="02040503050406030204" pitchFamily="18" charset="0"/>
+                          </a:rPr>
+                          <m:t>𝑐</m:t>
+                        </m:r>
+                      </m:sub>
+                    </m:sSub>
+                    <m:r>
+                      <a:rPr lang="en-CA" sz="2400" b="0" i="1" smtClean="0">
+                        <a:latin typeface="Cambria Math" panose="02040503050406030204" pitchFamily="18" charset="0"/>
+                        <a:ea typeface="Cambria Math" panose="02040503050406030204" pitchFamily="18" charset="0"/>
+                      </a:rPr>
+                      <m:t>[+]</m:t>
+                    </m:r>
                     <m:r>
                       <a:rPr lang="en-CA" sz="2400" b="0" i="1" smtClean="0">
                         <a:latin typeface="Cambria Math" panose="02040503050406030204" pitchFamily="18" charset="0"/>
@@ -4916,19 +7799,47 @@
                       </a:rPr>
                       <m:t>∙(1−</m:t>
                     </m:r>
+                    <m:sSub>
+                      <m:sSubPr>
+                        <m:ctrlPr>
+                          <a:rPr lang="en-CA" sz="2400" i="1" smtClean="0">
+                            <a:latin typeface="Cambria Math" panose="02040503050406030204" pitchFamily="18" charset="0"/>
+                            <a:ea typeface="Cambria Math" panose="02040503050406030204" pitchFamily="18" charset="0"/>
+                          </a:rPr>
+                        </m:ctrlPr>
+                      </m:sSubPr>
+                      <m:e>
+                        <m:r>
+                          <a:rPr lang="en-CA" sz="2400" b="0" i="1" smtClean="0">
+                            <a:latin typeface="Cambria Math" panose="02040503050406030204" pitchFamily="18" charset="0"/>
+                            <a:ea typeface="Cambria Math" panose="02040503050406030204" pitchFamily="18" charset="0"/>
+                          </a:rPr>
+                          <m:t>𝑝</m:t>
+                        </m:r>
+                      </m:e>
+                      <m:sub>
+                        <m:r>
+                          <a:rPr lang="en-CA" sz="2400" i="1">
+                            <a:latin typeface="Cambria Math" panose="02040503050406030204" pitchFamily="18" charset="0"/>
+                            <a:ea typeface="Cambria Math" panose="02040503050406030204" pitchFamily="18" charset="0"/>
+                          </a:rPr>
+                          <m:t>𝑐</m:t>
+                        </m:r>
+                      </m:sub>
+                    </m:sSub>
                     <m:r>
                       <a:rPr lang="en-CA" sz="2400" b="0" i="1" smtClean="0">
                         <a:latin typeface="Cambria Math" panose="02040503050406030204" pitchFamily="18" charset="0"/>
                         <a:ea typeface="Cambria Math" panose="02040503050406030204" pitchFamily="18" charset="0"/>
                       </a:rPr>
-                      <m:t>𝑃𝑐</m:t>
+                      <m:t>[+]</m:t>
                     </m:r>
                     <m:r>
                       <a:rPr lang="en-CA" sz="2400" b="0" i="1" smtClean="0">
                         <a:latin typeface="Cambria Math" panose="02040503050406030204" pitchFamily="18" charset="0"/>
                         <a:ea typeface="Cambria Math" panose="02040503050406030204" pitchFamily="18" charset="0"/>
                       </a:rPr>
-                      <m:t>(+))</m:t>
+                      <m:t>)</m:t>
                     </m:r>
                   </m:oMath>
                 </a14:m>
@@ -4948,16 +7859,16 @@
             </p:nvSpPr>
             <p:spPr>
               <a:xfrm>
-                <a:off x="96982" y="5306110"/>
-                <a:ext cx="8853054" cy="461665"/>
+                <a:off x="193964" y="6090940"/>
+                <a:ext cx="9213273" cy="461665"/>
               </a:xfrm>
               <a:prstGeom prst="rect">
                 <a:avLst/>
               </a:prstGeom>
               <a:blipFill>
-                <a:blip r:embed="rId3"/>
+                <a:blip r:embed="rId4"/>
                 <a:stretch>
-                  <a:fillRect l="-1102" t="-10526" r="-344" b="-28947"/>
+                  <a:fillRect l="-1059" t="-10526" b="-28947"/>
                 </a:stretch>
               </a:blipFill>
             </p:spPr>
@@ -4986,7 +7897,7 @@
             </p:nvSpPr>
             <p:spPr>
               <a:xfrm>
-                <a:off x="96982" y="5860474"/>
+                <a:off x="193964" y="5297666"/>
                 <a:ext cx="10321636" cy="691023"/>
               </a:xfrm>
               <a:prstGeom prst="rect">
@@ -5042,29 +7953,41 @@
                       </a:rPr>
                       <m:t> </m:t>
                     </m:r>
-                    <m:r>
-                      <a:rPr lang="en-CA" sz="2400" b="0" i="1" smtClean="0">
-                        <a:latin typeface="Cambria Math" panose="02040503050406030204" pitchFamily="18" charset="0"/>
-                      </a:rPr>
-                      <m:t>𝑃𝑐</m:t>
-                    </m:r>
-                    <m:d>
-                      <m:dPr>
+                    <m:sSub>
+                      <m:sSubPr>
                         <m:ctrlPr>
-                          <a:rPr lang="en-CA" sz="2400" b="0" i="1" smtClean="0">
+                          <a:rPr lang="en-CA" sz="2400" i="1">
                             <a:latin typeface="Cambria Math" panose="02040503050406030204" pitchFamily="18" charset="0"/>
+                            <a:ea typeface="Cambria Math" panose="02040503050406030204" pitchFamily="18" charset="0"/>
                           </a:rPr>
                         </m:ctrlPr>
-                      </m:dPr>
+                      </m:sSubPr>
                       <m:e>
                         <m:r>
                           <a:rPr lang="en-CA" sz="2400" b="0" i="1" smtClean="0">
                             <a:latin typeface="Cambria Math" panose="02040503050406030204" pitchFamily="18" charset="0"/>
+                            <a:ea typeface="Cambria Math" panose="02040503050406030204" pitchFamily="18" charset="0"/>
                           </a:rPr>
-                          <m:t>+</m:t>
+                          <m:t>𝑝</m:t>
                         </m:r>
                       </m:e>
-                    </m:d>
+                      <m:sub>
+                        <m:r>
+                          <a:rPr lang="en-CA" sz="2400" i="1">
+                            <a:latin typeface="Cambria Math" panose="02040503050406030204" pitchFamily="18" charset="0"/>
+                            <a:ea typeface="Cambria Math" panose="02040503050406030204" pitchFamily="18" charset="0"/>
+                          </a:rPr>
+                          <m:t>𝑐</m:t>
+                        </m:r>
+                      </m:sub>
+                    </m:sSub>
+                    <m:r>
+                      <a:rPr lang="en-CA" sz="2400" b="0" i="1" smtClean="0">
+                        <a:latin typeface="Cambria Math" panose="02040503050406030204" pitchFamily="18" charset="0"/>
+                        <a:ea typeface="Cambria Math" panose="02040503050406030204" pitchFamily="18" charset="0"/>
+                      </a:rPr>
+                      <m:t>[+]</m:t>
+                    </m:r>
                     <m:r>
                       <a:rPr lang="en-CA" sz="2400" b="0" i="1" smtClean="0">
                         <a:latin typeface="Cambria Math" panose="02040503050406030204" pitchFamily="18" charset="0"/>
@@ -5234,16 +8157,16 @@
             </p:nvSpPr>
             <p:spPr>
               <a:xfrm>
-                <a:off x="96982" y="5860474"/>
+                <a:off x="193964" y="5297666"/>
                 <a:ext cx="10321636" cy="691023"/>
               </a:xfrm>
               <a:prstGeom prst="rect">
                 <a:avLst/>
               </a:prstGeom>
               <a:blipFill>
-                <a:blip r:embed="rId4"/>
+                <a:blip r:embed="rId5"/>
                 <a:stretch>
-                  <a:fillRect l="-945" b="-877"/>
+                  <a:fillRect l="-945" b="-1770"/>
                 </a:stretch>
               </a:blipFill>
             </p:spPr>
@@ -5262,36 +8185,6 @@
           </p:sp>
         </mc:Fallback>
       </mc:AlternateContent>
-      <p:sp>
-        <p:nvSpPr>
-          <p:cNvPr id="7" name="TextBox 6"/>
-          <p:cNvSpPr txBox="1"/>
-          <p:nvPr/>
-        </p:nvSpPr>
-        <p:spPr>
-          <a:xfrm>
-            <a:off x="9157855" y="5767775"/>
-            <a:ext cx="2715490" cy="646331"/>
-          </a:xfrm>
-          <a:prstGeom prst="rect">
-            <a:avLst/>
-          </a:prstGeom>
-          <a:noFill/>
-        </p:spPr>
-        <p:txBody>
-          <a:bodyPr wrap="square" rtlCol="0">
-            <a:spAutoFit/>
-          </a:bodyPr>
-          <a:lstStyle/>
-          <a:p>
-            <a:r>
-              <a:rPr lang="en-CA" b="1" dirty="0" smtClean="0"/>
-              <a:t>When would cost curves be useful?</a:t>
-            </a:r>
-            <a:endParaRPr lang="en-CA" b="1" dirty="0"/>
-          </a:p>
-        </p:txBody>
-      </p:sp>
     </p:spTree>
     <p:extLst>
       <p:ext uri="{BB962C8B-B14F-4D97-AF65-F5344CB8AC3E}">
@@ -5305,9 +8198,452 @@
   <p:timing>
     <p:tnLst>
       <p:par>
-        <p:cTn id="1" dur="indefinite" restart="never" nodeType="tmRoot"/>
+        <p:cTn id="1" dur="indefinite" restart="never" nodeType="tmRoot">
+          <p:childTnLst>
+            <p:seq concurrent="1" nextAc="seek">
+              <p:cTn id="2" dur="indefinite" nodeType="mainSeq">
+                <p:childTnLst>
+                  <p:par>
+                    <p:cTn id="3" fill="hold">
+                      <p:stCondLst>
+                        <p:cond delay="indefinite"/>
+                      </p:stCondLst>
+                      <p:childTnLst>
+                        <p:par>
+                          <p:cTn id="4" fill="hold">
+                            <p:stCondLst>
+                              <p:cond delay="0"/>
+                            </p:stCondLst>
+                            <p:childTnLst>
+                              <p:par>
+                                <p:cTn id="5" presetID="1" presetClass="entr" presetSubtype="0" fill="hold" grpId="0" nodeType="clickEffect">
+                                  <p:stCondLst>
+                                    <p:cond delay="0"/>
+                                  </p:stCondLst>
+                                  <p:childTnLst>
+                                    <p:set>
+                                      <p:cBhvr>
+                                        <p:cTn id="6" dur="1" fill="hold">
+                                          <p:stCondLst>
+                                            <p:cond delay="0"/>
+                                          </p:stCondLst>
+                                        </p:cTn>
+                                        <p:tgtEl>
+                                          <p:spTgt spid="3">
+                                            <p:txEl>
+                                              <p:pRg st="0" end="0"/>
+                                            </p:txEl>
+                                          </p:spTgt>
+                                        </p:tgtEl>
+                                        <p:attrNameLst>
+                                          <p:attrName>style.visibility</p:attrName>
+                                        </p:attrNameLst>
+                                      </p:cBhvr>
+                                      <p:to>
+                                        <p:strVal val="visible"/>
+                                      </p:to>
+                                    </p:set>
+                                  </p:childTnLst>
+                                </p:cTn>
+                              </p:par>
+                            </p:childTnLst>
+                          </p:cTn>
+                        </p:par>
+                      </p:childTnLst>
+                    </p:cTn>
+                  </p:par>
+                  <p:par>
+                    <p:cTn id="7" fill="hold">
+                      <p:stCondLst>
+                        <p:cond delay="indefinite"/>
+                      </p:stCondLst>
+                      <p:childTnLst>
+                        <p:par>
+                          <p:cTn id="8" fill="hold">
+                            <p:stCondLst>
+                              <p:cond delay="0"/>
+                            </p:stCondLst>
+                            <p:childTnLst>
+                              <p:par>
+                                <p:cTn id="9" presetID="1" presetClass="entr" presetSubtype="0" fill="hold" grpId="0" nodeType="clickEffect">
+                                  <p:stCondLst>
+                                    <p:cond delay="0"/>
+                                  </p:stCondLst>
+                                  <p:childTnLst>
+                                    <p:set>
+                                      <p:cBhvr>
+                                        <p:cTn id="10" dur="1" fill="hold">
+                                          <p:stCondLst>
+                                            <p:cond delay="0"/>
+                                          </p:stCondLst>
+                                        </p:cTn>
+                                        <p:tgtEl>
+                                          <p:spTgt spid="3">
+                                            <p:txEl>
+                                              <p:pRg st="1" end="1"/>
+                                            </p:txEl>
+                                          </p:spTgt>
+                                        </p:tgtEl>
+                                        <p:attrNameLst>
+                                          <p:attrName>style.visibility</p:attrName>
+                                        </p:attrNameLst>
+                                      </p:cBhvr>
+                                      <p:to>
+                                        <p:strVal val="visible"/>
+                                      </p:to>
+                                    </p:set>
+                                  </p:childTnLst>
+                                </p:cTn>
+                              </p:par>
+                            </p:childTnLst>
+                          </p:cTn>
+                        </p:par>
+                      </p:childTnLst>
+                    </p:cTn>
+                  </p:par>
+                  <p:par>
+                    <p:cTn id="11" fill="hold">
+                      <p:stCondLst>
+                        <p:cond delay="indefinite"/>
+                      </p:stCondLst>
+                      <p:childTnLst>
+                        <p:par>
+                          <p:cTn id="12" fill="hold">
+                            <p:stCondLst>
+                              <p:cond delay="0"/>
+                            </p:stCondLst>
+                            <p:childTnLst>
+                              <p:par>
+                                <p:cTn id="13" presetID="1" presetClass="entr" presetSubtype="0" fill="hold" grpId="0" nodeType="clickEffect">
+                                  <p:stCondLst>
+                                    <p:cond delay="0"/>
+                                  </p:stCondLst>
+                                  <p:childTnLst>
+                                    <p:set>
+                                      <p:cBhvr>
+                                        <p:cTn id="14" dur="1" fill="hold">
+                                          <p:stCondLst>
+                                            <p:cond delay="0"/>
+                                          </p:stCondLst>
+                                        </p:cTn>
+                                        <p:tgtEl>
+                                          <p:spTgt spid="6"/>
+                                        </p:tgtEl>
+                                        <p:attrNameLst>
+                                          <p:attrName>style.visibility</p:attrName>
+                                        </p:attrNameLst>
+                                      </p:cBhvr>
+                                      <p:to>
+                                        <p:strVal val="visible"/>
+                                      </p:to>
+                                    </p:set>
+                                  </p:childTnLst>
+                                </p:cTn>
+                              </p:par>
+                            </p:childTnLst>
+                          </p:cTn>
+                        </p:par>
+                      </p:childTnLst>
+                    </p:cTn>
+                  </p:par>
+                  <p:par>
+                    <p:cTn id="15" fill="hold">
+                      <p:stCondLst>
+                        <p:cond delay="indefinite"/>
+                      </p:stCondLst>
+                      <p:childTnLst>
+                        <p:par>
+                          <p:cTn id="16" fill="hold">
+                            <p:stCondLst>
+                              <p:cond delay="0"/>
+                            </p:stCondLst>
+                            <p:childTnLst>
+                              <p:par>
+                                <p:cTn id="17" presetID="1" presetClass="entr" presetSubtype="0" fill="hold" grpId="0" nodeType="clickEffect">
+                                  <p:stCondLst>
+                                    <p:cond delay="0"/>
+                                  </p:stCondLst>
+                                  <p:childTnLst>
+                                    <p:set>
+                                      <p:cBhvr>
+                                        <p:cTn id="18" dur="1" fill="hold">
+                                          <p:stCondLst>
+                                            <p:cond delay="0"/>
+                                          </p:stCondLst>
+                                        </p:cTn>
+                                        <p:tgtEl>
+                                          <p:spTgt spid="5"/>
+                                        </p:tgtEl>
+                                        <p:attrNameLst>
+                                          <p:attrName>style.visibility</p:attrName>
+                                        </p:attrNameLst>
+                                      </p:cBhvr>
+                                      <p:to>
+                                        <p:strVal val="visible"/>
+                                      </p:to>
+                                    </p:set>
+                                  </p:childTnLst>
+                                </p:cTn>
+                              </p:par>
+                            </p:childTnLst>
+                          </p:cTn>
+                        </p:par>
+                      </p:childTnLst>
+                    </p:cTn>
+                  </p:par>
+                  <p:par>
+                    <p:cTn id="19" fill="hold">
+                      <p:stCondLst>
+                        <p:cond delay="indefinite"/>
+                      </p:stCondLst>
+                      <p:childTnLst>
+                        <p:par>
+                          <p:cTn id="20" fill="hold">
+                            <p:stCondLst>
+                              <p:cond delay="0"/>
+                            </p:stCondLst>
+                            <p:childTnLst>
+                              <p:par>
+                                <p:cTn id="21" presetID="1" presetClass="entr" presetSubtype="0" fill="hold" grpId="0" nodeType="clickEffect">
+                                  <p:stCondLst>
+                                    <p:cond delay="0"/>
+                                  </p:stCondLst>
+                                  <p:childTnLst>
+                                    <p:set>
+                                      <p:cBhvr>
+                                        <p:cTn id="22" dur="1" fill="hold">
+                                          <p:stCondLst>
+                                            <p:cond delay="0"/>
+                                          </p:stCondLst>
+                                        </p:cTn>
+                                        <p:tgtEl>
+                                          <p:spTgt spid="3">
+                                            <p:txEl>
+                                              <p:pRg st="2" end="2"/>
+                                            </p:txEl>
+                                          </p:spTgt>
+                                        </p:tgtEl>
+                                        <p:attrNameLst>
+                                          <p:attrName>style.visibility</p:attrName>
+                                        </p:attrNameLst>
+                                      </p:cBhvr>
+                                      <p:to>
+                                        <p:strVal val="visible"/>
+                                      </p:to>
+                                    </p:set>
+                                  </p:childTnLst>
+                                </p:cTn>
+                              </p:par>
+                            </p:childTnLst>
+                          </p:cTn>
+                        </p:par>
+                      </p:childTnLst>
+                    </p:cTn>
+                  </p:par>
+                  <p:par>
+                    <p:cTn id="23" fill="hold">
+                      <p:stCondLst>
+                        <p:cond delay="indefinite"/>
+                      </p:stCondLst>
+                      <p:childTnLst>
+                        <p:par>
+                          <p:cTn id="24" fill="hold">
+                            <p:stCondLst>
+                              <p:cond delay="0"/>
+                            </p:stCondLst>
+                            <p:childTnLst>
+                              <p:par>
+                                <p:cTn id="25" presetID="1" presetClass="entr" presetSubtype="0" fill="hold" grpId="0" nodeType="clickEffect">
+                                  <p:stCondLst>
+                                    <p:cond delay="0"/>
+                                  </p:stCondLst>
+                                  <p:childTnLst>
+                                    <p:set>
+                                      <p:cBhvr>
+                                        <p:cTn id="26" dur="1" fill="hold">
+                                          <p:stCondLst>
+                                            <p:cond delay="0"/>
+                                          </p:stCondLst>
+                                        </p:cTn>
+                                        <p:tgtEl>
+                                          <p:spTgt spid="3">
+                                            <p:txEl>
+                                              <p:pRg st="3" end="3"/>
+                                            </p:txEl>
+                                          </p:spTgt>
+                                        </p:tgtEl>
+                                        <p:attrNameLst>
+                                          <p:attrName>style.visibility</p:attrName>
+                                        </p:attrNameLst>
+                                      </p:cBhvr>
+                                      <p:to>
+                                        <p:strVal val="visible"/>
+                                      </p:to>
+                                    </p:set>
+                                  </p:childTnLst>
+                                </p:cTn>
+                              </p:par>
+                            </p:childTnLst>
+                          </p:cTn>
+                        </p:par>
+                      </p:childTnLst>
+                    </p:cTn>
+                  </p:par>
+                  <p:par>
+                    <p:cTn id="27" fill="hold">
+                      <p:stCondLst>
+                        <p:cond delay="indefinite"/>
+                      </p:stCondLst>
+                      <p:childTnLst>
+                        <p:par>
+                          <p:cTn id="28" fill="hold">
+                            <p:stCondLst>
+                              <p:cond delay="0"/>
+                            </p:stCondLst>
+                            <p:childTnLst>
+                              <p:par>
+                                <p:cTn id="29" presetID="1" presetClass="entr" presetSubtype="0" fill="hold" grpId="0" nodeType="clickEffect">
+                                  <p:stCondLst>
+                                    <p:cond delay="0"/>
+                                  </p:stCondLst>
+                                  <p:childTnLst>
+                                    <p:set>
+                                      <p:cBhvr>
+                                        <p:cTn id="30" dur="1" fill="hold">
+                                          <p:stCondLst>
+                                            <p:cond delay="0"/>
+                                          </p:stCondLst>
+                                        </p:cTn>
+                                        <p:tgtEl>
+                                          <p:spTgt spid="3">
+                                            <p:txEl>
+                                              <p:pRg st="4" end="4"/>
+                                            </p:txEl>
+                                          </p:spTgt>
+                                        </p:tgtEl>
+                                        <p:attrNameLst>
+                                          <p:attrName>style.visibility</p:attrName>
+                                        </p:attrNameLst>
+                                      </p:cBhvr>
+                                      <p:to>
+                                        <p:strVal val="visible"/>
+                                      </p:to>
+                                    </p:set>
+                                  </p:childTnLst>
+                                </p:cTn>
+                              </p:par>
+                              <p:par>
+                                <p:cTn id="31" presetID="1" presetClass="entr" presetSubtype="0" fill="hold" grpId="0" nodeType="withEffect">
+                                  <p:stCondLst>
+                                    <p:cond delay="0"/>
+                                  </p:stCondLst>
+                                  <p:childTnLst>
+                                    <p:set>
+                                      <p:cBhvr>
+                                        <p:cTn id="32" dur="1" fill="hold">
+                                          <p:stCondLst>
+                                            <p:cond delay="0"/>
+                                          </p:stCondLst>
+                                        </p:cTn>
+                                        <p:tgtEl>
+                                          <p:spTgt spid="3">
+                                            <p:txEl>
+                                              <p:pRg st="5" end="5"/>
+                                            </p:txEl>
+                                          </p:spTgt>
+                                        </p:tgtEl>
+                                        <p:attrNameLst>
+                                          <p:attrName>style.visibility</p:attrName>
+                                        </p:attrNameLst>
+                                      </p:cBhvr>
+                                      <p:to>
+                                        <p:strVal val="visible"/>
+                                      </p:to>
+                                    </p:set>
+                                  </p:childTnLst>
+                                </p:cTn>
+                              </p:par>
+                            </p:childTnLst>
+                          </p:cTn>
+                        </p:par>
+                      </p:childTnLst>
+                    </p:cTn>
+                  </p:par>
+                  <p:par>
+                    <p:cTn id="33" fill="hold">
+                      <p:stCondLst>
+                        <p:cond delay="indefinite"/>
+                      </p:stCondLst>
+                      <p:childTnLst>
+                        <p:par>
+                          <p:cTn id="34" fill="hold">
+                            <p:stCondLst>
+                              <p:cond delay="0"/>
+                            </p:stCondLst>
+                            <p:childTnLst>
+                              <p:par>
+                                <p:cTn id="35" presetID="1" presetClass="entr" presetSubtype="0" fill="hold" grpId="0" nodeType="clickEffect">
+                                  <p:stCondLst>
+                                    <p:cond delay="0"/>
+                                  </p:stCondLst>
+                                  <p:childTnLst>
+                                    <p:set>
+                                      <p:cBhvr>
+                                        <p:cTn id="36" dur="1" fill="hold">
+                                          <p:stCondLst>
+                                            <p:cond delay="0"/>
+                                          </p:stCondLst>
+                                        </p:cTn>
+                                        <p:tgtEl>
+                                          <p:spTgt spid="3">
+                                            <p:txEl>
+                                              <p:pRg st="6" end="6"/>
+                                            </p:txEl>
+                                          </p:spTgt>
+                                        </p:tgtEl>
+                                        <p:attrNameLst>
+                                          <p:attrName>style.visibility</p:attrName>
+                                        </p:attrNameLst>
+                                      </p:cBhvr>
+                                      <p:to>
+                                        <p:strVal val="visible"/>
+                                      </p:to>
+                                    </p:set>
+                                  </p:childTnLst>
+                                </p:cTn>
+                              </p:par>
+                            </p:childTnLst>
+                          </p:cTn>
+                        </p:par>
+                      </p:childTnLst>
+                    </p:cTn>
+                  </p:par>
+                </p:childTnLst>
+              </p:cTn>
+              <p:prevCondLst>
+                <p:cond evt="onPrev" delay="0">
+                  <p:tgtEl>
+                    <p:sldTgt/>
+                  </p:tgtEl>
+                </p:cond>
+              </p:prevCondLst>
+              <p:nextCondLst>
+                <p:cond evt="onNext" delay="0">
+                  <p:tgtEl>
+                    <p:sldTgt/>
+                  </p:tgtEl>
+                </p:cond>
+              </p:nextCondLst>
+            </p:seq>
+          </p:childTnLst>
+        </p:cTn>
       </p:par>
     </p:tnLst>
+    <p:bldLst>
+      <p:bldP spid="3" grpId="0" uiExpand="1" build="p"/>
+      <p:bldP spid="5" grpId="0"/>
+      <p:bldP spid="6" grpId="0"/>
+    </p:bldLst>
   </p:timing>
 </p:sld>
 </file>
@@ -5385,7 +8721,15 @@
           <a:p>
             <a:r>
               <a:rPr lang="en-CA" dirty="0" smtClean="0"/>
-              <a:t>Gray lines indicate different classifiers</a:t>
+              <a:t>Gray </a:t>
+            </a:r>
+            <a:r>
+              <a:rPr lang="en-CA" dirty="0" smtClean="0"/>
+              <a:t>(and black) lines </a:t>
+            </a:r>
+            <a:r>
+              <a:rPr lang="en-CA" dirty="0" smtClean="0"/>
+              <a:t>indicate different classifiers</a:t>
             </a:r>
           </a:p>
           <a:p>
@@ -5432,6 +8776,36 @@
           </a:prstGeom>
         </p:spPr>
       </p:pic>
+      <p:sp>
+        <p:nvSpPr>
+          <p:cNvPr id="5" name="TextBox 4"/>
+          <p:cNvSpPr txBox="1"/>
+          <p:nvPr/>
+        </p:nvSpPr>
+        <p:spPr>
+          <a:xfrm>
+            <a:off x="5976989" y="5818909"/>
+            <a:ext cx="5708072" cy="369332"/>
+          </a:xfrm>
+          <a:prstGeom prst="rect">
+            <a:avLst/>
+          </a:prstGeom>
+          <a:noFill/>
+        </p:spPr>
+        <p:txBody>
+          <a:bodyPr wrap="square" rtlCol="0">
+            <a:spAutoFit/>
+          </a:bodyPr>
+          <a:lstStyle/>
+          <a:p>
+            <a:r>
+              <a:rPr lang="en-CA" b="1" dirty="0" smtClean="0"/>
+              <a:t>When might these cost curves be useful?</a:t>
+            </a:r>
+            <a:endParaRPr lang="en-CA" b="1" dirty="0"/>
+          </a:p>
+        </p:txBody>
+      </p:sp>
     </p:spTree>
     <p:extLst>
       <p:ext uri="{BB962C8B-B14F-4D97-AF65-F5344CB8AC3E}">
@@ -5445,9 +8819,277 @@
   <p:timing>
     <p:tnLst>
       <p:par>
-        <p:cTn id="1" dur="indefinite" restart="never" nodeType="tmRoot"/>
+        <p:cTn id="1" dur="indefinite" restart="never" nodeType="tmRoot">
+          <p:childTnLst>
+            <p:seq concurrent="1" nextAc="seek">
+              <p:cTn id="2" dur="indefinite" nodeType="mainSeq">
+                <p:childTnLst>
+                  <p:par>
+                    <p:cTn id="3" fill="hold">
+                      <p:stCondLst>
+                        <p:cond delay="indefinite"/>
+                      </p:stCondLst>
+                      <p:childTnLst>
+                        <p:par>
+                          <p:cTn id="4" fill="hold">
+                            <p:stCondLst>
+                              <p:cond delay="0"/>
+                            </p:stCondLst>
+                            <p:childTnLst>
+                              <p:par>
+                                <p:cTn id="5" presetID="1" presetClass="entr" presetSubtype="0" fill="hold" grpId="0" nodeType="clickEffect">
+                                  <p:stCondLst>
+                                    <p:cond delay="0"/>
+                                  </p:stCondLst>
+                                  <p:childTnLst>
+                                    <p:set>
+                                      <p:cBhvr>
+                                        <p:cTn id="6" dur="1" fill="hold">
+                                          <p:stCondLst>
+                                            <p:cond delay="0"/>
+                                          </p:stCondLst>
+                                        </p:cTn>
+                                        <p:tgtEl>
+                                          <p:spTgt spid="3">
+                                            <p:txEl>
+                                              <p:pRg st="0" end="0"/>
+                                            </p:txEl>
+                                          </p:spTgt>
+                                        </p:tgtEl>
+                                        <p:attrNameLst>
+                                          <p:attrName>style.visibility</p:attrName>
+                                        </p:attrNameLst>
+                                      </p:cBhvr>
+                                      <p:to>
+                                        <p:strVal val="visible"/>
+                                      </p:to>
+                                    </p:set>
+                                  </p:childTnLst>
+                                </p:cTn>
+                              </p:par>
+                            </p:childTnLst>
+                          </p:cTn>
+                        </p:par>
+                      </p:childTnLst>
+                    </p:cTn>
+                  </p:par>
+                  <p:par>
+                    <p:cTn id="7" fill="hold">
+                      <p:stCondLst>
+                        <p:cond delay="indefinite"/>
+                      </p:stCondLst>
+                      <p:childTnLst>
+                        <p:par>
+                          <p:cTn id="8" fill="hold">
+                            <p:stCondLst>
+                              <p:cond delay="0"/>
+                            </p:stCondLst>
+                            <p:childTnLst>
+                              <p:par>
+                                <p:cTn id="9" presetID="1" presetClass="entr" presetSubtype="0" fill="hold" grpId="0" nodeType="clickEffect">
+                                  <p:stCondLst>
+                                    <p:cond delay="0"/>
+                                  </p:stCondLst>
+                                  <p:childTnLst>
+                                    <p:set>
+                                      <p:cBhvr>
+                                        <p:cTn id="10" dur="1" fill="hold">
+                                          <p:stCondLst>
+                                            <p:cond delay="0"/>
+                                          </p:stCondLst>
+                                        </p:cTn>
+                                        <p:tgtEl>
+                                          <p:spTgt spid="3">
+                                            <p:txEl>
+                                              <p:pRg st="1" end="1"/>
+                                            </p:txEl>
+                                          </p:spTgt>
+                                        </p:tgtEl>
+                                        <p:attrNameLst>
+                                          <p:attrName>style.visibility</p:attrName>
+                                        </p:attrNameLst>
+                                      </p:cBhvr>
+                                      <p:to>
+                                        <p:strVal val="visible"/>
+                                      </p:to>
+                                    </p:set>
+                                  </p:childTnLst>
+                                </p:cTn>
+                              </p:par>
+                            </p:childTnLst>
+                          </p:cTn>
+                        </p:par>
+                      </p:childTnLst>
+                    </p:cTn>
+                  </p:par>
+                  <p:par>
+                    <p:cTn id="11" fill="hold">
+                      <p:stCondLst>
+                        <p:cond delay="indefinite"/>
+                      </p:stCondLst>
+                      <p:childTnLst>
+                        <p:par>
+                          <p:cTn id="12" fill="hold">
+                            <p:stCondLst>
+                              <p:cond delay="0"/>
+                            </p:stCondLst>
+                            <p:childTnLst>
+                              <p:par>
+                                <p:cTn id="13" presetID="1" presetClass="entr" presetSubtype="0" fill="hold" grpId="0" nodeType="clickEffect">
+                                  <p:stCondLst>
+                                    <p:cond delay="0"/>
+                                  </p:stCondLst>
+                                  <p:childTnLst>
+                                    <p:set>
+                                      <p:cBhvr>
+                                        <p:cTn id="14" dur="1" fill="hold">
+                                          <p:stCondLst>
+                                            <p:cond delay="0"/>
+                                          </p:stCondLst>
+                                        </p:cTn>
+                                        <p:tgtEl>
+                                          <p:spTgt spid="3">
+                                            <p:txEl>
+                                              <p:pRg st="2" end="2"/>
+                                            </p:txEl>
+                                          </p:spTgt>
+                                        </p:tgtEl>
+                                        <p:attrNameLst>
+                                          <p:attrName>style.visibility</p:attrName>
+                                        </p:attrNameLst>
+                                      </p:cBhvr>
+                                      <p:to>
+                                        <p:strVal val="visible"/>
+                                      </p:to>
+                                    </p:set>
+                                  </p:childTnLst>
+                                </p:cTn>
+                              </p:par>
+                            </p:childTnLst>
+                          </p:cTn>
+                        </p:par>
+                      </p:childTnLst>
+                    </p:cTn>
+                  </p:par>
+                  <p:par>
+                    <p:cTn id="15" fill="hold">
+                      <p:stCondLst>
+                        <p:cond delay="indefinite"/>
+                      </p:stCondLst>
+                      <p:childTnLst>
+                        <p:par>
+                          <p:cTn id="16" fill="hold">
+                            <p:stCondLst>
+                              <p:cond delay="0"/>
+                            </p:stCondLst>
+                            <p:childTnLst>
+                              <p:par>
+                                <p:cTn id="17" presetID="1" presetClass="entr" presetSubtype="0" fill="hold" grpId="0" nodeType="clickEffect">
+                                  <p:stCondLst>
+                                    <p:cond delay="0"/>
+                                  </p:stCondLst>
+                                  <p:childTnLst>
+                                    <p:set>
+                                      <p:cBhvr>
+                                        <p:cTn id="18" dur="1" fill="hold">
+                                          <p:stCondLst>
+                                            <p:cond delay="0"/>
+                                          </p:stCondLst>
+                                        </p:cTn>
+                                        <p:tgtEl>
+                                          <p:spTgt spid="3">
+                                            <p:txEl>
+                                              <p:pRg st="3" end="3"/>
+                                            </p:txEl>
+                                          </p:spTgt>
+                                        </p:tgtEl>
+                                        <p:attrNameLst>
+                                          <p:attrName>style.visibility</p:attrName>
+                                        </p:attrNameLst>
+                                      </p:cBhvr>
+                                      <p:to>
+                                        <p:strVal val="visible"/>
+                                      </p:to>
+                                    </p:set>
+                                  </p:childTnLst>
+                                </p:cTn>
+                              </p:par>
+                            </p:childTnLst>
+                          </p:cTn>
+                        </p:par>
+                      </p:childTnLst>
+                    </p:cTn>
+                  </p:par>
+                  <p:par>
+                    <p:cTn id="19" fill="hold">
+                      <p:stCondLst>
+                        <p:cond delay="indefinite"/>
+                      </p:stCondLst>
+                      <p:childTnLst>
+                        <p:par>
+                          <p:cTn id="20" fill="hold">
+                            <p:stCondLst>
+                              <p:cond delay="0"/>
+                            </p:stCondLst>
+                            <p:childTnLst>
+                              <p:par>
+                                <p:cTn id="21" presetID="1" presetClass="entr" presetSubtype="0" fill="hold" grpId="0" nodeType="clickEffect">
+                                  <p:stCondLst>
+                                    <p:cond delay="0"/>
+                                  </p:stCondLst>
+                                  <p:childTnLst>
+                                    <p:set>
+                                      <p:cBhvr>
+                                        <p:cTn id="22" dur="1" fill="hold">
+                                          <p:stCondLst>
+                                            <p:cond delay="0"/>
+                                          </p:stCondLst>
+                                        </p:cTn>
+                                        <p:tgtEl>
+                                          <p:spTgt spid="5"/>
+                                        </p:tgtEl>
+                                        <p:attrNameLst>
+                                          <p:attrName>style.visibility</p:attrName>
+                                        </p:attrNameLst>
+                                      </p:cBhvr>
+                                      <p:to>
+                                        <p:strVal val="visible"/>
+                                      </p:to>
+                                    </p:set>
+                                  </p:childTnLst>
+                                </p:cTn>
+                              </p:par>
+                            </p:childTnLst>
+                          </p:cTn>
+                        </p:par>
+                      </p:childTnLst>
+                    </p:cTn>
+                  </p:par>
+                </p:childTnLst>
+              </p:cTn>
+              <p:prevCondLst>
+                <p:cond evt="onPrev" delay="0">
+                  <p:tgtEl>
+                    <p:sldTgt/>
+                  </p:tgtEl>
+                </p:cond>
+              </p:prevCondLst>
+              <p:nextCondLst>
+                <p:cond evt="onNext" delay="0">
+                  <p:tgtEl>
+                    <p:sldTgt/>
+                  </p:tgtEl>
+                </p:cond>
+              </p:nextCondLst>
+            </p:seq>
+          </p:childTnLst>
+        </p:cTn>
       </p:par>
     </p:tnLst>
+    <p:bldLst>
+      <p:bldP spid="3" grpId="0" build="p"/>
+      <p:bldP spid="5" grpId="0"/>
+    </p:bldLst>
   </p:timing>
 </p:sld>
 </file>
@@ -5490,15 +9132,15 @@
           <a:lstStyle/>
           <a:p>
             <a:r>
-              <a:rPr lang="en-CA" dirty="0" smtClean="0"/>
+              <a:rPr lang="en-CA" b="1" dirty="0" smtClean="0"/>
               <a:t>Evaluating numeric prediction</a:t>
             </a:r>
-            <a:endParaRPr lang="en-CA" dirty="0"/>
+            <a:endParaRPr lang="en-CA" b="1" dirty="0"/>
           </a:p>
         </p:txBody>
       </p:sp>
-      <mc:AlternateContent xmlns:mc="http://schemas.openxmlformats.org/markup-compatibility/2006">
-        <mc:Choice xmlns:a14="http://schemas.microsoft.com/office/drawing/2010/main" Requires="a14">
+      <mc:AlternateContent xmlns:mc="http://schemas.openxmlformats.org/markup-compatibility/2006" xmlns:a14="http://schemas.microsoft.com/office/drawing/2010/main">
+        <mc:Choice Requires="a14">
           <p:sp>
             <p:nvSpPr>
               <p:cNvPr id="3" name="Content Placeholder 2"/>
@@ -6315,7 +9957,7 @@
             </p:txBody>
           </p:sp>
         </mc:Choice>
-        <mc:Fallback>
+        <mc:Fallback xmlns="">
           <p:sp>
             <p:nvSpPr>
               <p:cNvPr id="3" name="Content Placeholder 2"/>
@@ -6366,9 +10008,507 @@
   <p:timing>
     <p:tnLst>
       <p:par>
-        <p:cTn id="1" dur="indefinite" restart="never" nodeType="tmRoot"/>
+        <p:cTn id="1" dur="indefinite" restart="never" nodeType="tmRoot">
+          <p:childTnLst>
+            <p:seq concurrent="1" nextAc="seek">
+              <p:cTn id="2" dur="indefinite" nodeType="mainSeq">
+                <p:childTnLst>
+                  <p:par>
+                    <p:cTn id="3" fill="hold">
+                      <p:stCondLst>
+                        <p:cond delay="indefinite"/>
+                      </p:stCondLst>
+                      <p:childTnLst>
+                        <p:par>
+                          <p:cTn id="4" fill="hold">
+                            <p:stCondLst>
+                              <p:cond delay="0"/>
+                            </p:stCondLst>
+                            <p:childTnLst>
+                              <p:par>
+                                <p:cTn id="5" presetID="1" presetClass="entr" presetSubtype="0" fill="hold" grpId="0" nodeType="clickEffect">
+                                  <p:stCondLst>
+                                    <p:cond delay="0"/>
+                                  </p:stCondLst>
+                                  <p:childTnLst>
+                                    <p:set>
+                                      <p:cBhvr>
+                                        <p:cTn id="6" dur="1" fill="hold">
+                                          <p:stCondLst>
+                                            <p:cond delay="0"/>
+                                          </p:stCondLst>
+                                        </p:cTn>
+                                        <p:tgtEl>
+                                          <p:spTgt spid="3">
+                                            <p:txEl>
+                                              <p:pRg st="0" end="0"/>
+                                            </p:txEl>
+                                          </p:spTgt>
+                                        </p:tgtEl>
+                                        <p:attrNameLst>
+                                          <p:attrName>style.visibility</p:attrName>
+                                        </p:attrNameLst>
+                                      </p:cBhvr>
+                                      <p:to>
+                                        <p:strVal val="visible"/>
+                                      </p:to>
+                                    </p:set>
+                                  </p:childTnLst>
+                                </p:cTn>
+                              </p:par>
+                            </p:childTnLst>
+                          </p:cTn>
+                        </p:par>
+                      </p:childTnLst>
+                    </p:cTn>
+                  </p:par>
+                  <p:par>
+                    <p:cTn id="7" fill="hold">
+                      <p:stCondLst>
+                        <p:cond delay="indefinite"/>
+                      </p:stCondLst>
+                      <p:childTnLst>
+                        <p:par>
+                          <p:cTn id="8" fill="hold">
+                            <p:stCondLst>
+                              <p:cond delay="0"/>
+                            </p:stCondLst>
+                            <p:childTnLst>
+                              <p:par>
+                                <p:cTn id="9" presetID="1" presetClass="entr" presetSubtype="0" fill="hold" grpId="0" nodeType="clickEffect">
+                                  <p:stCondLst>
+                                    <p:cond delay="0"/>
+                                  </p:stCondLst>
+                                  <p:childTnLst>
+                                    <p:set>
+                                      <p:cBhvr>
+                                        <p:cTn id="10" dur="1" fill="hold">
+                                          <p:stCondLst>
+                                            <p:cond delay="0"/>
+                                          </p:stCondLst>
+                                        </p:cTn>
+                                        <p:tgtEl>
+                                          <p:spTgt spid="3">
+                                            <p:txEl>
+                                              <p:pRg st="1" end="1"/>
+                                            </p:txEl>
+                                          </p:spTgt>
+                                        </p:tgtEl>
+                                        <p:attrNameLst>
+                                          <p:attrName>style.visibility</p:attrName>
+                                        </p:attrNameLst>
+                                      </p:cBhvr>
+                                      <p:to>
+                                        <p:strVal val="visible"/>
+                                      </p:to>
+                                    </p:set>
+                                  </p:childTnLst>
+                                </p:cTn>
+                              </p:par>
+                              <p:par>
+                                <p:cTn id="11" presetID="1" presetClass="entr" presetSubtype="0" fill="hold" grpId="0" nodeType="withEffect">
+                                  <p:stCondLst>
+                                    <p:cond delay="0"/>
+                                  </p:stCondLst>
+                                  <p:childTnLst>
+                                    <p:set>
+                                      <p:cBhvr>
+                                        <p:cTn id="12" dur="1" fill="hold">
+                                          <p:stCondLst>
+                                            <p:cond delay="0"/>
+                                          </p:stCondLst>
+                                        </p:cTn>
+                                        <p:tgtEl>
+                                          <p:spTgt spid="3">
+                                            <p:txEl>
+                                              <p:pRg st="2" end="2"/>
+                                            </p:txEl>
+                                          </p:spTgt>
+                                        </p:tgtEl>
+                                        <p:attrNameLst>
+                                          <p:attrName>style.visibility</p:attrName>
+                                        </p:attrNameLst>
+                                      </p:cBhvr>
+                                      <p:to>
+                                        <p:strVal val="visible"/>
+                                      </p:to>
+                                    </p:set>
+                                  </p:childTnLst>
+                                </p:cTn>
+                              </p:par>
+                            </p:childTnLst>
+                          </p:cTn>
+                        </p:par>
+                      </p:childTnLst>
+                    </p:cTn>
+                  </p:par>
+                  <p:par>
+                    <p:cTn id="13" fill="hold">
+                      <p:stCondLst>
+                        <p:cond delay="indefinite"/>
+                      </p:stCondLst>
+                      <p:childTnLst>
+                        <p:par>
+                          <p:cTn id="14" fill="hold">
+                            <p:stCondLst>
+                              <p:cond delay="0"/>
+                            </p:stCondLst>
+                            <p:childTnLst>
+                              <p:par>
+                                <p:cTn id="15" presetID="1" presetClass="entr" presetSubtype="0" fill="hold" grpId="0" nodeType="clickEffect">
+                                  <p:stCondLst>
+                                    <p:cond delay="0"/>
+                                  </p:stCondLst>
+                                  <p:childTnLst>
+                                    <p:set>
+                                      <p:cBhvr>
+                                        <p:cTn id="16" dur="1" fill="hold">
+                                          <p:stCondLst>
+                                            <p:cond delay="0"/>
+                                          </p:stCondLst>
+                                        </p:cTn>
+                                        <p:tgtEl>
+                                          <p:spTgt spid="3">
+                                            <p:txEl>
+                                              <p:pRg st="3" end="3"/>
+                                            </p:txEl>
+                                          </p:spTgt>
+                                        </p:tgtEl>
+                                        <p:attrNameLst>
+                                          <p:attrName>style.visibility</p:attrName>
+                                        </p:attrNameLst>
+                                      </p:cBhvr>
+                                      <p:to>
+                                        <p:strVal val="visible"/>
+                                      </p:to>
+                                    </p:set>
+                                  </p:childTnLst>
+                                </p:cTn>
+                              </p:par>
+                            </p:childTnLst>
+                          </p:cTn>
+                        </p:par>
+                      </p:childTnLst>
+                    </p:cTn>
+                  </p:par>
+                  <p:par>
+                    <p:cTn id="17" fill="hold">
+                      <p:stCondLst>
+                        <p:cond delay="indefinite"/>
+                      </p:stCondLst>
+                      <p:childTnLst>
+                        <p:par>
+                          <p:cTn id="18" fill="hold">
+                            <p:stCondLst>
+                              <p:cond delay="0"/>
+                            </p:stCondLst>
+                            <p:childTnLst>
+                              <p:par>
+                                <p:cTn id="19" presetID="1" presetClass="entr" presetSubtype="0" fill="hold" grpId="0" nodeType="clickEffect">
+                                  <p:stCondLst>
+                                    <p:cond delay="0"/>
+                                  </p:stCondLst>
+                                  <p:childTnLst>
+                                    <p:set>
+                                      <p:cBhvr>
+                                        <p:cTn id="20" dur="1" fill="hold">
+                                          <p:stCondLst>
+                                            <p:cond delay="0"/>
+                                          </p:stCondLst>
+                                        </p:cTn>
+                                        <p:tgtEl>
+                                          <p:spTgt spid="3">
+                                            <p:txEl>
+                                              <p:pRg st="4" end="4"/>
+                                            </p:txEl>
+                                          </p:spTgt>
+                                        </p:tgtEl>
+                                        <p:attrNameLst>
+                                          <p:attrName>style.visibility</p:attrName>
+                                        </p:attrNameLst>
+                                      </p:cBhvr>
+                                      <p:to>
+                                        <p:strVal val="visible"/>
+                                      </p:to>
+                                    </p:set>
+                                  </p:childTnLst>
+                                </p:cTn>
+                              </p:par>
+                            </p:childTnLst>
+                          </p:cTn>
+                        </p:par>
+                      </p:childTnLst>
+                    </p:cTn>
+                  </p:par>
+                  <p:par>
+                    <p:cTn id="21" fill="hold">
+                      <p:stCondLst>
+                        <p:cond delay="indefinite"/>
+                      </p:stCondLst>
+                      <p:childTnLst>
+                        <p:par>
+                          <p:cTn id="22" fill="hold">
+                            <p:stCondLst>
+                              <p:cond delay="0"/>
+                            </p:stCondLst>
+                            <p:childTnLst>
+                              <p:par>
+                                <p:cTn id="23" presetID="1" presetClass="entr" presetSubtype="0" fill="hold" grpId="0" nodeType="clickEffect">
+                                  <p:stCondLst>
+                                    <p:cond delay="0"/>
+                                  </p:stCondLst>
+                                  <p:childTnLst>
+                                    <p:set>
+                                      <p:cBhvr>
+                                        <p:cTn id="24" dur="1" fill="hold">
+                                          <p:stCondLst>
+                                            <p:cond delay="0"/>
+                                          </p:stCondLst>
+                                        </p:cTn>
+                                        <p:tgtEl>
+                                          <p:spTgt spid="3">
+                                            <p:txEl>
+                                              <p:pRg st="5" end="5"/>
+                                            </p:txEl>
+                                          </p:spTgt>
+                                        </p:tgtEl>
+                                        <p:attrNameLst>
+                                          <p:attrName>style.visibility</p:attrName>
+                                        </p:attrNameLst>
+                                      </p:cBhvr>
+                                      <p:to>
+                                        <p:strVal val="visible"/>
+                                      </p:to>
+                                    </p:set>
+                                  </p:childTnLst>
+                                </p:cTn>
+                              </p:par>
+                            </p:childTnLst>
+                          </p:cTn>
+                        </p:par>
+                      </p:childTnLst>
+                    </p:cTn>
+                  </p:par>
+                  <p:par>
+                    <p:cTn id="25" fill="hold">
+                      <p:stCondLst>
+                        <p:cond delay="indefinite"/>
+                      </p:stCondLst>
+                      <p:childTnLst>
+                        <p:par>
+                          <p:cTn id="26" fill="hold">
+                            <p:stCondLst>
+                              <p:cond delay="0"/>
+                            </p:stCondLst>
+                            <p:childTnLst>
+                              <p:par>
+                                <p:cTn id="27" presetID="1" presetClass="entr" presetSubtype="0" fill="hold" grpId="0" nodeType="clickEffect">
+                                  <p:stCondLst>
+                                    <p:cond delay="0"/>
+                                  </p:stCondLst>
+                                  <p:childTnLst>
+                                    <p:set>
+                                      <p:cBhvr>
+                                        <p:cTn id="28" dur="1" fill="hold">
+                                          <p:stCondLst>
+                                            <p:cond delay="0"/>
+                                          </p:stCondLst>
+                                        </p:cTn>
+                                        <p:tgtEl>
+                                          <p:spTgt spid="3">
+                                            <p:txEl>
+                                              <p:pRg st="7" end="7"/>
+                                            </p:txEl>
+                                          </p:spTgt>
+                                        </p:tgtEl>
+                                        <p:attrNameLst>
+                                          <p:attrName>style.visibility</p:attrName>
+                                        </p:attrNameLst>
+                                      </p:cBhvr>
+                                      <p:to>
+                                        <p:strVal val="visible"/>
+                                      </p:to>
+                                    </p:set>
+                                  </p:childTnLst>
+                                </p:cTn>
+                              </p:par>
+                            </p:childTnLst>
+                          </p:cTn>
+                        </p:par>
+                      </p:childTnLst>
+                    </p:cTn>
+                  </p:par>
+                  <p:par>
+                    <p:cTn id="29" fill="hold">
+                      <p:stCondLst>
+                        <p:cond delay="indefinite"/>
+                      </p:stCondLst>
+                      <p:childTnLst>
+                        <p:par>
+                          <p:cTn id="30" fill="hold">
+                            <p:stCondLst>
+                              <p:cond delay="0"/>
+                            </p:stCondLst>
+                            <p:childTnLst>
+                              <p:par>
+                                <p:cTn id="31" presetID="1" presetClass="entr" presetSubtype="0" fill="hold" grpId="0" nodeType="clickEffect">
+                                  <p:stCondLst>
+                                    <p:cond delay="0"/>
+                                  </p:stCondLst>
+                                  <p:childTnLst>
+                                    <p:set>
+                                      <p:cBhvr>
+                                        <p:cTn id="32" dur="1" fill="hold">
+                                          <p:stCondLst>
+                                            <p:cond delay="0"/>
+                                          </p:stCondLst>
+                                        </p:cTn>
+                                        <p:tgtEl>
+                                          <p:spTgt spid="3">
+                                            <p:txEl>
+                                              <p:pRg st="8" end="8"/>
+                                            </p:txEl>
+                                          </p:spTgt>
+                                        </p:tgtEl>
+                                        <p:attrNameLst>
+                                          <p:attrName>style.visibility</p:attrName>
+                                        </p:attrNameLst>
+                                      </p:cBhvr>
+                                      <p:to>
+                                        <p:strVal val="visible"/>
+                                      </p:to>
+                                    </p:set>
+                                  </p:childTnLst>
+                                </p:cTn>
+                              </p:par>
+                            </p:childTnLst>
+                          </p:cTn>
+                        </p:par>
+                      </p:childTnLst>
+                    </p:cTn>
+                  </p:par>
+                  <p:par>
+                    <p:cTn id="33" fill="hold">
+                      <p:stCondLst>
+                        <p:cond delay="indefinite"/>
+                      </p:stCondLst>
+                      <p:childTnLst>
+                        <p:par>
+                          <p:cTn id="34" fill="hold">
+                            <p:stCondLst>
+                              <p:cond delay="0"/>
+                            </p:stCondLst>
+                            <p:childTnLst>
+                              <p:par>
+                                <p:cTn id="35" presetID="1" presetClass="entr" presetSubtype="0" fill="hold" grpId="0" nodeType="clickEffect">
+                                  <p:stCondLst>
+                                    <p:cond delay="0"/>
+                                  </p:stCondLst>
+                                  <p:childTnLst>
+                                    <p:set>
+                                      <p:cBhvr>
+                                        <p:cTn id="36" dur="1" fill="hold">
+                                          <p:stCondLst>
+                                            <p:cond delay="0"/>
+                                          </p:stCondLst>
+                                        </p:cTn>
+                                        <p:tgtEl>
+                                          <p:spTgt spid="3">
+                                            <p:txEl>
+                                              <p:pRg st="9" end="9"/>
+                                            </p:txEl>
+                                          </p:spTgt>
+                                        </p:tgtEl>
+                                        <p:attrNameLst>
+                                          <p:attrName>style.visibility</p:attrName>
+                                        </p:attrNameLst>
+                                      </p:cBhvr>
+                                      <p:to>
+                                        <p:strVal val="visible"/>
+                                      </p:to>
+                                    </p:set>
+                                  </p:childTnLst>
+                                </p:cTn>
+                              </p:par>
+                            </p:childTnLst>
+                          </p:cTn>
+                        </p:par>
+                      </p:childTnLst>
+                    </p:cTn>
+                  </p:par>
+                  <p:par>
+                    <p:cTn id="37" fill="hold">
+                      <p:stCondLst>
+                        <p:cond delay="indefinite"/>
+                      </p:stCondLst>
+                      <p:childTnLst>
+                        <p:par>
+                          <p:cTn id="38" fill="hold">
+                            <p:stCondLst>
+                              <p:cond delay="0"/>
+                            </p:stCondLst>
+                            <p:childTnLst>
+                              <p:par>
+                                <p:cTn id="39" presetID="1" presetClass="entr" presetSubtype="0" fill="hold" grpId="0" nodeType="clickEffect">
+                                  <p:stCondLst>
+                                    <p:cond delay="0"/>
+                                  </p:stCondLst>
+                                  <p:childTnLst>
+                                    <p:set>
+                                      <p:cBhvr>
+                                        <p:cTn id="40" dur="1" fill="hold">
+                                          <p:stCondLst>
+                                            <p:cond delay="0"/>
+                                          </p:stCondLst>
+                                        </p:cTn>
+                                        <p:tgtEl>
+                                          <p:spTgt spid="3">
+                                            <p:txEl>
+                                              <p:pRg st="10" end="10"/>
+                                            </p:txEl>
+                                          </p:spTgt>
+                                        </p:tgtEl>
+                                        <p:attrNameLst>
+                                          <p:attrName>style.visibility</p:attrName>
+                                        </p:attrNameLst>
+                                      </p:cBhvr>
+                                      <p:to>
+                                        <p:strVal val="visible"/>
+                                      </p:to>
+                                    </p:set>
+                                  </p:childTnLst>
+                                </p:cTn>
+                              </p:par>
+                            </p:childTnLst>
+                          </p:cTn>
+                        </p:par>
+                      </p:childTnLst>
+                    </p:cTn>
+                  </p:par>
+                </p:childTnLst>
+              </p:cTn>
+              <p:prevCondLst>
+                <p:cond evt="onPrev" delay="0">
+                  <p:tgtEl>
+                    <p:sldTgt/>
+                  </p:tgtEl>
+                </p:cond>
+              </p:prevCondLst>
+              <p:nextCondLst>
+                <p:cond evt="onNext" delay="0">
+                  <p:tgtEl>
+                    <p:sldTgt/>
+                  </p:tgtEl>
+                </p:cond>
+              </p:nextCondLst>
+            </p:seq>
+          </p:childTnLst>
+        </p:cTn>
       </p:par>
     </p:tnLst>
+    <p:bldLst>
+      <p:bldP spid="3" grpId="0" build="p"/>
+    </p:bldLst>
   </p:timing>
 </p:sld>
 </file>
@@ -6489,12 +10629,12 @@
           </a:p>
           <a:p>
             <a:r>
+              <a:rPr lang="en-CA" i="1" dirty="0" smtClean="0"/>
+              <a:t>Formally</a:t>
+            </a:r>
+            <a:r>
               <a:rPr lang="en-CA" dirty="0" smtClean="0"/>
-              <a:t>Formally: given a set of instances, a learnin</a:t>
-            </a:r>
-            <a:r>
-              <a:rPr lang="en-CA" dirty="0" smtClean="0"/>
-              <a:t>g scheme infers a theory from them (decision tree, set of weights, rules, etc.). Then, according to MDL the best theory is the one that minimizes the number of bits required to communicate the theory along with the labels of the examples from which it was made.</a:t>
+              <a:t>: given a set of instances, a learning scheme infers a theory from them (decision tree, set of weights, rules, etc.). Then, according to MDL the best theory is the one that minimizes the number of bits required to communicate the theory along with the labels of the examples from which it was made.</a:t>
             </a:r>
           </a:p>
           <a:p>
@@ -6515,9 +10655,329 @@
   <p:timing>
     <p:tnLst>
       <p:par>
-        <p:cTn id="1" dur="indefinite" restart="never" nodeType="tmRoot"/>
+        <p:cTn id="1" dur="indefinite" restart="never" nodeType="tmRoot">
+          <p:childTnLst>
+            <p:seq concurrent="1" nextAc="seek">
+              <p:cTn id="2" dur="indefinite" nodeType="mainSeq">
+                <p:childTnLst>
+                  <p:par>
+                    <p:cTn id="3" fill="hold">
+                      <p:stCondLst>
+                        <p:cond delay="indefinite"/>
+                      </p:stCondLst>
+                      <p:childTnLst>
+                        <p:par>
+                          <p:cTn id="4" fill="hold">
+                            <p:stCondLst>
+                              <p:cond delay="0"/>
+                            </p:stCondLst>
+                            <p:childTnLst>
+                              <p:par>
+                                <p:cTn id="5" presetID="1" presetClass="entr" presetSubtype="0" fill="hold" grpId="0" nodeType="clickEffect">
+                                  <p:stCondLst>
+                                    <p:cond delay="0"/>
+                                  </p:stCondLst>
+                                  <p:childTnLst>
+                                    <p:set>
+                                      <p:cBhvr>
+                                        <p:cTn id="6" dur="1" fill="hold">
+                                          <p:stCondLst>
+                                            <p:cond delay="0"/>
+                                          </p:stCondLst>
+                                        </p:cTn>
+                                        <p:tgtEl>
+                                          <p:spTgt spid="3">
+                                            <p:txEl>
+                                              <p:pRg st="0" end="0"/>
+                                            </p:txEl>
+                                          </p:spTgt>
+                                        </p:tgtEl>
+                                        <p:attrNameLst>
+                                          <p:attrName>style.visibility</p:attrName>
+                                        </p:attrNameLst>
+                                      </p:cBhvr>
+                                      <p:to>
+                                        <p:strVal val="visible"/>
+                                      </p:to>
+                                    </p:set>
+                                  </p:childTnLst>
+                                </p:cTn>
+                              </p:par>
+                            </p:childTnLst>
+                          </p:cTn>
+                        </p:par>
+                      </p:childTnLst>
+                    </p:cTn>
+                  </p:par>
+                  <p:par>
+                    <p:cTn id="7" fill="hold">
+                      <p:stCondLst>
+                        <p:cond delay="indefinite"/>
+                      </p:stCondLst>
+                      <p:childTnLst>
+                        <p:par>
+                          <p:cTn id="8" fill="hold">
+                            <p:stCondLst>
+                              <p:cond delay="0"/>
+                            </p:stCondLst>
+                            <p:childTnLst>
+                              <p:par>
+                                <p:cTn id="9" presetID="1" presetClass="entr" presetSubtype="0" fill="hold" grpId="0" nodeType="clickEffect">
+                                  <p:stCondLst>
+                                    <p:cond delay="0"/>
+                                  </p:stCondLst>
+                                  <p:childTnLst>
+                                    <p:set>
+                                      <p:cBhvr>
+                                        <p:cTn id="10" dur="1" fill="hold">
+                                          <p:stCondLst>
+                                            <p:cond delay="0"/>
+                                          </p:stCondLst>
+                                        </p:cTn>
+                                        <p:tgtEl>
+                                          <p:spTgt spid="3">
+                                            <p:txEl>
+                                              <p:pRg st="1" end="1"/>
+                                            </p:txEl>
+                                          </p:spTgt>
+                                        </p:tgtEl>
+                                        <p:attrNameLst>
+                                          <p:attrName>style.visibility</p:attrName>
+                                        </p:attrNameLst>
+                                      </p:cBhvr>
+                                      <p:to>
+                                        <p:strVal val="visible"/>
+                                      </p:to>
+                                    </p:set>
+                                  </p:childTnLst>
+                                </p:cTn>
+                              </p:par>
+                            </p:childTnLst>
+                          </p:cTn>
+                        </p:par>
+                      </p:childTnLst>
+                    </p:cTn>
+                  </p:par>
+                  <p:par>
+                    <p:cTn id="11" fill="hold">
+                      <p:stCondLst>
+                        <p:cond delay="indefinite"/>
+                      </p:stCondLst>
+                      <p:childTnLst>
+                        <p:par>
+                          <p:cTn id="12" fill="hold">
+                            <p:stCondLst>
+                              <p:cond delay="0"/>
+                            </p:stCondLst>
+                            <p:childTnLst>
+                              <p:par>
+                                <p:cTn id="13" presetID="1" presetClass="entr" presetSubtype="0" fill="hold" grpId="0" nodeType="clickEffect">
+                                  <p:stCondLst>
+                                    <p:cond delay="0"/>
+                                  </p:stCondLst>
+                                  <p:childTnLst>
+                                    <p:set>
+                                      <p:cBhvr>
+                                        <p:cTn id="14" dur="1" fill="hold">
+                                          <p:stCondLst>
+                                            <p:cond delay="0"/>
+                                          </p:stCondLst>
+                                        </p:cTn>
+                                        <p:tgtEl>
+                                          <p:spTgt spid="3">
+                                            <p:txEl>
+                                              <p:pRg st="2" end="2"/>
+                                            </p:txEl>
+                                          </p:spTgt>
+                                        </p:tgtEl>
+                                        <p:attrNameLst>
+                                          <p:attrName>style.visibility</p:attrName>
+                                        </p:attrNameLst>
+                                      </p:cBhvr>
+                                      <p:to>
+                                        <p:strVal val="visible"/>
+                                      </p:to>
+                                    </p:set>
+                                  </p:childTnLst>
+                                </p:cTn>
+                              </p:par>
+                            </p:childTnLst>
+                          </p:cTn>
+                        </p:par>
+                      </p:childTnLst>
+                    </p:cTn>
+                  </p:par>
+                  <p:par>
+                    <p:cTn id="15" fill="hold">
+                      <p:stCondLst>
+                        <p:cond delay="indefinite"/>
+                      </p:stCondLst>
+                      <p:childTnLst>
+                        <p:par>
+                          <p:cTn id="16" fill="hold">
+                            <p:stCondLst>
+                              <p:cond delay="0"/>
+                            </p:stCondLst>
+                            <p:childTnLst>
+                              <p:par>
+                                <p:cTn id="17" presetID="1" presetClass="entr" presetSubtype="0" fill="hold" grpId="0" nodeType="clickEffect">
+                                  <p:stCondLst>
+                                    <p:cond delay="0"/>
+                                  </p:stCondLst>
+                                  <p:childTnLst>
+                                    <p:set>
+                                      <p:cBhvr>
+                                        <p:cTn id="18" dur="1" fill="hold">
+                                          <p:stCondLst>
+                                            <p:cond delay="0"/>
+                                          </p:stCondLst>
+                                        </p:cTn>
+                                        <p:tgtEl>
+                                          <p:spTgt spid="3">
+                                            <p:txEl>
+                                              <p:pRg st="3" end="3"/>
+                                            </p:txEl>
+                                          </p:spTgt>
+                                        </p:tgtEl>
+                                        <p:attrNameLst>
+                                          <p:attrName>style.visibility</p:attrName>
+                                        </p:attrNameLst>
+                                      </p:cBhvr>
+                                      <p:to>
+                                        <p:strVal val="visible"/>
+                                      </p:to>
+                                    </p:set>
+                                  </p:childTnLst>
+                                </p:cTn>
+                              </p:par>
+                            </p:childTnLst>
+                          </p:cTn>
+                        </p:par>
+                      </p:childTnLst>
+                    </p:cTn>
+                  </p:par>
+                  <p:par>
+                    <p:cTn id="19" fill="hold">
+                      <p:stCondLst>
+                        <p:cond delay="indefinite"/>
+                      </p:stCondLst>
+                      <p:childTnLst>
+                        <p:par>
+                          <p:cTn id="20" fill="hold">
+                            <p:stCondLst>
+                              <p:cond delay="0"/>
+                            </p:stCondLst>
+                            <p:childTnLst>
+                              <p:par>
+                                <p:cTn id="21" presetID="1" presetClass="entr" presetSubtype="0" fill="hold" grpId="0" nodeType="clickEffect">
+                                  <p:stCondLst>
+                                    <p:cond delay="0"/>
+                                  </p:stCondLst>
+                                  <p:childTnLst>
+                                    <p:set>
+                                      <p:cBhvr>
+                                        <p:cTn id="22" dur="1" fill="hold">
+                                          <p:stCondLst>
+                                            <p:cond delay="0"/>
+                                          </p:stCondLst>
+                                        </p:cTn>
+                                        <p:tgtEl>
+                                          <p:spTgt spid="3">
+                                            <p:txEl>
+                                              <p:pRg st="4" end="4"/>
+                                            </p:txEl>
+                                          </p:spTgt>
+                                        </p:tgtEl>
+                                        <p:attrNameLst>
+                                          <p:attrName>style.visibility</p:attrName>
+                                        </p:attrNameLst>
+                                      </p:cBhvr>
+                                      <p:to>
+                                        <p:strVal val="visible"/>
+                                      </p:to>
+                                    </p:set>
+                                  </p:childTnLst>
+                                </p:cTn>
+                              </p:par>
+                            </p:childTnLst>
+                          </p:cTn>
+                        </p:par>
+                      </p:childTnLst>
+                    </p:cTn>
+                  </p:par>
+                  <p:par>
+                    <p:cTn id="23" fill="hold">
+                      <p:stCondLst>
+                        <p:cond delay="indefinite"/>
+                      </p:stCondLst>
+                      <p:childTnLst>
+                        <p:par>
+                          <p:cTn id="24" fill="hold">
+                            <p:stCondLst>
+                              <p:cond delay="0"/>
+                            </p:stCondLst>
+                            <p:childTnLst>
+                              <p:par>
+                                <p:cTn id="25" presetID="1" presetClass="entr" presetSubtype="0" fill="hold" grpId="0" nodeType="clickEffect">
+                                  <p:stCondLst>
+                                    <p:cond delay="0"/>
+                                  </p:stCondLst>
+                                  <p:childTnLst>
+                                    <p:set>
+                                      <p:cBhvr>
+                                        <p:cTn id="26" dur="1" fill="hold">
+                                          <p:stCondLst>
+                                            <p:cond delay="0"/>
+                                          </p:stCondLst>
+                                        </p:cTn>
+                                        <p:tgtEl>
+                                          <p:spTgt spid="3">
+                                            <p:txEl>
+                                              <p:pRg st="5" end="5"/>
+                                            </p:txEl>
+                                          </p:spTgt>
+                                        </p:tgtEl>
+                                        <p:attrNameLst>
+                                          <p:attrName>style.visibility</p:attrName>
+                                        </p:attrNameLst>
+                                      </p:cBhvr>
+                                      <p:to>
+                                        <p:strVal val="visible"/>
+                                      </p:to>
+                                    </p:set>
+                                  </p:childTnLst>
+                                </p:cTn>
+                              </p:par>
+                            </p:childTnLst>
+                          </p:cTn>
+                        </p:par>
+                      </p:childTnLst>
+                    </p:cTn>
+                  </p:par>
+                </p:childTnLst>
+              </p:cTn>
+              <p:prevCondLst>
+                <p:cond evt="onPrev" delay="0">
+                  <p:tgtEl>
+                    <p:sldTgt/>
+                  </p:tgtEl>
+                </p:cond>
+              </p:prevCondLst>
+              <p:nextCondLst>
+                <p:cond evt="onNext" delay="0">
+                  <p:tgtEl>
+                    <p:sldTgt/>
+                  </p:tgtEl>
+                </p:cond>
+              </p:nextCondLst>
+            </p:seq>
+          </p:childTnLst>
+        </p:cTn>
       </p:par>
     </p:tnLst>
+    <p:bldLst>
+      <p:bldP spid="3" grpId="0" build="p"/>
+    </p:bldLst>
   </p:timing>
 </p:sld>
 </file>
@@ -6561,332 +11021,87 @@
           <a:p>
             <a:r>
               <a:rPr lang="en-CA" dirty="0" smtClean="0"/>
-              <a:t>Informational loss function and MDL</a:t>
+              <a:t>MDL</a:t>
             </a:r>
             <a:endParaRPr lang="en-CA" dirty="0"/>
           </a:p>
         </p:txBody>
       </p:sp>
-      <mc:AlternateContent xmlns:mc="http://schemas.openxmlformats.org/markup-compatibility/2006">
-        <mc:Choice xmlns:a14="http://schemas.microsoft.com/office/drawing/2010/main" Requires="a14">
-          <p:sp>
-            <p:nvSpPr>
-              <p:cNvPr id="3" name="Content Placeholder 2"/>
-              <p:cNvSpPr>
-                <a:spLocks noGrp="1"/>
-              </p:cNvSpPr>
-              <p:nvPr>
-                <p:ph idx="1"/>
-              </p:nvPr>
-            </p:nvSpPr>
-            <p:spPr>
-              <a:xfrm>
-                <a:off x="0" y="928254"/>
-                <a:ext cx="12192000" cy="5929745"/>
-              </a:xfrm>
-            </p:spPr>
-            <p:txBody>
-              <a:bodyPr>
-                <a:normAutofit lnSpcReduction="10000"/>
-              </a:bodyPr>
-              <a:lstStyle/>
-              <a:p>
-                <a:r>
-                  <a:rPr lang="en-CA" dirty="0" smtClean="0"/>
-                  <a:t>Reminder: informational loss = </a:t>
-                </a:r>
-                <a14:m>
-                  <m:oMath xmlns:m="http://schemas.openxmlformats.org/officeDocument/2006/math">
-                    <m:r>
-                      <a:rPr lang="en-CA" i="1">
-                        <a:latin typeface="Cambria Math" panose="02040503050406030204" pitchFamily="18" charset="0"/>
-                      </a:rPr>
-                      <m:t>−</m:t>
-                    </m:r>
-                    <m:r>
-                      <a:rPr lang="en-CA" i="1">
-                        <a:latin typeface="Cambria Math" panose="02040503050406030204" pitchFamily="18" charset="0"/>
-                      </a:rPr>
-                      <m:t>𝑙𝑜𝑔</m:t>
-                    </m:r>
-                    <m:r>
-                      <a:rPr lang="en-CA" i="1" baseline="-25000">
-                        <a:latin typeface="Cambria Math" panose="02040503050406030204" pitchFamily="18" charset="0"/>
-                      </a:rPr>
-                      <m:t>2</m:t>
-                    </m:r>
-                    <m:r>
-                      <a:rPr lang="en-CA" i="1">
-                        <a:latin typeface="Cambria Math" panose="02040503050406030204" pitchFamily="18" charset="0"/>
-                      </a:rPr>
-                      <m:t>(</m:t>
-                    </m:r>
-                    <m:sSub>
-                      <m:sSubPr>
-                        <m:ctrlPr>
-                          <a:rPr lang="en-CA" i="1">
-                            <a:latin typeface="Cambria Math" panose="02040503050406030204" pitchFamily="18" charset="0"/>
-                          </a:rPr>
-                        </m:ctrlPr>
-                      </m:sSubPr>
-                      <m:e>
-                        <m:r>
-                          <a:rPr lang="en-CA" i="1">
-                            <a:latin typeface="Cambria Math" panose="02040503050406030204" pitchFamily="18" charset="0"/>
-                          </a:rPr>
-                          <m:t>𝑝</m:t>
-                        </m:r>
-                      </m:e>
-                      <m:sub>
-                        <m:r>
-                          <a:rPr lang="en-CA" i="1">
-                            <a:latin typeface="Cambria Math" panose="02040503050406030204" pitchFamily="18" charset="0"/>
-                          </a:rPr>
-                          <m:t>𝑖</m:t>
-                        </m:r>
-                      </m:sub>
-                    </m:sSub>
-                    <m:r>
-                      <a:rPr lang="en-CA" i="1">
-                        <a:latin typeface="Cambria Math" panose="02040503050406030204" pitchFamily="18" charset="0"/>
-                      </a:rPr>
-                      <m:t>)</m:t>
-                    </m:r>
-                  </m:oMath>
-                </a14:m>
-                <a:r>
-                  <a:rPr lang="en-CA" dirty="0"/>
-                  <a:t> where </a:t>
-                </a:r>
-                <a:r>
-                  <a:rPr lang="en-CA" dirty="0" err="1"/>
-                  <a:t>i</a:t>
-                </a:r>
-                <a:r>
-                  <a:rPr lang="en-CA" baseline="30000" dirty="0" err="1"/>
-                  <a:t>th</a:t>
-                </a:r>
-                <a:r>
-                  <a:rPr lang="en-CA" dirty="0"/>
-                  <a:t> prediction is </a:t>
-                </a:r>
-                <a:r>
-                  <a:rPr lang="en-CA" dirty="0" smtClean="0"/>
-                  <a:t>correct</a:t>
-                </a:r>
-                <a:endParaRPr lang="en-CA" dirty="0"/>
-              </a:p>
-              <a:p>
-                <a:r>
-                  <a:rPr lang="en-CA" dirty="0"/>
-                  <a:t>Represents information (bits) required to express correct class </a:t>
-                </a:r>
-                <a:r>
-                  <a:rPr lang="en-CA" dirty="0" err="1"/>
-                  <a:t>i</a:t>
-                </a:r>
-                <a:r>
-                  <a:rPr lang="en-CA" dirty="0"/>
-                  <a:t> </a:t>
-                </a:r>
-                <a:r>
-                  <a:rPr lang="en-CA" dirty="0"/>
-                  <a:t>with respect to the probability distribution </a:t>
-                </a:r>
-                <a14:m>
-                  <m:oMath xmlns:m="http://schemas.openxmlformats.org/officeDocument/2006/math">
-                    <m:sSub>
-                      <m:sSubPr>
-                        <m:ctrlPr>
-                          <a:rPr lang="en-CA" i="1">
-                            <a:latin typeface="Cambria Math" panose="02040503050406030204" pitchFamily="18" charset="0"/>
-                          </a:rPr>
-                        </m:ctrlPr>
-                      </m:sSubPr>
-                      <m:e>
-                        <m:r>
-                          <a:rPr lang="en-CA" i="1">
-                            <a:latin typeface="Cambria Math" panose="02040503050406030204" pitchFamily="18" charset="0"/>
-                          </a:rPr>
-                          <m:t>𝑝</m:t>
-                        </m:r>
-                      </m:e>
-                      <m:sub>
-                        <m:r>
-                          <a:rPr lang="en-CA" i="1">
-                            <a:latin typeface="Cambria Math" panose="02040503050406030204" pitchFamily="18" charset="0"/>
-                          </a:rPr>
-                          <m:t>1</m:t>
-                        </m:r>
-                      </m:sub>
-                    </m:sSub>
-                    <m:r>
-                      <a:rPr lang="en-CA" i="1">
-                        <a:latin typeface="Cambria Math" panose="02040503050406030204" pitchFamily="18" charset="0"/>
-                      </a:rPr>
-                      <m:t>,</m:t>
-                    </m:r>
-                    <m:sSub>
-                      <m:sSubPr>
-                        <m:ctrlPr>
-                          <a:rPr lang="en-CA" i="1">
-                            <a:latin typeface="Cambria Math" panose="02040503050406030204" pitchFamily="18" charset="0"/>
-                          </a:rPr>
-                        </m:ctrlPr>
-                      </m:sSubPr>
-                      <m:e>
-                        <m:r>
-                          <a:rPr lang="en-CA" i="1">
-                            <a:latin typeface="Cambria Math" panose="02040503050406030204" pitchFamily="18" charset="0"/>
-                          </a:rPr>
-                          <m:t>𝑝</m:t>
-                        </m:r>
-                      </m:e>
-                      <m:sub>
-                        <m:r>
-                          <a:rPr lang="en-CA" i="1">
-                            <a:latin typeface="Cambria Math" panose="02040503050406030204" pitchFamily="18" charset="0"/>
-                          </a:rPr>
-                          <m:t>2</m:t>
-                        </m:r>
-                      </m:sub>
-                    </m:sSub>
-                    <m:r>
-                      <a:rPr lang="en-CA" i="1">
-                        <a:latin typeface="Cambria Math" panose="02040503050406030204" pitchFamily="18" charset="0"/>
-                      </a:rPr>
-                      <m:t>…</m:t>
-                    </m:r>
-                    <m:sSub>
-                      <m:sSubPr>
-                        <m:ctrlPr>
-                          <a:rPr lang="en-CA" i="1">
-                            <a:latin typeface="Cambria Math" panose="02040503050406030204" pitchFamily="18" charset="0"/>
-                          </a:rPr>
-                        </m:ctrlPr>
-                      </m:sSubPr>
-                      <m:e>
-                        <m:r>
-                          <a:rPr lang="en-CA" i="1">
-                            <a:latin typeface="Cambria Math" panose="02040503050406030204" pitchFamily="18" charset="0"/>
-                          </a:rPr>
-                          <m:t>𝑝</m:t>
-                        </m:r>
-                      </m:e>
-                      <m:sub>
-                        <m:r>
-                          <a:rPr lang="en-CA" i="1">
-                            <a:latin typeface="Cambria Math" panose="02040503050406030204" pitchFamily="18" charset="0"/>
-                          </a:rPr>
-                          <m:t>𝑘</m:t>
-                        </m:r>
-                      </m:sub>
-                    </m:sSub>
-                  </m:oMath>
-                </a14:m>
-                <a:endParaRPr lang="en-CA" dirty="0" smtClean="0"/>
-              </a:p>
-              <a:p>
-                <a:r>
-                  <a:rPr lang="en-CA" dirty="0" smtClean="0"/>
-                  <a:t>According to MDL, we add the size of the theory (in bits) to </a:t>
-                </a:r>
-                <a:r>
-                  <a:rPr lang="en-CA" dirty="0" smtClean="0"/>
-                  <a:t>number of bits required to transmit the instance’s class labels given probabilistic predictions made by the theory, to obtain overall figure for complexity. </a:t>
-                </a:r>
-              </a:p>
-              <a:p>
-                <a:r>
-                  <a:rPr lang="en-CA" dirty="0" smtClean="0"/>
-                  <a:t>However, MDL principle refers to information required to transmit theory + training set</a:t>
-                </a:r>
-              </a:p>
-              <a:p>
-                <a:r>
-                  <a:rPr lang="en-CA" dirty="0" smtClean="0"/>
-                  <a:t>Overfitting is penalized (complex theory requires more information to transmit)</a:t>
-                </a:r>
-              </a:p>
-              <a:p>
-                <a:r>
-                  <a:rPr lang="en-CA" dirty="0" smtClean="0"/>
-                  <a:t>Null theory (no prediction) is penalized (will have to transmit entire training set)</a:t>
-                </a:r>
-              </a:p>
-              <a:p>
-                <a:r>
-                  <a:rPr lang="en-CA" dirty="0" smtClean="0"/>
-                  <a:t>MDL allows us to select the optimal theory </a:t>
-                </a:r>
-              </a:p>
-              <a:p>
-                <a:pPr lvl="1"/>
-                <a:r>
-                  <a:rPr lang="en-CA" dirty="0" smtClean="0"/>
-                  <a:t>Small and elegant (takes little information to transmit weights/tree/rules etc.)</a:t>
-                </a:r>
-              </a:p>
-              <a:p>
-                <a:pPr lvl="1"/>
-                <a:r>
-                  <a:rPr lang="en-CA" dirty="0" smtClean="0"/>
-                  <a:t>Gives good predictions (don’t need to transmit too many training exceptions)</a:t>
-                </a:r>
-              </a:p>
-              <a:p>
-                <a:pPr lvl="1"/>
-                <a:r>
-                  <a:rPr lang="en-CA" dirty="0" smtClean="0"/>
-                  <a:t>The holy grail? (works on training set alone)</a:t>
-                </a:r>
-                <a:endParaRPr lang="en-CA" dirty="0"/>
-              </a:p>
-            </p:txBody>
-          </p:sp>
-        </mc:Choice>
-        <mc:Fallback>
-          <p:sp>
-            <p:nvSpPr>
-              <p:cNvPr id="3" name="Content Placeholder 2"/>
-              <p:cNvSpPr>
-                <a:spLocks noGrp="1" noRot="1" noChangeAspect="1" noMove="1" noResize="1" noEditPoints="1" noAdjustHandles="1" noChangeArrowheads="1" noChangeShapeType="1" noTextEdit="1"/>
-              </p:cNvSpPr>
-              <p:nvPr>
-                <p:ph idx="1"/>
-              </p:nvPr>
-            </p:nvSpPr>
-            <p:spPr>
-              <a:xfrm>
-                <a:off x="0" y="928254"/>
-                <a:ext cx="12192000" cy="5929745"/>
-              </a:xfrm>
-              <a:blipFill>
-                <a:blip r:embed="rId2"/>
-                <a:stretch>
-                  <a:fillRect l="-900" t="-2261"/>
-                </a:stretch>
-              </a:blipFill>
-            </p:spPr>
-            <p:txBody>
-              <a:bodyPr/>
-              <a:lstStyle/>
-              <a:p>
-                <a:r>
-                  <a:rPr lang="en-CA">
-                    <a:noFill/>
-                  </a:rPr>
-                  <a:t> </a:t>
-                </a:r>
-              </a:p>
-            </p:txBody>
-          </p:sp>
-        </mc:Fallback>
-      </mc:AlternateContent>
+      <p:sp>
+        <p:nvSpPr>
+          <p:cNvPr id="3" name="Content Placeholder 2"/>
+          <p:cNvSpPr>
+            <a:spLocks noGrp="1"/>
+          </p:cNvSpPr>
+          <p:nvPr>
+            <p:ph idx="1"/>
+          </p:nvPr>
+        </p:nvSpPr>
+        <p:spPr>
+          <a:xfrm>
+            <a:off x="0" y="928254"/>
+            <a:ext cx="12192000" cy="5929745"/>
+          </a:xfrm>
+        </p:spPr>
+        <p:txBody>
+          <a:bodyPr/>
+          <a:lstStyle/>
+          <a:p>
+            <a:r>
+              <a:rPr lang="en-CA" dirty="0" smtClean="0"/>
+              <a:t>Suppose learning scheme comes up with theory T based on training examples E, requires L(T) </a:t>
+            </a:r>
+            <a:r>
+              <a:rPr lang="en-CA" dirty="0" smtClean="0"/>
+              <a:t>bits </a:t>
+            </a:r>
+            <a:r>
+              <a:rPr lang="en-CA" dirty="0" smtClean="0"/>
+              <a:t>to transmit (L for length)</a:t>
+            </a:r>
+          </a:p>
+          <a:p>
+            <a:r>
+              <a:rPr lang="en-CA" dirty="0" smtClean="0"/>
+              <a:t>We </a:t>
+            </a:r>
+            <a:r>
+              <a:rPr lang="en-CA" dirty="0" smtClean="0"/>
+              <a:t>also </a:t>
+            </a:r>
+            <a:r>
+              <a:rPr lang="en-CA" dirty="0" smtClean="0"/>
+              <a:t>want to transmit class labels, so assume E stands for collection of class labels in the training set</a:t>
+            </a:r>
+          </a:p>
+          <a:p>
+            <a:r>
+              <a:rPr lang="en-CA" dirty="0" smtClean="0"/>
+              <a:t>Training set E can be encoded in certain number of bits L(E|T), which is given by informational loss function summed over all members of training set</a:t>
+            </a:r>
+          </a:p>
+          <a:p>
+            <a:r>
+              <a:rPr lang="en-CA" dirty="0" smtClean="0"/>
+              <a:t>Total description length (required information) is then: L(T) + L(E|T)</a:t>
+            </a:r>
+          </a:p>
+          <a:p>
+            <a:pPr lvl="1"/>
+            <a:r>
+              <a:rPr lang="en-CA" dirty="0" smtClean="0"/>
+              <a:t>MDL recommends choosing theory T such that this sum is minimized</a:t>
+            </a:r>
+          </a:p>
+          <a:p>
+            <a:endParaRPr lang="en-CA" dirty="0" smtClean="0"/>
+          </a:p>
+        </p:txBody>
+      </p:sp>
     </p:spTree>
     <p:extLst>
       <p:ext uri="{BB962C8B-B14F-4D97-AF65-F5344CB8AC3E}">
-        <p14:creationId xmlns:p14="http://schemas.microsoft.com/office/powerpoint/2010/main" val="3019219124"/>
+        <p14:creationId xmlns:p14="http://schemas.microsoft.com/office/powerpoint/2010/main" val="369676006"/>
       </p:ext>
     </p:extLst>
   </p:cSld>
@@ -6896,9 +11111,262 @@
   <p:timing>
     <p:tnLst>
       <p:par>
-        <p:cTn id="1" dur="indefinite" restart="never" nodeType="tmRoot"/>
+        <p:cTn id="1" dur="indefinite" restart="never" nodeType="tmRoot">
+          <p:childTnLst>
+            <p:seq concurrent="1" nextAc="seek">
+              <p:cTn id="2" dur="indefinite" nodeType="mainSeq">
+                <p:childTnLst>
+                  <p:par>
+                    <p:cTn id="3" fill="hold">
+                      <p:stCondLst>
+                        <p:cond delay="indefinite"/>
+                      </p:stCondLst>
+                      <p:childTnLst>
+                        <p:par>
+                          <p:cTn id="4" fill="hold">
+                            <p:stCondLst>
+                              <p:cond delay="0"/>
+                            </p:stCondLst>
+                            <p:childTnLst>
+                              <p:par>
+                                <p:cTn id="5" presetID="1" presetClass="entr" presetSubtype="0" fill="hold" grpId="0" nodeType="clickEffect">
+                                  <p:stCondLst>
+                                    <p:cond delay="0"/>
+                                  </p:stCondLst>
+                                  <p:childTnLst>
+                                    <p:set>
+                                      <p:cBhvr>
+                                        <p:cTn id="6" dur="1" fill="hold">
+                                          <p:stCondLst>
+                                            <p:cond delay="0"/>
+                                          </p:stCondLst>
+                                        </p:cTn>
+                                        <p:tgtEl>
+                                          <p:spTgt spid="3">
+                                            <p:txEl>
+                                              <p:pRg st="0" end="0"/>
+                                            </p:txEl>
+                                          </p:spTgt>
+                                        </p:tgtEl>
+                                        <p:attrNameLst>
+                                          <p:attrName>style.visibility</p:attrName>
+                                        </p:attrNameLst>
+                                      </p:cBhvr>
+                                      <p:to>
+                                        <p:strVal val="visible"/>
+                                      </p:to>
+                                    </p:set>
+                                  </p:childTnLst>
+                                </p:cTn>
+                              </p:par>
+                            </p:childTnLst>
+                          </p:cTn>
+                        </p:par>
+                      </p:childTnLst>
+                    </p:cTn>
+                  </p:par>
+                  <p:par>
+                    <p:cTn id="7" fill="hold">
+                      <p:stCondLst>
+                        <p:cond delay="indefinite"/>
+                      </p:stCondLst>
+                      <p:childTnLst>
+                        <p:par>
+                          <p:cTn id="8" fill="hold">
+                            <p:stCondLst>
+                              <p:cond delay="0"/>
+                            </p:stCondLst>
+                            <p:childTnLst>
+                              <p:par>
+                                <p:cTn id="9" presetID="1" presetClass="entr" presetSubtype="0" fill="hold" grpId="0" nodeType="clickEffect">
+                                  <p:stCondLst>
+                                    <p:cond delay="0"/>
+                                  </p:stCondLst>
+                                  <p:childTnLst>
+                                    <p:set>
+                                      <p:cBhvr>
+                                        <p:cTn id="10" dur="1" fill="hold">
+                                          <p:stCondLst>
+                                            <p:cond delay="0"/>
+                                          </p:stCondLst>
+                                        </p:cTn>
+                                        <p:tgtEl>
+                                          <p:spTgt spid="3">
+                                            <p:txEl>
+                                              <p:pRg st="1" end="1"/>
+                                            </p:txEl>
+                                          </p:spTgt>
+                                        </p:tgtEl>
+                                        <p:attrNameLst>
+                                          <p:attrName>style.visibility</p:attrName>
+                                        </p:attrNameLst>
+                                      </p:cBhvr>
+                                      <p:to>
+                                        <p:strVal val="visible"/>
+                                      </p:to>
+                                    </p:set>
+                                  </p:childTnLst>
+                                </p:cTn>
+                              </p:par>
+                            </p:childTnLst>
+                          </p:cTn>
+                        </p:par>
+                      </p:childTnLst>
+                    </p:cTn>
+                  </p:par>
+                  <p:par>
+                    <p:cTn id="11" fill="hold">
+                      <p:stCondLst>
+                        <p:cond delay="indefinite"/>
+                      </p:stCondLst>
+                      <p:childTnLst>
+                        <p:par>
+                          <p:cTn id="12" fill="hold">
+                            <p:stCondLst>
+                              <p:cond delay="0"/>
+                            </p:stCondLst>
+                            <p:childTnLst>
+                              <p:par>
+                                <p:cTn id="13" presetID="1" presetClass="entr" presetSubtype="0" fill="hold" grpId="0" nodeType="clickEffect">
+                                  <p:stCondLst>
+                                    <p:cond delay="0"/>
+                                  </p:stCondLst>
+                                  <p:childTnLst>
+                                    <p:set>
+                                      <p:cBhvr>
+                                        <p:cTn id="14" dur="1" fill="hold">
+                                          <p:stCondLst>
+                                            <p:cond delay="0"/>
+                                          </p:stCondLst>
+                                        </p:cTn>
+                                        <p:tgtEl>
+                                          <p:spTgt spid="3">
+                                            <p:txEl>
+                                              <p:pRg st="2" end="2"/>
+                                            </p:txEl>
+                                          </p:spTgt>
+                                        </p:tgtEl>
+                                        <p:attrNameLst>
+                                          <p:attrName>style.visibility</p:attrName>
+                                        </p:attrNameLst>
+                                      </p:cBhvr>
+                                      <p:to>
+                                        <p:strVal val="visible"/>
+                                      </p:to>
+                                    </p:set>
+                                  </p:childTnLst>
+                                </p:cTn>
+                              </p:par>
+                            </p:childTnLst>
+                          </p:cTn>
+                        </p:par>
+                      </p:childTnLst>
+                    </p:cTn>
+                  </p:par>
+                  <p:par>
+                    <p:cTn id="15" fill="hold">
+                      <p:stCondLst>
+                        <p:cond delay="indefinite"/>
+                      </p:stCondLst>
+                      <p:childTnLst>
+                        <p:par>
+                          <p:cTn id="16" fill="hold">
+                            <p:stCondLst>
+                              <p:cond delay="0"/>
+                            </p:stCondLst>
+                            <p:childTnLst>
+                              <p:par>
+                                <p:cTn id="17" presetID="1" presetClass="entr" presetSubtype="0" fill="hold" grpId="0" nodeType="clickEffect">
+                                  <p:stCondLst>
+                                    <p:cond delay="0"/>
+                                  </p:stCondLst>
+                                  <p:childTnLst>
+                                    <p:set>
+                                      <p:cBhvr>
+                                        <p:cTn id="18" dur="1" fill="hold">
+                                          <p:stCondLst>
+                                            <p:cond delay="0"/>
+                                          </p:stCondLst>
+                                        </p:cTn>
+                                        <p:tgtEl>
+                                          <p:spTgt spid="3">
+                                            <p:txEl>
+                                              <p:pRg st="3" end="3"/>
+                                            </p:txEl>
+                                          </p:spTgt>
+                                        </p:tgtEl>
+                                        <p:attrNameLst>
+                                          <p:attrName>style.visibility</p:attrName>
+                                        </p:attrNameLst>
+                                      </p:cBhvr>
+                                      <p:to>
+                                        <p:strVal val="visible"/>
+                                      </p:to>
+                                    </p:set>
+                                  </p:childTnLst>
+                                </p:cTn>
+                              </p:par>
+                              <p:par>
+                                <p:cTn id="19" presetID="1" presetClass="entr" presetSubtype="0" fill="hold" grpId="0" nodeType="withEffect">
+                                  <p:stCondLst>
+                                    <p:cond delay="0"/>
+                                  </p:stCondLst>
+                                  <p:childTnLst>
+                                    <p:set>
+                                      <p:cBhvr>
+                                        <p:cTn id="20" dur="1" fill="hold">
+                                          <p:stCondLst>
+                                            <p:cond delay="0"/>
+                                          </p:stCondLst>
+                                        </p:cTn>
+                                        <p:tgtEl>
+                                          <p:spTgt spid="3">
+                                            <p:txEl>
+                                              <p:pRg st="4" end="4"/>
+                                            </p:txEl>
+                                          </p:spTgt>
+                                        </p:tgtEl>
+                                        <p:attrNameLst>
+                                          <p:attrName>style.visibility</p:attrName>
+                                        </p:attrNameLst>
+                                      </p:cBhvr>
+                                      <p:to>
+                                        <p:strVal val="visible"/>
+                                      </p:to>
+                                    </p:set>
+                                  </p:childTnLst>
+                                </p:cTn>
+                              </p:par>
+                            </p:childTnLst>
+                          </p:cTn>
+                        </p:par>
+                      </p:childTnLst>
+                    </p:cTn>
+                  </p:par>
+                </p:childTnLst>
+              </p:cTn>
+              <p:prevCondLst>
+                <p:cond evt="onPrev" delay="0">
+                  <p:tgtEl>
+                    <p:sldTgt/>
+                  </p:tgtEl>
+                </p:cond>
+              </p:prevCondLst>
+              <p:nextCondLst>
+                <p:cond evt="onNext" delay="0">
+                  <p:tgtEl>
+                    <p:sldTgt/>
+                  </p:tgtEl>
+                </p:cond>
+              </p:nextCondLst>
+            </p:seq>
+          </p:childTnLst>
+        </p:cTn>
       </p:par>
     </p:tnLst>
+    <p:bldLst>
+      <p:bldP spid="3" grpId="0" build="p"/>
+    </p:bldLst>
   </p:timing>
 </p:sld>
 </file>
@@ -6932,8 +11400,8 @@
         </p:nvSpPr>
         <p:spPr>
           <a:xfrm>
-            <a:off x="0" y="0"/>
-            <a:ext cx="10515600" cy="928255"/>
+            <a:off x="180109" y="175717"/>
+            <a:ext cx="10515600" cy="895639"/>
           </a:xfrm>
         </p:spPr>
         <p:txBody>
@@ -6942,7 +11410,7 @@
           <a:p>
             <a:r>
               <a:rPr lang="en-CA" dirty="0" smtClean="0"/>
-              <a:t>MDL</a:t>
+              <a:t>MDL polynomial example</a:t>
             </a:r>
             <a:endParaRPr lang="en-CA" dirty="0"/>
           </a:p>
@@ -6960,8 +11428,8 @@
         </p:nvSpPr>
         <p:spPr>
           <a:xfrm>
-            <a:off x="0" y="928254"/>
-            <a:ext cx="12192000" cy="5929745"/>
+            <a:off x="0" y="1427018"/>
+            <a:ext cx="12192000" cy="5430982"/>
           </a:xfrm>
         </p:spPr>
         <p:txBody>
@@ -6969,44 +11437,281 @@
           <a:lstStyle/>
           <a:p>
             <a:r>
+              <a:rPr lang="en-CA" dirty="0"/>
+              <a:t>L(T) + L(E|T)</a:t>
+            </a:r>
+          </a:p>
+          <a:p>
+            <a:r>
               <a:rPr lang="en-CA" dirty="0" smtClean="0"/>
-              <a:t>Suppose learning scheme comes up with theory T based on training examples E, requires L(T) bit to transmit (L for length)</a:t>
-            </a:r>
-          </a:p>
-          <a:p>
+              <a:t>We have a bunch of points D={(x</a:t>
+            </a:r>
+            <a:r>
+              <a:rPr lang="en-CA" baseline="-25000" dirty="0" smtClean="0"/>
+              <a:t>1</a:t>
+            </a:r>
             <a:r>
               <a:rPr lang="en-CA" dirty="0" smtClean="0"/>
-              <a:t>We only want to transmit class labels, so assume E stands for collection of class labels in the training set</a:t>
-            </a:r>
-          </a:p>
-          <a:p>
+              <a:t>,y</a:t>
+            </a:r>
+            <a:r>
+              <a:rPr lang="en-CA" baseline="-25000" dirty="0" smtClean="0"/>
+              <a:t>1</a:t>
+            </a:r>
             <a:r>
               <a:rPr lang="en-CA" dirty="0" smtClean="0"/>
-              <a:t>Training set E can be encoded in certain number of bits L(E|T), which is given by informational loss function summed over all members of training set</a:t>
-            </a:r>
-          </a:p>
-          <a:p>
+              <a:t>)…(</a:t>
+            </a:r>
+            <a:r>
+              <a:rPr lang="en-CA" dirty="0" err="1" smtClean="0"/>
+              <a:t>x</a:t>
+            </a:r>
+            <a:r>
+              <a:rPr lang="en-CA" baseline="-25000" dirty="0" err="1" smtClean="0"/>
+              <a:t>n</a:t>
+            </a:r>
+            <a:r>
+              <a:rPr lang="en-CA" dirty="0" err="1" smtClean="0"/>
+              <a:t>,y</a:t>
+            </a:r>
+            <a:r>
+              <a:rPr lang="en-CA" baseline="-25000" dirty="0" err="1" smtClean="0"/>
+              <a:t>n</a:t>
+            </a:r>
             <a:r>
               <a:rPr lang="en-CA" dirty="0" smtClean="0"/>
-              <a:t>Total description length (required information) is then: L(T) + L(E|T)</a:t>
+              <a:t>)} we want to fit with a polynomial</a:t>
+            </a:r>
+          </a:p>
+          <a:p>
+            <a:r>
+              <a:rPr lang="en-CA" dirty="0" smtClean="0"/>
+              <a:t>To describe the polynomial H of degree k, we need to do the following:</a:t>
+            </a:r>
+          </a:p>
+          <a:p>
+            <a:r>
+              <a:rPr lang="en-CA" dirty="0" smtClean="0"/>
+              <a:t>Discretize the coefficients to some level of precision (4 byte float?)</a:t>
             </a:r>
           </a:p>
           <a:p>
             <a:pPr lvl="1"/>
             <a:r>
               <a:rPr lang="en-CA" dirty="0" smtClean="0"/>
-              <a:t>MDL recommends choosing theory T such that this sum is minimized</a:t>
+              <a:t>Need to describe the precision also</a:t>
+            </a:r>
+          </a:p>
+          <a:p>
+            <a:r>
+              <a:rPr lang="en-CA" dirty="0" smtClean="0"/>
+              <a:t>Describe the degree k</a:t>
+            </a:r>
+          </a:p>
+          <a:p>
+            <a:r>
+              <a:rPr lang="en-CA" dirty="0" smtClean="0"/>
+              <a:t>Describe the k+1 coefficients </a:t>
+            </a:r>
+          </a:p>
+          <a:p>
+            <a:r>
+              <a:rPr lang="en-CA" dirty="0" smtClean="0"/>
+              <a:t>Describe points D:</a:t>
+            </a:r>
+          </a:p>
+          <a:p>
+            <a:pPr lvl="1"/>
+            <a:r>
+              <a:rPr lang="en-CA" dirty="0" smtClean="0"/>
+              <a:t>Use some fixed code for x values </a:t>
+            </a:r>
+          </a:p>
+          <a:p>
+            <a:pPr lvl="1"/>
+            <a:r>
+              <a:rPr lang="en-CA" dirty="0" smtClean="0"/>
+              <a:t>Use a code for the deviations </a:t>
+            </a:r>
+            <a:r>
+              <a:rPr lang="en-CA" dirty="0" err="1" smtClean="0"/>
+              <a:t>y</a:t>
+            </a:r>
+            <a:r>
+              <a:rPr lang="en-CA" baseline="-25000" dirty="0" err="1" smtClean="0"/>
+              <a:t>i</a:t>
+            </a:r>
+            <a:r>
+              <a:rPr lang="en-CA" dirty="0" smtClean="0"/>
+              <a:t>-L(x</a:t>
+            </a:r>
+            <a:r>
+              <a:rPr lang="en-CA" baseline="-25000" dirty="0" smtClean="0"/>
+              <a:t>i</a:t>
+            </a:r>
+            <a:r>
+              <a:rPr lang="en-CA" dirty="0" smtClean="0"/>
+              <a:t>)</a:t>
             </a:r>
           </a:p>
           <a:p>
             <a:endParaRPr lang="en-CA" dirty="0" smtClean="0"/>
+          </a:p>
+          <a:p>
+            <a:endParaRPr lang="en-CA" dirty="0"/>
+          </a:p>
+        </p:txBody>
+      </p:sp>
+      <p:sp>
+        <p:nvSpPr>
+          <p:cNvPr id="4" name="Right Brace 3"/>
+          <p:cNvSpPr/>
+          <p:nvPr/>
+        </p:nvSpPr>
+        <p:spPr>
+          <a:xfrm>
+            <a:off x="9684327" y="2951018"/>
+            <a:ext cx="803564" cy="1842655"/>
+          </a:xfrm>
+          <a:prstGeom prst="rightBrace">
+            <a:avLst/>
+          </a:prstGeom>
+          <a:ln w="28575">
+            <a:solidFill>
+              <a:schemeClr val="tx1"/>
+            </a:solidFill>
+          </a:ln>
+        </p:spPr>
+        <p:style>
+          <a:lnRef idx="1">
+            <a:schemeClr val="accent1"/>
+          </a:lnRef>
+          <a:fillRef idx="0">
+            <a:schemeClr val="accent1"/>
+          </a:fillRef>
+          <a:effectRef idx="0">
+            <a:schemeClr val="accent1"/>
+          </a:effectRef>
+          <a:fontRef idx="minor">
+            <a:schemeClr val="tx1"/>
+          </a:fontRef>
+        </p:style>
+        <p:txBody>
+          <a:bodyPr rtlCol="0" anchor="ctr"/>
+          <a:lstStyle/>
+          <a:p>
+            <a:pPr algn="ctr"/>
+            <a:endParaRPr lang="en-CA" b="1" dirty="0"/>
+          </a:p>
+        </p:txBody>
+      </p:sp>
+      <p:sp>
+        <p:nvSpPr>
+          <p:cNvPr id="5" name="TextBox 4"/>
+          <p:cNvSpPr txBox="1"/>
+          <p:nvPr/>
+        </p:nvSpPr>
+        <p:spPr>
+          <a:xfrm>
+            <a:off x="10695709" y="3687679"/>
+            <a:ext cx="777777" cy="553998"/>
+          </a:xfrm>
+          <a:prstGeom prst="rect">
+            <a:avLst/>
+          </a:prstGeom>
+          <a:noFill/>
+        </p:spPr>
+        <p:txBody>
+          <a:bodyPr wrap="none" rtlCol="0">
+            <a:spAutoFit/>
+          </a:bodyPr>
+          <a:lstStyle/>
+          <a:p>
+            <a:r>
+              <a:rPr lang="en-CA" sz="3000" b="1" dirty="0" smtClean="0"/>
+              <a:t>L(T)</a:t>
+            </a:r>
+            <a:endParaRPr lang="en-CA" sz="3000" b="1" dirty="0"/>
+          </a:p>
+        </p:txBody>
+      </p:sp>
+      <p:sp>
+        <p:nvSpPr>
+          <p:cNvPr id="6" name="Right Brace 5"/>
+          <p:cNvSpPr/>
+          <p:nvPr/>
+        </p:nvSpPr>
+        <p:spPr>
+          <a:xfrm>
+            <a:off x="5036127" y="4976153"/>
+            <a:ext cx="803564" cy="1413164"/>
+          </a:xfrm>
+          <a:prstGeom prst="rightBrace">
+            <a:avLst/>
+          </a:prstGeom>
+          <a:ln w="28575">
+            <a:solidFill>
+              <a:schemeClr val="tx1"/>
+            </a:solidFill>
+          </a:ln>
+        </p:spPr>
+        <p:style>
+          <a:lnRef idx="1">
+            <a:schemeClr val="accent1"/>
+          </a:lnRef>
+          <a:fillRef idx="0">
+            <a:schemeClr val="accent1"/>
+          </a:fillRef>
+          <a:effectRef idx="0">
+            <a:schemeClr val="accent1"/>
+          </a:effectRef>
+          <a:fontRef idx="minor">
+            <a:schemeClr val="tx1"/>
+          </a:fontRef>
+        </p:style>
+        <p:txBody>
+          <a:bodyPr rtlCol="0" anchor="ctr"/>
+          <a:lstStyle/>
+          <a:p>
+            <a:pPr algn="ctr"/>
+            <a:endParaRPr lang="en-CA" b="1" dirty="0"/>
+          </a:p>
+        </p:txBody>
+      </p:sp>
+      <p:sp>
+        <p:nvSpPr>
+          <p:cNvPr id="7" name="TextBox 6"/>
+          <p:cNvSpPr txBox="1"/>
+          <p:nvPr/>
+        </p:nvSpPr>
+        <p:spPr>
+          <a:xfrm>
+            <a:off x="5985163" y="5364171"/>
+            <a:ext cx="1148071" cy="553998"/>
+          </a:xfrm>
+          <a:prstGeom prst="rect">
+            <a:avLst/>
+          </a:prstGeom>
+          <a:noFill/>
+        </p:spPr>
+        <p:txBody>
+          <a:bodyPr wrap="none" rtlCol="0">
+            <a:spAutoFit/>
+          </a:bodyPr>
+          <a:lstStyle/>
+          <a:p>
+            <a:r>
+              <a:rPr lang="en-CA" sz="3000" b="1" dirty="0" smtClean="0"/>
+              <a:t>L(E|T)</a:t>
+            </a:r>
+            <a:endParaRPr lang="en-CA" sz="3000" b="1" dirty="0"/>
           </a:p>
         </p:txBody>
       </p:sp>
     </p:spTree>
     <p:extLst>
       <p:ext uri="{BB962C8B-B14F-4D97-AF65-F5344CB8AC3E}">
-        <p14:creationId xmlns:p14="http://schemas.microsoft.com/office/powerpoint/2010/main" val="369676006"/>
+        <p14:creationId xmlns:p14="http://schemas.microsoft.com/office/powerpoint/2010/main" val="2552959152"/>
       </p:ext>
     </p:extLst>
   </p:cSld>
@@ -7016,9 +11721,619 @@
   <p:timing>
     <p:tnLst>
       <p:par>
-        <p:cTn id="1" dur="indefinite" restart="never" nodeType="tmRoot"/>
+        <p:cTn id="1" dur="indefinite" restart="never" nodeType="tmRoot">
+          <p:childTnLst>
+            <p:seq concurrent="1" nextAc="seek">
+              <p:cTn id="2" dur="indefinite" nodeType="mainSeq">
+                <p:childTnLst>
+                  <p:par>
+                    <p:cTn id="3" fill="hold">
+                      <p:stCondLst>
+                        <p:cond delay="indefinite"/>
+                      </p:stCondLst>
+                      <p:childTnLst>
+                        <p:par>
+                          <p:cTn id="4" fill="hold">
+                            <p:stCondLst>
+                              <p:cond delay="0"/>
+                            </p:stCondLst>
+                            <p:childTnLst>
+                              <p:par>
+                                <p:cTn id="5" presetID="1" presetClass="entr" presetSubtype="0" fill="hold" grpId="0" nodeType="clickEffect">
+                                  <p:stCondLst>
+                                    <p:cond delay="0"/>
+                                  </p:stCondLst>
+                                  <p:childTnLst>
+                                    <p:set>
+                                      <p:cBhvr>
+                                        <p:cTn id="6" dur="1" fill="hold">
+                                          <p:stCondLst>
+                                            <p:cond delay="0"/>
+                                          </p:stCondLst>
+                                        </p:cTn>
+                                        <p:tgtEl>
+                                          <p:spTgt spid="3">
+                                            <p:txEl>
+                                              <p:pRg st="0" end="0"/>
+                                            </p:txEl>
+                                          </p:spTgt>
+                                        </p:tgtEl>
+                                        <p:attrNameLst>
+                                          <p:attrName>style.visibility</p:attrName>
+                                        </p:attrNameLst>
+                                      </p:cBhvr>
+                                      <p:to>
+                                        <p:strVal val="visible"/>
+                                      </p:to>
+                                    </p:set>
+                                  </p:childTnLst>
+                                </p:cTn>
+                              </p:par>
+                            </p:childTnLst>
+                          </p:cTn>
+                        </p:par>
+                      </p:childTnLst>
+                    </p:cTn>
+                  </p:par>
+                  <p:par>
+                    <p:cTn id="7" fill="hold">
+                      <p:stCondLst>
+                        <p:cond delay="indefinite"/>
+                      </p:stCondLst>
+                      <p:childTnLst>
+                        <p:par>
+                          <p:cTn id="8" fill="hold">
+                            <p:stCondLst>
+                              <p:cond delay="0"/>
+                            </p:stCondLst>
+                            <p:childTnLst>
+                              <p:par>
+                                <p:cTn id="9" presetID="1" presetClass="entr" presetSubtype="0" fill="hold" grpId="0" nodeType="clickEffect">
+                                  <p:stCondLst>
+                                    <p:cond delay="0"/>
+                                  </p:stCondLst>
+                                  <p:childTnLst>
+                                    <p:set>
+                                      <p:cBhvr>
+                                        <p:cTn id="10" dur="1" fill="hold">
+                                          <p:stCondLst>
+                                            <p:cond delay="0"/>
+                                          </p:stCondLst>
+                                        </p:cTn>
+                                        <p:tgtEl>
+                                          <p:spTgt spid="3">
+                                            <p:txEl>
+                                              <p:pRg st="1" end="1"/>
+                                            </p:txEl>
+                                          </p:spTgt>
+                                        </p:tgtEl>
+                                        <p:attrNameLst>
+                                          <p:attrName>style.visibility</p:attrName>
+                                        </p:attrNameLst>
+                                      </p:cBhvr>
+                                      <p:to>
+                                        <p:strVal val="visible"/>
+                                      </p:to>
+                                    </p:set>
+                                  </p:childTnLst>
+                                </p:cTn>
+                              </p:par>
+                            </p:childTnLst>
+                          </p:cTn>
+                        </p:par>
+                      </p:childTnLst>
+                    </p:cTn>
+                  </p:par>
+                  <p:par>
+                    <p:cTn id="11" fill="hold">
+                      <p:stCondLst>
+                        <p:cond delay="indefinite"/>
+                      </p:stCondLst>
+                      <p:childTnLst>
+                        <p:par>
+                          <p:cTn id="12" fill="hold">
+                            <p:stCondLst>
+                              <p:cond delay="0"/>
+                            </p:stCondLst>
+                            <p:childTnLst>
+                              <p:par>
+                                <p:cTn id="13" presetID="1" presetClass="entr" presetSubtype="0" fill="hold" grpId="0" nodeType="clickEffect">
+                                  <p:stCondLst>
+                                    <p:cond delay="0"/>
+                                  </p:stCondLst>
+                                  <p:childTnLst>
+                                    <p:set>
+                                      <p:cBhvr>
+                                        <p:cTn id="14" dur="1" fill="hold">
+                                          <p:stCondLst>
+                                            <p:cond delay="0"/>
+                                          </p:stCondLst>
+                                        </p:cTn>
+                                        <p:tgtEl>
+                                          <p:spTgt spid="3">
+                                            <p:txEl>
+                                              <p:pRg st="2" end="2"/>
+                                            </p:txEl>
+                                          </p:spTgt>
+                                        </p:tgtEl>
+                                        <p:attrNameLst>
+                                          <p:attrName>style.visibility</p:attrName>
+                                        </p:attrNameLst>
+                                      </p:cBhvr>
+                                      <p:to>
+                                        <p:strVal val="visible"/>
+                                      </p:to>
+                                    </p:set>
+                                  </p:childTnLst>
+                                </p:cTn>
+                              </p:par>
+                            </p:childTnLst>
+                          </p:cTn>
+                        </p:par>
+                      </p:childTnLst>
+                    </p:cTn>
+                  </p:par>
+                  <p:par>
+                    <p:cTn id="15" fill="hold">
+                      <p:stCondLst>
+                        <p:cond delay="indefinite"/>
+                      </p:stCondLst>
+                      <p:childTnLst>
+                        <p:par>
+                          <p:cTn id="16" fill="hold">
+                            <p:stCondLst>
+                              <p:cond delay="0"/>
+                            </p:stCondLst>
+                            <p:childTnLst>
+                              <p:par>
+                                <p:cTn id="17" presetID="1" presetClass="entr" presetSubtype="0" fill="hold" grpId="0" nodeType="clickEffect">
+                                  <p:stCondLst>
+                                    <p:cond delay="0"/>
+                                  </p:stCondLst>
+                                  <p:childTnLst>
+                                    <p:set>
+                                      <p:cBhvr>
+                                        <p:cTn id="18" dur="1" fill="hold">
+                                          <p:stCondLst>
+                                            <p:cond delay="0"/>
+                                          </p:stCondLst>
+                                        </p:cTn>
+                                        <p:tgtEl>
+                                          <p:spTgt spid="3">
+                                            <p:txEl>
+                                              <p:pRg st="3" end="3"/>
+                                            </p:txEl>
+                                          </p:spTgt>
+                                        </p:tgtEl>
+                                        <p:attrNameLst>
+                                          <p:attrName>style.visibility</p:attrName>
+                                        </p:attrNameLst>
+                                      </p:cBhvr>
+                                      <p:to>
+                                        <p:strVal val="visible"/>
+                                      </p:to>
+                                    </p:set>
+                                  </p:childTnLst>
+                                </p:cTn>
+                              </p:par>
+                              <p:par>
+                                <p:cTn id="19" presetID="1" presetClass="entr" presetSubtype="0" fill="hold" grpId="0" nodeType="withEffect">
+                                  <p:stCondLst>
+                                    <p:cond delay="0"/>
+                                  </p:stCondLst>
+                                  <p:childTnLst>
+                                    <p:set>
+                                      <p:cBhvr>
+                                        <p:cTn id="20" dur="1" fill="hold">
+                                          <p:stCondLst>
+                                            <p:cond delay="0"/>
+                                          </p:stCondLst>
+                                        </p:cTn>
+                                        <p:tgtEl>
+                                          <p:spTgt spid="3">
+                                            <p:txEl>
+                                              <p:pRg st="4" end="4"/>
+                                            </p:txEl>
+                                          </p:spTgt>
+                                        </p:tgtEl>
+                                        <p:attrNameLst>
+                                          <p:attrName>style.visibility</p:attrName>
+                                        </p:attrNameLst>
+                                      </p:cBhvr>
+                                      <p:to>
+                                        <p:strVal val="visible"/>
+                                      </p:to>
+                                    </p:set>
+                                  </p:childTnLst>
+                                </p:cTn>
+                              </p:par>
+                            </p:childTnLst>
+                          </p:cTn>
+                        </p:par>
+                      </p:childTnLst>
+                    </p:cTn>
+                  </p:par>
+                  <p:par>
+                    <p:cTn id="21" fill="hold">
+                      <p:stCondLst>
+                        <p:cond delay="indefinite"/>
+                      </p:stCondLst>
+                      <p:childTnLst>
+                        <p:par>
+                          <p:cTn id="22" fill="hold">
+                            <p:stCondLst>
+                              <p:cond delay="0"/>
+                            </p:stCondLst>
+                            <p:childTnLst>
+                              <p:par>
+                                <p:cTn id="23" presetID="1" presetClass="entr" presetSubtype="0" fill="hold" grpId="0" nodeType="clickEffect">
+                                  <p:stCondLst>
+                                    <p:cond delay="0"/>
+                                  </p:stCondLst>
+                                  <p:childTnLst>
+                                    <p:set>
+                                      <p:cBhvr>
+                                        <p:cTn id="24" dur="1" fill="hold">
+                                          <p:stCondLst>
+                                            <p:cond delay="0"/>
+                                          </p:stCondLst>
+                                        </p:cTn>
+                                        <p:tgtEl>
+                                          <p:spTgt spid="3">
+                                            <p:txEl>
+                                              <p:pRg st="5" end="5"/>
+                                            </p:txEl>
+                                          </p:spTgt>
+                                        </p:tgtEl>
+                                        <p:attrNameLst>
+                                          <p:attrName>style.visibility</p:attrName>
+                                        </p:attrNameLst>
+                                      </p:cBhvr>
+                                      <p:to>
+                                        <p:strVal val="visible"/>
+                                      </p:to>
+                                    </p:set>
+                                  </p:childTnLst>
+                                </p:cTn>
+                              </p:par>
+                            </p:childTnLst>
+                          </p:cTn>
+                        </p:par>
+                      </p:childTnLst>
+                    </p:cTn>
+                  </p:par>
+                  <p:par>
+                    <p:cTn id="25" fill="hold">
+                      <p:stCondLst>
+                        <p:cond delay="indefinite"/>
+                      </p:stCondLst>
+                      <p:childTnLst>
+                        <p:par>
+                          <p:cTn id="26" fill="hold">
+                            <p:stCondLst>
+                              <p:cond delay="0"/>
+                            </p:stCondLst>
+                            <p:childTnLst>
+                              <p:par>
+                                <p:cTn id="27" presetID="1" presetClass="entr" presetSubtype="0" fill="hold" grpId="0" nodeType="clickEffect">
+                                  <p:stCondLst>
+                                    <p:cond delay="0"/>
+                                  </p:stCondLst>
+                                  <p:childTnLst>
+                                    <p:set>
+                                      <p:cBhvr>
+                                        <p:cTn id="28" dur="1" fill="hold">
+                                          <p:stCondLst>
+                                            <p:cond delay="0"/>
+                                          </p:stCondLst>
+                                        </p:cTn>
+                                        <p:tgtEl>
+                                          <p:spTgt spid="3">
+                                            <p:txEl>
+                                              <p:pRg st="6" end="6"/>
+                                            </p:txEl>
+                                          </p:spTgt>
+                                        </p:tgtEl>
+                                        <p:attrNameLst>
+                                          <p:attrName>style.visibility</p:attrName>
+                                        </p:attrNameLst>
+                                      </p:cBhvr>
+                                      <p:to>
+                                        <p:strVal val="visible"/>
+                                      </p:to>
+                                    </p:set>
+                                  </p:childTnLst>
+                                </p:cTn>
+                              </p:par>
+                            </p:childTnLst>
+                          </p:cTn>
+                        </p:par>
+                      </p:childTnLst>
+                    </p:cTn>
+                  </p:par>
+                  <p:par>
+                    <p:cTn id="29" fill="hold">
+                      <p:stCondLst>
+                        <p:cond delay="indefinite"/>
+                      </p:stCondLst>
+                      <p:childTnLst>
+                        <p:par>
+                          <p:cTn id="30" fill="hold">
+                            <p:stCondLst>
+                              <p:cond delay="0"/>
+                            </p:stCondLst>
+                            <p:childTnLst>
+                              <p:par>
+                                <p:cTn id="31" presetID="1" presetClass="entr" presetSubtype="0" fill="hold" grpId="0" nodeType="clickEffect">
+                                  <p:stCondLst>
+                                    <p:cond delay="0"/>
+                                  </p:stCondLst>
+                                  <p:childTnLst>
+                                    <p:set>
+                                      <p:cBhvr>
+                                        <p:cTn id="32" dur="1" fill="hold">
+                                          <p:stCondLst>
+                                            <p:cond delay="0"/>
+                                          </p:stCondLst>
+                                        </p:cTn>
+                                        <p:tgtEl>
+                                          <p:spTgt spid="4"/>
+                                        </p:tgtEl>
+                                        <p:attrNameLst>
+                                          <p:attrName>style.visibility</p:attrName>
+                                        </p:attrNameLst>
+                                      </p:cBhvr>
+                                      <p:to>
+                                        <p:strVal val="visible"/>
+                                      </p:to>
+                                    </p:set>
+                                  </p:childTnLst>
+                                </p:cTn>
+                              </p:par>
+                              <p:par>
+                                <p:cTn id="33" presetID="1" presetClass="entr" presetSubtype="0" fill="hold" grpId="0" nodeType="withEffect">
+                                  <p:stCondLst>
+                                    <p:cond delay="0"/>
+                                  </p:stCondLst>
+                                  <p:childTnLst>
+                                    <p:set>
+                                      <p:cBhvr>
+                                        <p:cTn id="34" dur="1" fill="hold">
+                                          <p:stCondLst>
+                                            <p:cond delay="0"/>
+                                          </p:stCondLst>
+                                        </p:cTn>
+                                        <p:tgtEl>
+                                          <p:spTgt spid="5"/>
+                                        </p:tgtEl>
+                                        <p:attrNameLst>
+                                          <p:attrName>style.visibility</p:attrName>
+                                        </p:attrNameLst>
+                                      </p:cBhvr>
+                                      <p:to>
+                                        <p:strVal val="visible"/>
+                                      </p:to>
+                                    </p:set>
+                                  </p:childTnLst>
+                                </p:cTn>
+                              </p:par>
+                            </p:childTnLst>
+                          </p:cTn>
+                        </p:par>
+                      </p:childTnLst>
+                    </p:cTn>
+                  </p:par>
+                  <p:par>
+                    <p:cTn id="35" fill="hold">
+                      <p:stCondLst>
+                        <p:cond delay="indefinite"/>
+                      </p:stCondLst>
+                      <p:childTnLst>
+                        <p:par>
+                          <p:cTn id="36" fill="hold">
+                            <p:stCondLst>
+                              <p:cond delay="0"/>
+                            </p:stCondLst>
+                            <p:childTnLst>
+                              <p:par>
+                                <p:cTn id="37" presetID="1" presetClass="entr" presetSubtype="0" fill="hold" grpId="0" nodeType="clickEffect">
+                                  <p:stCondLst>
+                                    <p:cond delay="0"/>
+                                  </p:stCondLst>
+                                  <p:childTnLst>
+                                    <p:set>
+                                      <p:cBhvr>
+                                        <p:cTn id="38" dur="1" fill="hold">
+                                          <p:stCondLst>
+                                            <p:cond delay="0"/>
+                                          </p:stCondLst>
+                                        </p:cTn>
+                                        <p:tgtEl>
+                                          <p:spTgt spid="3">
+                                            <p:txEl>
+                                              <p:pRg st="7" end="7"/>
+                                            </p:txEl>
+                                          </p:spTgt>
+                                        </p:tgtEl>
+                                        <p:attrNameLst>
+                                          <p:attrName>style.visibility</p:attrName>
+                                        </p:attrNameLst>
+                                      </p:cBhvr>
+                                      <p:to>
+                                        <p:strVal val="visible"/>
+                                      </p:to>
+                                    </p:set>
+                                  </p:childTnLst>
+                                </p:cTn>
+                              </p:par>
+                              <p:par>
+                                <p:cTn id="39" presetID="1" presetClass="entr" presetSubtype="0" fill="hold" grpId="0" nodeType="withEffect">
+                                  <p:stCondLst>
+                                    <p:cond delay="0"/>
+                                  </p:stCondLst>
+                                  <p:childTnLst>
+                                    <p:set>
+                                      <p:cBhvr>
+                                        <p:cTn id="40" dur="1" fill="hold">
+                                          <p:stCondLst>
+                                            <p:cond delay="0"/>
+                                          </p:stCondLst>
+                                        </p:cTn>
+                                        <p:tgtEl>
+                                          <p:spTgt spid="3">
+                                            <p:txEl>
+                                              <p:pRg st="8" end="8"/>
+                                            </p:txEl>
+                                          </p:spTgt>
+                                        </p:tgtEl>
+                                        <p:attrNameLst>
+                                          <p:attrName>style.visibility</p:attrName>
+                                        </p:attrNameLst>
+                                      </p:cBhvr>
+                                      <p:to>
+                                        <p:strVal val="visible"/>
+                                      </p:to>
+                                    </p:set>
+                                  </p:childTnLst>
+                                </p:cTn>
+                              </p:par>
+                              <p:par>
+                                <p:cTn id="41" presetID="1" presetClass="entr" presetSubtype="0" fill="hold" grpId="0" nodeType="withEffect">
+                                  <p:stCondLst>
+                                    <p:cond delay="0"/>
+                                  </p:stCondLst>
+                                  <p:childTnLst>
+                                    <p:set>
+                                      <p:cBhvr>
+                                        <p:cTn id="42" dur="1" fill="hold">
+                                          <p:stCondLst>
+                                            <p:cond delay="0"/>
+                                          </p:stCondLst>
+                                        </p:cTn>
+                                        <p:tgtEl>
+                                          <p:spTgt spid="3">
+                                            <p:txEl>
+                                              <p:pRg st="9" end="9"/>
+                                            </p:txEl>
+                                          </p:spTgt>
+                                        </p:tgtEl>
+                                        <p:attrNameLst>
+                                          <p:attrName>style.visibility</p:attrName>
+                                        </p:attrNameLst>
+                                      </p:cBhvr>
+                                      <p:to>
+                                        <p:strVal val="visible"/>
+                                      </p:to>
+                                    </p:set>
+                                  </p:childTnLst>
+                                </p:cTn>
+                              </p:par>
+                            </p:childTnLst>
+                          </p:cTn>
+                        </p:par>
+                      </p:childTnLst>
+                    </p:cTn>
+                  </p:par>
+                  <p:par>
+                    <p:cTn id="43" fill="hold">
+                      <p:stCondLst>
+                        <p:cond delay="indefinite"/>
+                      </p:stCondLst>
+                      <p:childTnLst>
+                        <p:par>
+                          <p:cTn id="44" fill="hold">
+                            <p:stCondLst>
+                              <p:cond delay="0"/>
+                            </p:stCondLst>
+                            <p:childTnLst>
+                              <p:par>
+                                <p:cTn id="45" presetID="1" presetClass="entr" presetSubtype="0" fill="hold" grpId="0" nodeType="clickEffect">
+                                  <p:stCondLst>
+                                    <p:cond delay="0"/>
+                                  </p:stCondLst>
+                                  <p:childTnLst>
+                                    <p:set>
+                                      <p:cBhvr>
+                                        <p:cTn id="46" dur="1" fill="hold">
+                                          <p:stCondLst>
+                                            <p:cond delay="0"/>
+                                          </p:stCondLst>
+                                        </p:cTn>
+                                        <p:tgtEl>
+                                          <p:spTgt spid="6"/>
+                                        </p:tgtEl>
+                                        <p:attrNameLst>
+                                          <p:attrName>style.visibility</p:attrName>
+                                        </p:attrNameLst>
+                                      </p:cBhvr>
+                                      <p:to>
+                                        <p:strVal val="visible"/>
+                                      </p:to>
+                                    </p:set>
+                                  </p:childTnLst>
+                                </p:cTn>
+                              </p:par>
+                              <p:par>
+                                <p:cTn id="47" presetID="1" presetClass="entr" presetSubtype="0" fill="hold" grpId="0" nodeType="withEffect">
+                                  <p:stCondLst>
+                                    <p:cond delay="0"/>
+                                  </p:stCondLst>
+                                  <p:childTnLst>
+                                    <p:set>
+                                      <p:cBhvr>
+                                        <p:cTn id="48" dur="1" fill="hold">
+                                          <p:stCondLst>
+                                            <p:cond delay="0"/>
+                                          </p:stCondLst>
+                                        </p:cTn>
+                                        <p:tgtEl>
+                                          <p:spTgt spid="7"/>
+                                        </p:tgtEl>
+                                        <p:attrNameLst>
+                                          <p:attrName>style.visibility</p:attrName>
+                                        </p:attrNameLst>
+                                      </p:cBhvr>
+                                      <p:to>
+                                        <p:strVal val="visible"/>
+                                      </p:to>
+                                    </p:set>
+                                  </p:childTnLst>
+                                </p:cTn>
+                              </p:par>
+                            </p:childTnLst>
+                          </p:cTn>
+                        </p:par>
+                      </p:childTnLst>
+                    </p:cTn>
+                  </p:par>
+                </p:childTnLst>
+              </p:cTn>
+              <p:prevCondLst>
+                <p:cond evt="onPrev" delay="0">
+                  <p:tgtEl>
+                    <p:sldTgt/>
+                  </p:tgtEl>
+                </p:cond>
+              </p:prevCondLst>
+              <p:nextCondLst>
+                <p:cond evt="onNext" delay="0">
+                  <p:tgtEl>
+                    <p:sldTgt/>
+                  </p:tgtEl>
+                </p:cond>
+              </p:nextCondLst>
+            </p:seq>
+          </p:childTnLst>
+        </p:cTn>
       </p:par>
     </p:tnLst>
+    <p:bldLst>
+      <p:bldP spid="3" grpId="0" uiExpand="1" build="p"/>
+      <p:bldP spid="4" grpId="0" animBg="1"/>
+      <p:bldP spid="5" grpId="0"/>
+      <p:bldP spid="6" grpId="0" animBg="1"/>
+      <p:bldP spid="7" grpId="0"/>
+    </p:bldLst>
   </p:timing>
 </p:sld>
 </file>
